--- a/docs/Final_Presentation - Predictive Analysis for Injury Diagnosis and Localization.pptx
+++ b/docs/Final_Presentation - Predictive Analysis for Injury Diagnosis and Localization.pptx
@@ -5,19 +5,22 @@
     <p:sldMasterId id="2147483725" r:id="rId1"/>
   </p:sldMasterIdLst>
   <p:notesMasterIdLst>
-    <p:notesMasterId r:id="rId12"/>
+    <p:notesMasterId r:id="rId15"/>
   </p:notesMasterIdLst>
   <p:sldIdLst>
     <p:sldId id="256" r:id="rId2"/>
     <p:sldId id="257" r:id="rId3"/>
-    <p:sldId id="259" r:id="rId4"/>
-    <p:sldId id="258" r:id="rId5"/>
-    <p:sldId id="260" r:id="rId6"/>
-    <p:sldId id="261" r:id="rId7"/>
-    <p:sldId id="262" r:id="rId8"/>
-    <p:sldId id="263" r:id="rId9"/>
-    <p:sldId id="264" r:id="rId10"/>
-    <p:sldId id="265" r:id="rId11"/>
+    <p:sldId id="258" r:id="rId4"/>
+    <p:sldId id="260" r:id="rId5"/>
+    <p:sldId id="261" r:id="rId6"/>
+    <p:sldId id="262" r:id="rId7"/>
+    <p:sldId id="263" r:id="rId8"/>
+    <p:sldId id="267" r:id="rId9"/>
+    <p:sldId id="268" r:id="rId10"/>
+    <p:sldId id="269" r:id="rId11"/>
+    <p:sldId id="270" r:id="rId12"/>
+    <p:sldId id="266" r:id="rId13"/>
+    <p:sldId id="264" r:id="rId14"/>
   </p:sldIdLst>
   <p:sldSz cx="12192000" cy="6858000"/>
   <p:notesSz cx="6858000" cy="9144000"/>
@@ -116,7 +119,635 @@
       </a:defRPr>
     </a:lvl9pPr>
   </p:defaultTextStyle>
+  <p:extLst>
+    <p:ext uri="{EFAFB233-063F-42B5-8137-9DF3F51BA10A}">
+      <p15:sldGuideLst xmlns:p15="http://schemas.microsoft.com/office/powerpoint/2012/main"/>
+    </p:ext>
+  </p:extLst>
 </p:presentation>
+</file>
+
+<file path=ppt/revisionInfo.xml><?xml version="1.0" encoding="utf-8"?>
+<p1510:revInfo xmlns:a="http://schemas.openxmlformats.org/drawingml/2006/main" xmlns:r="http://schemas.openxmlformats.org/officeDocument/2006/relationships" xmlns:p1510="http://schemas.microsoft.com/office/powerpoint/2015/10/main">
+  <p1510:revLst>
+    <p1510:client id="{159694CD-AE90-465E-8772-80DAF94E410A}" v="760" dt="2023-11-14T22:28:47.410"/>
+  </p1510:revLst>
+</p1510:revInfo>
+</file>
+
+<file path=ppt/changesInfos/changesInfo1.xml><?xml version="1.0" encoding="utf-8"?>
+<pc:chgInfo xmlns:a="http://schemas.openxmlformats.org/drawingml/2006/main" xmlns:r="http://schemas.openxmlformats.org/officeDocument/2006/relationships" xmlns:ac="http://schemas.microsoft.com/office/drawing/2013/main/command" xmlns:pc="http://schemas.microsoft.com/office/powerpoint/2013/main/command">
+  <pc:docChgLst>
+    <pc:chgData name="Whittington, Michael" userId="3d673bd4-8b87-474b-9206-0e4e7b47c529" providerId="ADAL" clId="{159694CD-AE90-465E-8772-80DAF94E410A}"/>
+    <pc:docChg chg="undo custSel addSld delSld modSld sldOrd">
+      <pc:chgData name="Whittington, Michael" userId="3d673bd4-8b87-474b-9206-0e4e7b47c529" providerId="ADAL" clId="{159694CD-AE90-465E-8772-80DAF94E410A}" dt="2023-11-15T01:44:39.218" v="5197" actId="20577"/>
+      <pc:docMkLst>
+        <pc:docMk/>
+      </pc:docMkLst>
+      <pc:sldChg chg="modSp mod modNotesTx">
+        <pc:chgData name="Whittington, Michael" userId="3d673bd4-8b87-474b-9206-0e4e7b47c529" providerId="ADAL" clId="{159694CD-AE90-465E-8772-80DAF94E410A}" dt="2023-11-15T01:44:39.218" v="5197" actId="20577"/>
+        <pc:sldMkLst>
+          <pc:docMk/>
+          <pc:sldMk cId="3825996592" sldId="256"/>
+        </pc:sldMkLst>
+        <pc:spChg chg="mod">
+          <ac:chgData name="Whittington, Michael" userId="3d673bd4-8b87-474b-9206-0e4e7b47c529" providerId="ADAL" clId="{159694CD-AE90-465E-8772-80DAF94E410A}" dt="2023-11-10T22:09:13.051" v="718" actId="20577"/>
+          <ac:spMkLst>
+            <pc:docMk/>
+            <pc:sldMk cId="3825996592" sldId="256"/>
+            <ac:spMk id="3" creationId="{93B31BD1-E9FD-B04D-9D7C-C5A1919A856C}"/>
+          </ac:spMkLst>
+        </pc:spChg>
+      </pc:sldChg>
+      <pc:sldChg chg="addSp modSp mod">
+        <pc:chgData name="Whittington, Michael" userId="3d673bd4-8b87-474b-9206-0e4e7b47c529" providerId="ADAL" clId="{159694CD-AE90-465E-8772-80DAF94E410A}" dt="2023-11-10T22:27:47.775" v="1486"/>
+        <pc:sldMkLst>
+          <pc:docMk/>
+          <pc:sldMk cId="4024630610" sldId="257"/>
+        </pc:sldMkLst>
+        <pc:spChg chg="add mod">
+          <ac:chgData name="Whittington, Michael" userId="3d673bd4-8b87-474b-9206-0e4e7b47c529" providerId="ADAL" clId="{159694CD-AE90-465E-8772-80DAF94E410A}" dt="2023-11-10T22:22:21.475" v="1112"/>
+          <ac:spMkLst>
+            <pc:docMk/>
+            <pc:sldMk cId="4024630610" sldId="257"/>
+            <ac:spMk id="4" creationId="{4B191057-861B-14EE-CBC6-AB8BB7A12D85}"/>
+          </ac:spMkLst>
+        </pc:spChg>
+        <pc:spChg chg="add mod">
+          <ac:chgData name="Whittington, Michael" userId="3d673bd4-8b87-474b-9206-0e4e7b47c529" providerId="ADAL" clId="{159694CD-AE90-465E-8772-80DAF94E410A}" dt="2023-11-10T22:26:34.081" v="1423" actId="1038"/>
+          <ac:spMkLst>
+            <pc:docMk/>
+            <pc:sldMk cId="4024630610" sldId="257"/>
+            <ac:spMk id="7" creationId="{AE65E0A0-B1F7-3FA5-6449-DC41CF966B24}"/>
+          </ac:spMkLst>
+        </pc:spChg>
+        <pc:grpChg chg="add mod">
+          <ac:chgData name="Whittington, Michael" userId="3d673bd4-8b87-474b-9206-0e4e7b47c529" providerId="ADAL" clId="{159694CD-AE90-465E-8772-80DAF94E410A}" dt="2023-11-10T22:22:21.475" v="1112"/>
+          <ac:grpSpMkLst>
+            <pc:docMk/>
+            <pc:sldMk cId="4024630610" sldId="257"/>
+            <ac:grpSpMk id="3" creationId="{C5A54D5D-C1FC-0B82-B06E-6CEF3C713F9E}"/>
+          </ac:grpSpMkLst>
+        </pc:grpChg>
+        <pc:graphicFrameChg chg="add mod">
+          <ac:chgData name="Whittington, Michael" userId="3d673bd4-8b87-474b-9206-0e4e7b47c529" providerId="ADAL" clId="{159694CD-AE90-465E-8772-80DAF94E410A}" dt="2023-11-10T22:27:47.775" v="1486"/>
+          <ac:graphicFrameMkLst>
+            <pc:docMk/>
+            <pc:sldMk cId="4024630610" sldId="257"/>
+            <ac:graphicFrameMk id="5" creationId="{49E2A18E-6532-C4EE-80D6-CD78ADB2017C}"/>
+          </ac:graphicFrameMkLst>
+        </pc:graphicFrameChg>
+      </pc:sldChg>
+      <pc:sldChg chg="modNotesTx">
+        <pc:chgData name="Whittington, Michael" userId="3d673bd4-8b87-474b-9206-0e4e7b47c529" providerId="ADAL" clId="{159694CD-AE90-465E-8772-80DAF94E410A}" dt="2023-11-11T17:23:55.637" v="1501" actId="20577"/>
+        <pc:sldMkLst>
+          <pc:docMk/>
+          <pc:sldMk cId="3134596134" sldId="258"/>
+        </pc:sldMkLst>
+      </pc:sldChg>
+      <pc:sldChg chg="del">
+        <pc:chgData name="Whittington, Michael" userId="3d673bd4-8b87-474b-9206-0e4e7b47c529" providerId="ADAL" clId="{159694CD-AE90-465E-8772-80DAF94E410A}" dt="2023-11-08T21:48:26.885" v="408" actId="47"/>
+        <pc:sldMkLst>
+          <pc:docMk/>
+          <pc:sldMk cId="3573335134" sldId="259"/>
+        </pc:sldMkLst>
+      </pc:sldChg>
+      <pc:sldChg chg="modSp mod modNotesTx">
+        <pc:chgData name="Whittington, Michael" userId="3d673bd4-8b87-474b-9206-0e4e7b47c529" providerId="ADAL" clId="{159694CD-AE90-465E-8772-80DAF94E410A}" dt="2023-11-11T17:28:59.853" v="1860" actId="20577"/>
+        <pc:sldMkLst>
+          <pc:docMk/>
+          <pc:sldMk cId="4254173440" sldId="260"/>
+        </pc:sldMkLst>
+        <pc:graphicFrameChg chg="modGraphic">
+          <ac:chgData name="Whittington, Michael" userId="3d673bd4-8b87-474b-9206-0e4e7b47c529" providerId="ADAL" clId="{159694CD-AE90-465E-8772-80DAF94E410A}" dt="2023-11-11T17:27:28.765" v="1745" actId="20577"/>
+          <ac:graphicFrameMkLst>
+            <pc:docMk/>
+            <pc:sldMk cId="4254173440" sldId="260"/>
+            <ac:graphicFrameMk id="14" creationId="{BB4FED15-D03D-D7C3-76F3-EDED1629DFE0}"/>
+          </ac:graphicFrameMkLst>
+        </pc:graphicFrameChg>
+      </pc:sldChg>
+      <pc:sldChg chg="addSp delSp modSp mod">
+        <pc:chgData name="Whittington, Michael" userId="3d673bd4-8b87-474b-9206-0e4e7b47c529" providerId="ADAL" clId="{159694CD-AE90-465E-8772-80DAF94E410A}" dt="2023-11-15T01:40:29.744" v="5196" actId="20577"/>
+        <pc:sldMkLst>
+          <pc:docMk/>
+          <pc:sldMk cId="2901597915" sldId="263"/>
+        </pc:sldMkLst>
+        <pc:spChg chg="mod">
+          <ac:chgData name="Whittington, Michael" userId="3d673bd4-8b87-474b-9206-0e4e7b47c529" providerId="ADAL" clId="{159694CD-AE90-465E-8772-80DAF94E410A}" dt="2023-11-10T22:10:21.577" v="732" actId="313"/>
+          <ac:spMkLst>
+            <pc:docMk/>
+            <pc:sldMk cId="2901597915" sldId="263"/>
+            <ac:spMk id="2" creationId="{31662E89-35E9-21CD-9BB6-F25300F26C18}"/>
+          </ac:spMkLst>
+        </pc:spChg>
+        <pc:spChg chg="mod">
+          <ac:chgData name="Whittington, Michael" userId="3d673bd4-8b87-474b-9206-0e4e7b47c529" providerId="ADAL" clId="{159694CD-AE90-465E-8772-80DAF94E410A}" dt="2023-11-13T17:11:09.422" v="2243" actId="20577"/>
+          <ac:spMkLst>
+            <pc:docMk/>
+            <pc:sldMk cId="2901597915" sldId="263"/>
+            <ac:spMk id="4" creationId="{F7011246-4844-B1CB-D726-AF14B4AEFD3D}"/>
+          </ac:spMkLst>
+        </pc:spChg>
+        <pc:spChg chg="mod">
+          <ac:chgData name="Whittington, Michael" userId="3d673bd4-8b87-474b-9206-0e4e7b47c529" providerId="ADAL" clId="{159694CD-AE90-465E-8772-80DAF94E410A}" dt="2023-11-15T01:11:05.388" v="5191" actId="20577"/>
+          <ac:spMkLst>
+            <pc:docMk/>
+            <pc:sldMk cId="2901597915" sldId="263"/>
+            <ac:spMk id="5" creationId="{B9ACD76C-395D-406A-7925-6BA6506F2960}"/>
+          </ac:spMkLst>
+        </pc:spChg>
+        <pc:spChg chg="del">
+          <ac:chgData name="Whittington, Michael" userId="3d673bd4-8b87-474b-9206-0e4e7b47c529" providerId="ADAL" clId="{159694CD-AE90-465E-8772-80DAF94E410A}" dt="2023-11-08T21:45:23.808" v="380" actId="478"/>
+          <ac:spMkLst>
+            <pc:docMk/>
+            <pc:sldMk cId="2901597915" sldId="263"/>
+            <ac:spMk id="8" creationId="{9D3483F1-AF86-FA9C-FE2A-403CFF662BC6}"/>
+          </ac:spMkLst>
+        </pc:spChg>
+        <pc:spChg chg="del">
+          <ac:chgData name="Whittington, Michael" userId="3d673bd4-8b87-474b-9206-0e4e7b47c529" providerId="ADAL" clId="{159694CD-AE90-465E-8772-80DAF94E410A}" dt="2023-11-08T21:45:33.055" v="383" actId="478"/>
+          <ac:spMkLst>
+            <pc:docMk/>
+            <pc:sldMk cId="2901597915" sldId="263"/>
+            <ac:spMk id="10" creationId="{74DE1D1F-A3E3-3E90-78E2-42082698B772}"/>
+          </ac:spMkLst>
+        </pc:spChg>
+        <pc:spChg chg="del">
+          <ac:chgData name="Whittington, Michael" userId="3d673bd4-8b87-474b-9206-0e4e7b47c529" providerId="ADAL" clId="{159694CD-AE90-465E-8772-80DAF94E410A}" dt="2023-11-08T21:45:29.748" v="382" actId="478"/>
+          <ac:spMkLst>
+            <pc:docMk/>
+            <pc:sldMk cId="2901597915" sldId="263"/>
+            <ac:spMk id="11" creationId="{AC94A7CA-811C-41B8-777E-F67F290CD096}"/>
+          </ac:spMkLst>
+        </pc:spChg>
+        <pc:spChg chg="add mod">
+          <ac:chgData name="Whittington, Michael" userId="3d673bd4-8b87-474b-9206-0e4e7b47c529" providerId="ADAL" clId="{159694CD-AE90-465E-8772-80DAF94E410A}" dt="2023-11-09T00:18:09.130" v="587" actId="20577"/>
+          <ac:spMkLst>
+            <pc:docMk/>
+            <pc:sldMk cId="2901597915" sldId="263"/>
+            <ac:spMk id="12" creationId="{2E25D0B7-8A47-9F14-CB70-64BBF891A6A2}"/>
+          </ac:spMkLst>
+        </pc:spChg>
+        <pc:spChg chg="add mod">
+          <ac:chgData name="Whittington, Michael" userId="3d673bd4-8b87-474b-9206-0e4e7b47c529" providerId="ADAL" clId="{159694CD-AE90-465E-8772-80DAF94E410A}" dt="2023-11-15T01:40:29.744" v="5196" actId="20577"/>
+          <ac:spMkLst>
+            <pc:docMk/>
+            <pc:sldMk cId="2901597915" sldId="263"/>
+            <ac:spMk id="13" creationId="{808DCAB9-D86B-2645-1C3D-EA1B6F706786}"/>
+          </ac:spMkLst>
+        </pc:spChg>
+        <pc:cxnChg chg="add mod">
+          <ac:chgData name="Whittington, Michael" userId="3d673bd4-8b87-474b-9206-0e4e7b47c529" providerId="ADAL" clId="{159694CD-AE90-465E-8772-80DAF94E410A}" dt="2023-11-09T00:13:33.857" v="476" actId="1035"/>
+          <ac:cxnSpMkLst>
+            <pc:docMk/>
+            <pc:sldMk cId="2901597915" sldId="263"/>
+            <ac:cxnSpMk id="3" creationId="{A5C58147-EA53-9A4D-FCDE-CFDEF2A7B5D3}"/>
+          </ac:cxnSpMkLst>
+        </pc:cxnChg>
+        <pc:cxnChg chg="mod">
+          <ac:chgData name="Whittington, Michael" userId="3d673bd4-8b87-474b-9206-0e4e7b47c529" providerId="ADAL" clId="{159694CD-AE90-465E-8772-80DAF94E410A}" dt="2023-11-09T00:13:02.842" v="441" actId="1035"/>
+          <ac:cxnSpMkLst>
+            <pc:docMk/>
+            <pc:sldMk cId="2901597915" sldId="263"/>
+            <ac:cxnSpMk id="6" creationId="{F40C4BCB-7C21-CF87-222B-8791D3D19F90}"/>
+          </ac:cxnSpMkLst>
+        </pc:cxnChg>
+        <pc:cxnChg chg="mod">
+          <ac:chgData name="Whittington, Michael" userId="3d673bd4-8b87-474b-9206-0e4e7b47c529" providerId="ADAL" clId="{159694CD-AE90-465E-8772-80DAF94E410A}" dt="2023-11-09T00:13:02.842" v="441" actId="1035"/>
+          <ac:cxnSpMkLst>
+            <pc:docMk/>
+            <pc:sldMk cId="2901597915" sldId="263"/>
+            <ac:cxnSpMk id="7" creationId="{01D1562F-8096-ABC4-CED9-1752817C1DD0}"/>
+          </ac:cxnSpMkLst>
+        </pc:cxnChg>
+        <pc:cxnChg chg="del">
+          <ac:chgData name="Whittington, Michael" userId="3d673bd4-8b87-474b-9206-0e4e7b47c529" providerId="ADAL" clId="{159694CD-AE90-465E-8772-80DAF94E410A}" dt="2023-11-08T21:45:26.302" v="381" actId="478"/>
+          <ac:cxnSpMkLst>
+            <pc:docMk/>
+            <pc:sldMk cId="2901597915" sldId="263"/>
+            <ac:cxnSpMk id="9" creationId="{233E0233-2CDC-FC9E-3667-5D92E8C5A4AC}"/>
+          </ac:cxnSpMkLst>
+        </pc:cxnChg>
+      </pc:sldChg>
+      <pc:sldChg chg="addSp delSp modSp mod modClrScheme delDesignElem chgLayout modNotesTx">
+        <pc:chgData name="Whittington, Michael" userId="3d673bd4-8b87-474b-9206-0e4e7b47c529" providerId="ADAL" clId="{159694CD-AE90-465E-8772-80DAF94E410A}" dt="2023-11-15T00:57:06.188" v="4715" actId="20577"/>
+        <pc:sldMkLst>
+          <pc:docMk/>
+          <pc:sldMk cId="1392788701" sldId="264"/>
+        </pc:sldMkLst>
+        <pc:spChg chg="mod ord">
+          <ac:chgData name="Whittington, Michael" userId="3d673bd4-8b87-474b-9206-0e4e7b47c529" providerId="ADAL" clId="{159694CD-AE90-465E-8772-80DAF94E410A}" dt="2023-11-13T18:08:26.068" v="2652" actId="14100"/>
+          <ac:spMkLst>
+            <pc:docMk/>
+            <pc:sldMk cId="1392788701" sldId="264"/>
+            <ac:spMk id="2" creationId="{31662E89-35E9-21CD-9BB6-F25300F26C18}"/>
+          </ac:spMkLst>
+        </pc:spChg>
+        <pc:spChg chg="mod ord">
+          <ac:chgData name="Whittington, Michael" userId="3d673bd4-8b87-474b-9206-0e4e7b47c529" providerId="ADAL" clId="{159694CD-AE90-465E-8772-80DAF94E410A}" dt="2023-11-15T00:57:06.188" v="4715" actId="20577"/>
+          <ac:spMkLst>
+            <pc:docMk/>
+            <pc:sldMk cId="1392788701" sldId="264"/>
+            <ac:spMk id="3" creationId="{29ECC323-5C3A-D807-556C-5F472735EB6B}"/>
+          </ac:spMkLst>
+        </pc:spChg>
+        <pc:spChg chg="add mod ord">
+          <ac:chgData name="Whittington, Michael" userId="3d673bd4-8b87-474b-9206-0e4e7b47c529" providerId="ADAL" clId="{159694CD-AE90-465E-8772-80DAF94E410A}" dt="2023-11-13T21:19:19.205" v="3311" actId="20577"/>
+          <ac:spMkLst>
+            <pc:docMk/>
+            <pc:sldMk cId="1392788701" sldId="264"/>
+            <ac:spMk id="4" creationId="{324FA375-91D8-420C-5B15-C3B2701D5383}"/>
+          </ac:spMkLst>
+        </pc:spChg>
+        <pc:spChg chg="add mod">
+          <ac:chgData name="Whittington, Michael" userId="3d673bd4-8b87-474b-9206-0e4e7b47c529" providerId="ADAL" clId="{159694CD-AE90-465E-8772-80DAF94E410A}" dt="2023-11-13T18:08:37.847" v="2665" actId="20577"/>
+          <ac:spMkLst>
+            <pc:docMk/>
+            <pc:sldMk cId="1392788701" sldId="264"/>
+            <ac:spMk id="6" creationId="{C4A2B19A-B777-B31A-7F09-EE1EB6F32C08}"/>
+          </ac:spMkLst>
+        </pc:spChg>
+        <pc:spChg chg="del">
+          <ac:chgData name="Whittington, Michael" userId="3d673bd4-8b87-474b-9206-0e4e7b47c529" providerId="ADAL" clId="{159694CD-AE90-465E-8772-80DAF94E410A}" dt="2023-11-13T18:05:49.313" v="2612" actId="700"/>
+          <ac:spMkLst>
+            <pc:docMk/>
+            <pc:sldMk cId="1392788701" sldId="264"/>
+            <ac:spMk id="24" creationId="{6B3CA38D-7BB0-4D35-BE00-0F487660272C}"/>
+          </ac:spMkLst>
+        </pc:spChg>
+        <pc:cxnChg chg="add mod">
+          <ac:chgData name="Whittington, Michael" userId="3d673bd4-8b87-474b-9206-0e4e7b47c529" providerId="ADAL" clId="{159694CD-AE90-465E-8772-80DAF94E410A}" dt="2023-11-13T18:08:26.068" v="2652" actId="14100"/>
+          <ac:cxnSpMkLst>
+            <pc:docMk/>
+            <pc:sldMk cId="1392788701" sldId="264"/>
+            <ac:cxnSpMk id="5" creationId="{2AF31DC2-E84F-2F4C-3C5B-600DCF83085A}"/>
+          </ac:cxnSpMkLst>
+        </pc:cxnChg>
+        <pc:cxnChg chg="add mod">
+          <ac:chgData name="Whittington, Michael" userId="3d673bd4-8b87-474b-9206-0e4e7b47c529" providerId="ADAL" clId="{159694CD-AE90-465E-8772-80DAF94E410A}" dt="2023-11-13T18:08:06.479" v="2651" actId="14100"/>
+          <ac:cxnSpMkLst>
+            <pc:docMk/>
+            <pc:sldMk cId="1392788701" sldId="264"/>
+            <ac:cxnSpMk id="7" creationId="{9535114C-B1DF-6BAE-6537-5E42FAE53BB1}"/>
+          </ac:cxnSpMkLst>
+        </pc:cxnChg>
+        <pc:cxnChg chg="del">
+          <ac:chgData name="Whittington, Michael" userId="3d673bd4-8b87-474b-9206-0e4e7b47c529" providerId="ADAL" clId="{159694CD-AE90-465E-8772-80DAF94E410A}" dt="2023-11-13T18:05:49.313" v="2612" actId="700"/>
+          <ac:cxnSpMkLst>
+            <pc:docMk/>
+            <pc:sldMk cId="1392788701" sldId="264"/>
+            <ac:cxnSpMk id="23" creationId="{18B100A6-1EBC-40AB-BB7E-26807F3CFC31}"/>
+          </ac:cxnSpMkLst>
+        </pc:cxnChg>
+        <pc:cxnChg chg="del">
+          <ac:chgData name="Whittington, Michael" userId="3d673bd4-8b87-474b-9206-0e4e7b47c529" providerId="ADAL" clId="{159694CD-AE90-465E-8772-80DAF94E410A}" dt="2023-11-13T18:05:49.313" v="2612" actId="700"/>
+          <ac:cxnSpMkLst>
+            <pc:docMk/>
+            <pc:sldMk cId="1392788701" sldId="264"/>
+            <ac:cxnSpMk id="25" creationId="{4514FD1B-A0BF-4C73-A68E-4B1F7299F6AE}"/>
+          </ac:cxnSpMkLst>
+        </pc:cxnChg>
+      </pc:sldChg>
+      <pc:sldChg chg="del">
+        <pc:chgData name="Whittington, Michael" userId="3d673bd4-8b87-474b-9206-0e4e7b47c529" providerId="ADAL" clId="{159694CD-AE90-465E-8772-80DAF94E410A}" dt="2023-11-12T22:27:50.320" v="2057" actId="47"/>
+        <pc:sldMkLst>
+          <pc:docMk/>
+          <pc:sldMk cId="2644207805" sldId="265"/>
+        </pc:sldMkLst>
+      </pc:sldChg>
+      <pc:sldChg chg="addSp delSp modSp add mod ord modNotesTx">
+        <pc:chgData name="Whittington, Michael" userId="3d673bd4-8b87-474b-9206-0e4e7b47c529" providerId="ADAL" clId="{159694CD-AE90-465E-8772-80DAF94E410A}" dt="2023-11-14T22:07:04.138" v="3938" actId="20577"/>
+        <pc:sldMkLst>
+          <pc:docMk/>
+          <pc:sldMk cId="1235301227" sldId="266"/>
+        </pc:sldMkLst>
+        <pc:spChg chg="mod">
+          <ac:chgData name="Whittington, Michael" userId="3d673bd4-8b87-474b-9206-0e4e7b47c529" providerId="ADAL" clId="{159694CD-AE90-465E-8772-80DAF94E410A}" dt="2023-11-04T19:21:40.757" v="13" actId="20577"/>
+          <ac:spMkLst>
+            <pc:docMk/>
+            <pc:sldMk cId="1235301227" sldId="266"/>
+            <ac:spMk id="2" creationId="{31662E89-35E9-21CD-9BB6-F25300F26C18}"/>
+          </ac:spMkLst>
+        </pc:spChg>
+        <pc:spChg chg="mod">
+          <ac:chgData name="Whittington, Michael" userId="3d673bd4-8b87-474b-9206-0e4e7b47c529" providerId="ADAL" clId="{159694CD-AE90-465E-8772-80DAF94E410A}" dt="2023-11-04T19:23:17.648" v="17" actId="14100"/>
+          <ac:spMkLst>
+            <pc:docMk/>
+            <pc:sldMk cId="1235301227" sldId="266"/>
+            <ac:spMk id="8" creationId="{489087F2-26F4-F813-4FB4-FE37709A68D8}"/>
+          </ac:spMkLst>
+        </pc:spChg>
+        <pc:spChg chg="add del mod">
+          <ac:chgData name="Whittington, Michael" userId="3d673bd4-8b87-474b-9206-0e4e7b47c529" providerId="ADAL" clId="{159694CD-AE90-465E-8772-80DAF94E410A}" dt="2023-11-13T18:48:38.659" v="3119" actId="478"/>
+          <ac:spMkLst>
+            <pc:docMk/>
+            <pc:sldMk cId="1235301227" sldId="266"/>
+            <ac:spMk id="11" creationId="{32F786D0-B7D7-0BD8-CD68-7333B555A780}"/>
+          </ac:spMkLst>
+        </pc:spChg>
+        <pc:spChg chg="add del mod">
+          <ac:chgData name="Whittington, Michael" userId="3d673bd4-8b87-474b-9206-0e4e7b47c529" providerId="ADAL" clId="{159694CD-AE90-465E-8772-80DAF94E410A}" dt="2023-11-13T18:50:47.895" v="3191" actId="478"/>
+          <ac:spMkLst>
+            <pc:docMk/>
+            <pc:sldMk cId="1235301227" sldId="266"/>
+            <ac:spMk id="27" creationId="{B29C5364-4DEA-AB28-E32F-74B0AF845C8E}"/>
+          </ac:spMkLst>
+        </pc:spChg>
+        <pc:spChg chg="add mod">
+          <ac:chgData name="Whittington, Michael" userId="3d673bd4-8b87-474b-9206-0e4e7b47c529" providerId="ADAL" clId="{159694CD-AE90-465E-8772-80DAF94E410A}" dt="2023-11-13T20:08:51.624" v="3277" actId="1035"/>
+          <ac:spMkLst>
+            <pc:docMk/>
+            <pc:sldMk cId="1235301227" sldId="266"/>
+            <ac:spMk id="32" creationId="{B9FE9245-CACF-7433-475D-F24487B79DB1}"/>
+          </ac:spMkLst>
+        </pc:spChg>
+        <pc:spChg chg="add mod">
+          <ac:chgData name="Whittington, Michael" userId="3d673bd4-8b87-474b-9206-0e4e7b47c529" providerId="ADAL" clId="{159694CD-AE90-465E-8772-80DAF94E410A}" dt="2023-11-13T20:09:18.569" v="3281" actId="14100"/>
+          <ac:spMkLst>
+            <pc:docMk/>
+            <pc:sldMk cId="1235301227" sldId="266"/>
+            <ac:spMk id="33" creationId="{B2254809-FC64-628B-E3B3-946A8638256A}"/>
+          </ac:spMkLst>
+        </pc:spChg>
+        <pc:picChg chg="add del mod">
+          <ac:chgData name="Whittington, Michael" userId="3d673bd4-8b87-474b-9206-0e4e7b47c529" providerId="ADAL" clId="{159694CD-AE90-465E-8772-80DAF94E410A}" dt="2023-11-04T19:23:57.317" v="20" actId="478"/>
+          <ac:picMkLst>
+            <pc:docMk/>
+            <pc:sldMk cId="1235301227" sldId="266"/>
+            <ac:picMk id="4" creationId="{E79519CD-4482-67FC-9073-1B06F9330BDE}"/>
+          </ac:picMkLst>
+        </pc:picChg>
+        <pc:picChg chg="add mod">
+          <ac:chgData name="Whittington, Michael" userId="3d673bd4-8b87-474b-9206-0e4e7b47c529" providerId="ADAL" clId="{159694CD-AE90-465E-8772-80DAF94E410A}" dt="2023-11-04T19:26:04.453" v="27" actId="1076"/>
+          <ac:picMkLst>
+            <pc:docMk/>
+            <pc:sldMk cId="1235301227" sldId="266"/>
+            <ac:picMk id="7" creationId="{604C1A56-4AAB-593D-76B0-536BF81FCD21}"/>
+          </ac:picMkLst>
+        </pc:picChg>
+        <pc:picChg chg="del">
+          <ac:chgData name="Whittington, Michael" userId="3d673bd4-8b87-474b-9206-0e4e7b47c529" providerId="ADAL" clId="{159694CD-AE90-465E-8772-80DAF94E410A}" dt="2023-11-04T19:23:20.149" v="18" actId="478"/>
+          <ac:picMkLst>
+            <pc:docMk/>
+            <pc:sldMk cId="1235301227" sldId="266"/>
+            <ac:picMk id="14" creationId="{76A2A68D-7070-5E83-6027-540BA827828E}"/>
+          </ac:picMkLst>
+        </pc:picChg>
+        <pc:picChg chg="add del mod">
+          <ac:chgData name="Whittington, Michael" userId="3d673bd4-8b87-474b-9206-0e4e7b47c529" providerId="ADAL" clId="{159694CD-AE90-465E-8772-80DAF94E410A}" dt="2023-11-13T00:02:47.841" v="2122" actId="478"/>
+          <ac:picMkLst>
+            <pc:docMk/>
+            <pc:sldMk cId="1235301227" sldId="266"/>
+            <ac:picMk id="15" creationId="{DE71B619-95D9-9FB8-C76C-359FE6F8A73D}"/>
+          </ac:picMkLst>
+        </pc:picChg>
+        <pc:picChg chg="add del mod">
+          <ac:chgData name="Whittington, Michael" userId="3d673bd4-8b87-474b-9206-0e4e7b47c529" providerId="ADAL" clId="{159694CD-AE90-465E-8772-80DAF94E410A}" dt="2023-11-13T20:08:34.151" v="3259" actId="478"/>
+          <ac:picMkLst>
+            <pc:docMk/>
+            <pc:sldMk cId="1235301227" sldId="266"/>
+            <ac:picMk id="22" creationId="{2ACB963E-EF72-3845-EE65-C3381EE7AF14}"/>
+          </ac:picMkLst>
+        </pc:picChg>
+        <pc:picChg chg="del">
+          <ac:chgData name="Whittington, Michael" userId="3d673bd4-8b87-474b-9206-0e4e7b47c529" providerId="ADAL" clId="{159694CD-AE90-465E-8772-80DAF94E410A}" dt="2023-11-04T19:21:26.649" v="5" actId="478"/>
+          <ac:picMkLst>
+            <pc:docMk/>
+            <pc:sldMk cId="1235301227" sldId="266"/>
+            <ac:picMk id="26" creationId="{7A73CFA2-C302-3BA3-FDB0-DD9BC3AD0A5C}"/>
+          </ac:picMkLst>
+        </pc:picChg>
+        <pc:picChg chg="del">
+          <ac:chgData name="Whittington, Michael" userId="3d673bd4-8b87-474b-9206-0e4e7b47c529" providerId="ADAL" clId="{159694CD-AE90-465E-8772-80DAF94E410A}" dt="2023-11-04T19:21:24.914" v="4" actId="478"/>
+          <ac:picMkLst>
+            <pc:docMk/>
+            <pc:sldMk cId="1235301227" sldId="266"/>
+            <ac:picMk id="28" creationId="{9408ECAF-4E8A-635A-6589-35BFA4E93E5E}"/>
+          </ac:picMkLst>
+        </pc:picChg>
+        <pc:picChg chg="del">
+          <ac:chgData name="Whittington, Michael" userId="3d673bd4-8b87-474b-9206-0e4e7b47c529" providerId="ADAL" clId="{159694CD-AE90-465E-8772-80DAF94E410A}" dt="2023-11-04T19:21:23.248" v="3" actId="478"/>
+          <ac:picMkLst>
+            <pc:docMk/>
+            <pc:sldMk cId="1235301227" sldId="266"/>
+            <ac:picMk id="30" creationId="{FB697485-B66B-644F-3C0D-63A04124DF71}"/>
+          </ac:picMkLst>
+        </pc:picChg>
+        <pc:picChg chg="add mod">
+          <ac:chgData name="Whittington, Michael" userId="3d673bd4-8b87-474b-9206-0e4e7b47c529" providerId="ADAL" clId="{159694CD-AE90-465E-8772-80DAF94E410A}" dt="2023-11-13T20:08:51.624" v="3277" actId="1035"/>
+          <ac:picMkLst>
+            <pc:docMk/>
+            <pc:sldMk cId="1235301227" sldId="266"/>
+            <ac:picMk id="31" creationId="{51290AC2-79A0-6860-2EB7-9D97A8AA0B15}"/>
+          </ac:picMkLst>
+        </pc:picChg>
+        <pc:picChg chg="add mod">
+          <ac:chgData name="Whittington, Michael" userId="3d673bd4-8b87-474b-9206-0e4e7b47c529" providerId="ADAL" clId="{159694CD-AE90-465E-8772-80DAF94E410A}" dt="2023-11-13T20:09:12.398" v="3280" actId="14100"/>
+          <ac:picMkLst>
+            <pc:docMk/>
+            <pc:sldMk cId="1235301227" sldId="266"/>
+            <ac:picMk id="35" creationId="{B4282AAE-4893-E2BB-DEF9-CE2117FCCF0B}"/>
+          </ac:picMkLst>
+        </pc:picChg>
+      </pc:sldChg>
+      <pc:sldChg chg="addSp delSp modSp new mod ord">
+        <pc:chgData name="Whittington, Michael" userId="3d673bd4-8b87-474b-9206-0e4e7b47c529" providerId="ADAL" clId="{159694CD-AE90-465E-8772-80DAF94E410A}" dt="2023-11-14T18:10:41.532" v="3325" actId="20577"/>
+        <pc:sldMkLst>
+          <pc:docMk/>
+          <pc:sldMk cId="422958988" sldId="267"/>
+        </pc:sldMkLst>
+        <pc:spChg chg="mod">
+          <ac:chgData name="Whittington, Michael" userId="3d673bd4-8b87-474b-9206-0e4e7b47c529" providerId="ADAL" clId="{159694CD-AE90-465E-8772-80DAF94E410A}" dt="2023-11-12T22:09:37.001" v="2040" actId="20577"/>
+          <ac:spMkLst>
+            <pc:docMk/>
+            <pc:sldMk cId="422958988" sldId="267"/>
+            <ac:spMk id="2" creationId="{06899CBB-F7E6-1CD7-4BE4-A012F5814C67}"/>
+          </ac:spMkLst>
+        </pc:spChg>
+        <pc:spChg chg="del">
+          <ac:chgData name="Whittington, Michael" userId="3d673bd4-8b87-474b-9206-0e4e7b47c529" providerId="ADAL" clId="{159694CD-AE90-465E-8772-80DAF94E410A}" dt="2023-11-04T19:37:57.065" v="61" actId="478"/>
+          <ac:spMkLst>
+            <pc:docMk/>
+            <pc:sldMk cId="422958988" sldId="267"/>
+            <ac:spMk id="3" creationId="{C4DC22C0-8C94-F62C-B2D0-F1BFE7AB7D1E}"/>
+          </ac:spMkLst>
+        </pc:spChg>
+        <pc:graphicFrameChg chg="add mod modGraphic">
+          <ac:chgData name="Whittington, Michael" userId="3d673bd4-8b87-474b-9206-0e4e7b47c529" providerId="ADAL" clId="{159694CD-AE90-465E-8772-80DAF94E410A}" dt="2023-11-14T18:10:41.532" v="3325" actId="20577"/>
+          <ac:graphicFrameMkLst>
+            <pc:docMk/>
+            <pc:sldMk cId="422958988" sldId="267"/>
+            <ac:graphicFrameMk id="4" creationId="{ABC1C318-114C-7B15-3B66-FABBF7C4B861}"/>
+          </ac:graphicFrameMkLst>
+        </pc:graphicFrameChg>
+      </pc:sldChg>
+      <pc:sldChg chg="new del">
+        <pc:chgData name="Whittington, Michael" userId="3d673bd4-8b87-474b-9206-0e4e7b47c529" providerId="ADAL" clId="{159694CD-AE90-465E-8772-80DAF94E410A}" dt="2023-11-04T19:34:03.648" v="50" actId="47"/>
+        <pc:sldMkLst>
+          <pc:docMk/>
+          <pc:sldMk cId="589623665" sldId="267"/>
+        </pc:sldMkLst>
+      </pc:sldChg>
+      <pc:sldChg chg="addSp delSp modSp new mod modNotesTx">
+        <pc:chgData name="Whittington, Michael" userId="3d673bd4-8b87-474b-9206-0e4e7b47c529" providerId="ADAL" clId="{159694CD-AE90-465E-8772-80DAF94E410A}" dt="2023-11-15T01:09:21.037" v="5189" actId="20577"/>
+        <pc:sldMkLst>
+          <pc:docMk/>
+          <pc:sldMk cId="723747569" sldId="268"/>
+        </pc:sldMkLst>
+        <pc:spChg chg="mod">
+          <ac:chgData name="Whittington, Michael" userId="3d673bd4-8b87-474b-9206-0e4e7b47c529" providerId="ADAL" clId="{159694CD-AE90-465E-8772-80DAF94E410A}" dt="2023-11-13T19:35:58.384" v="3228" actId="20577"/>
+          <ac:spMkLst>
+            <pc:docMk/>
+            <pc:sldMk cId="723747569" sldId="268"/>
+            <ac:spMk id="2" creationId="{1FF8C228-A8F8-D113-44A1-B87A1289EDF2}"/>
+          </ac:spMkLst>
+        </pc:spChg>
+        <pc:spChg chg="del">
+          <ac:chgData name="Whittington, Michael" userId="3d673bd4-8b87-474b-9206-0e4e7b47c529" providerId="ADAL" clId="{159694CD-AE90-465E-8772-80DAF94E410A}" dt="2023-11-14T18:26:33.632" v="3328" actId="478"/>
+          <ac:spMkLst>
+            <pc:docMk/>
+            <pc:sldMk cId="723747569" sldId="268"/>
+            <ac:spMk id="3" creationId="{BB48A458-BD28-B058-FFE5-DDFA997B36CF}"/>
+          </ac:spMkLst>
+        </pc:spChg>
+        <pc:spChg chg="add mod">
+          <ac:chgData name="Whittington, Michael" userId="3d673bd4-8b87-474b-9206-0e4e7b47c529" providerId="ADAL" clId="{159694CD-AE90-465E-8772-80DAF94E410A}" dt="2023-11-14T18:33:32.838" v="3498" actId="1038"/>
+          <ac:spMkLst>
+            <pc:docMk/>
+            <pc:sldMk cId="723747569" sldId="268"/>
+            <ac:spMk id="8" creationId="{4B45A6C9-B24D-4A34-3A0A-C970BC709832}"/>
+          </ac:spMkLst>
+        </pc:spChg>
+        <pc:spChg chg="add mod">
+          <ac:chgData name="Whittington, Michael" userId="3d673bd4-8b87-474b-9206-0e4e7b47c529" providerId="ADAL" clId="{159694CD-AE90-465E-8772-80DAF94E410A}" dt="2023-11-14T18:33:52.594" v="3518" actId="20577"/>
+          <ac:spMkLst>
+            <pc:docMk/>
+            <pc:sldMk cId="723747569" sldId="268"/>
+            <ac:spMk id="11" creationId="{08767137-B697-A013-B6FC-4510008F933C}"/>
+          </ac:spMkLst>
+        </pc:spChg>
+        <pc:picChg chg="add del mod">
+          <ac:chgData name="Whittington, Michael" userId="3d673bd4-8b87-474b-9206-0e4e7b47c529" providerId="ADAL" clId="{159694CD-AE90-465E-8772-80DAF94E410A}" dt="2023-11-14T21:53:42.083" v="3533" actId="478"/>
+          <ac:picMkLst>
+            <pc:docMk/>
+            <pc:sldMk cId="723747569" sldId="268"/>
+            <ac:picMk id="5" creationId="{FAF4E5E9-2616-22EA-A488-516FE1FCCEE1}"/>
+          </ac:picMkLst>
+        </pc:picChg>
+        <pc:picChg chg="add del mod">
+          <ac:chgData name="Whittington, Michael" userId="3d673bd4-8b87-474b-9206-0e4e7b47c529" providerId="ADAL" clId="{159694CD-AE90-465E-8772-80DAF94E410A}" dt="2023-11-14T22:16:53.516" v="3946" actId="478"/>
+          <ac:picMkLst>
+            <pc:docMk/>
+            <pc:sldMk cId="723747569" sldId="268"/>
+            <ac:picMk id="10" creationId="{23D29D5E-CE9A-19B6-E874-275A4564AB19}"/>
+          </ac:picMkLst>
+        </pc:picChg>
+        <pc:picChg chg="add mod">
+          <ac:chgData name="Whittington, Michael" userId="3d673bd4-8b87-474b-9206-0e4e7b47c529" providerId="ADAL" clId="{159694CD-AE90-465E-8772-80DAF94E410A}" dt="2023-11-14T21:53:57.374" v="3538" actId="1037"/>
+          <ac:picMkLst>
+            <pc:docMk/>
+            <pc:sldMk cId="723747569" sldId="268"/>
+            <ac:picMk id="13" creationId="{FC77EC27-C046-D68F-8F18-3A6142E2E9CB}"/>
+          </ac:picMkLst>
+        </pc:picChg>
+        <pc:picChg chg="add mod">
+          <ac:chgData name="Whittington, Michael" userId="3d673bd4-8b87-474b-9206-0e4e7b47c529" providerId="ADAL" clId="{159694CD-AE90-465E-8772-80DAF94E410A}" dt="2023-11-14T22:17:11.279" v="3949" actId="1076"/>
+          <ac:picMkLst>
+            <pc:docMk/>
+            <pc:sldMk cId="723747569" sldId="268"/>
+            <ac:picMk id="15" creationId="{2F8B1B1E-322C-6DA9-388A-FB1B850F7E24}"/>
+          </ac:picMkLst>
+        </pc:picChg>
+        <pc:cxnChg chg="add del mod">
+          <ac:chgData name="Whittington, Michael" userId="3d673bd4-8b87-474b-9206-0e4e7b47c529" providerId="ADAL" clId="{159694CD-AE90-465E-8772-80DAF94E410A}" dt="2023-11-14T18:28:08.675" v="3341" actId="478"/>
+          <ac:cxnSpMkLst>
+            <pc:docMk/>
+            <pc:sldMk cId="723747569" sldId="268"/>
+            <ac:cxnSpMk id="6" creationId="{810FBFBF-5280-FE6A-C784-D40D9F8D9B41}"/>
+          </ac:cxnSpMkLst>
+        </pc:cxnChg>
+      </pc:sldChg>
+      <pc:sldChg chg="modSp add del mod">
+        <pc:chgData name="Whittington, Michael" userId="3d673bd4-8b87-474b-9206-0e4e7b47c529" providerId="ADAL" clId="{159694CD-AE90-465E-8772-80DAF94E410A}" dt="2023-11-13T18:04:59.532" v="2593" actId="47"/>
+        <pc:sldMkLst>
+          <pc:docMk/>
+          <pc:sldMk cId="3556770455" sldId="268"/>
+        </pc:sldMkLst>
+        <pc:spChg chg="mod">
+          <ac:chgData name="Whittington, Michael" userId="3d673bd4-8b87-474b-9206-0e4e7b47c529" providerId="ADAL" clId="{159694CD-AE90-465E-8772-80DAF94E410A}" dt="2023-11-13T18:04:50.298" v="2592" actId="20577"/>
+          <ac:spMkLst>
+            <pc:docMk/>
+            <pc:sldMk cId="3556770455" sldId="268"/>
+            <ac:spMk id="2" creationId="{31662E89-35E9-21CD-9BB6-F25300F26C18}"/>
+          </ac:spMkLst>
+        </pc:spChg>
+      </pc:sldChg>
+      <pc:sldChg chg="addSp delSp modSp add mod modNotesTx">
+        <pc:chgData name="Whittington, Michael" userId="3d673bd4-8b87-474b-9206-0e4e7b47c529" providerId="ADAL" clId="{159694CD-AE90-465E-8772-80DAF94E410A}" dt="2023-11-14T22:28:22.226" v="4256" actId="20577"/>
+        <pc:sldMkLst>
+          <pc:docMk/>
+          <pc:sldMk cId="321617598" sldId="269"/>
+        </pc:sldMkLst>
+        <pc:spChg chg="mod">
+          <ac:chgData name="Whittington, Michael" userId="3d673bd4-8b87-474b-9206-0e4e7b47c529" providerId="ADAL" clId="{159694CD-AE90-465E-8772-80DAF94E410A}" dt="2023-11-14T22:28:22.226" v="4256" actId="20577"/>
+          <ac:spMkLst>
+            <pc:docMk/>
+            <pc:sldMk cId="321617598" sldId="269"/>
+            <ac:spMk id="2" creationId="{1FF8C228-A8F8-D113-44A1-B87A1289EDF2}"/>
+          </ac:spMkLst>
+        </pc:spChg>
+        <pc:spChg chg="del">
+          <ac:chgData name="Whittington, Michael" userId="3d673bd4-8b87-474b-9206-0e4e7b47c529" providerId="ADAL" clId="{159694CD-AE90-465E-8772-80DAF94E410A}" dt="2023-11-14T18:40:05.654" v="3519" actId="478"/>
+          <ac:spMkLst>
+            <pc:docMk/>
+            <pc:sldMk cId="321617598" sldId="269"/>
+            <ac:spMk id="3" creationId="{BB48A458-BD28-B058-FFE5-DDFA997B36CF}"/>
+          </ac:spMkLst>
+        </pc:spChg>
+        <pc:picChg chg="add mod">
+          <ac:chgData name="Whittington, Michael" userId="3d673bd4-8b87-474b-9206-0e4e7b47c529" providerId="ADAL" clId="{159694CD-AE90-465E-8772-80DAF94E410A}" dt="2023-11-14T18:40:41.655" v="3526" actId="1076"/>
+          <ac:picMkLst>
+            <pc:docMk/>
+            <pc:sldMk cId="321617598" sldId="269"/>
+            <ac:picMk id="5" creationId="{BC2A44AE-CC3C-53E6-4F1F-E795C77A9072}"/>
+          </ac:picMkLst>
+        </pc:picChg>
+      </pc:sldChg>
+      <pc:sldChg chg="addSp delSp modSp add mod modNotesTx">
+        <pc:chgData name="Whittington, Michael" userId="3d673bd4-8b87-474b-9206-0e4e7b47c529" providerId="ADAL" clId="{159694CD-AE90-465E-8772-80DAF94E410A}" dt="2023-11-14T22:32:21.364" v="4659" actId="20577"/>
+        <pc:sldMkLst>
+          <pc:docMk/>
+          <pc:sldMk cId="4041299858" sldId="270"/>
+        </pc:sldMkLst>
+        <pc:spChg chg="mod">
+          <ac:chgData name="Whittington, Michael" userId="3d673bd4-8b87-474b-9206-0e4e7b47c529" providerId="ADAL" clId="{159694CD-AE90-465E-8772-80DAF94E410A}" dt="2023-11-14T22:28:34.434" v="4275" actId="20577"/>
+          <ac:spMkLst>
+            <pc:docMk/>
+            <pc:sldMk cId="4041299858" sldId="270"/>
+            <ac:spMk id="2" creationId="{1FF8C228-A8F8-D113-44A1-B87A1289EDF2}"/>
+          </ac:spMkLst>
+        </pc:spChg>
+        <pc:picChg chg="add mod">
+          <ac:chgData name="Whittington, Michael" userId="3d673bd4-8b87-474b-9206-0e4e7b47c529" providerId="ADAL" clId="{159694CD-AE90-465E-8772-80DAF94E410A}" dt="2023-11-14T22:29:50.925" v="4288" actId="1076"/>
+          <ac:picMkLst>
+            <pc:docMk/>
+            <pc:sldMk cId="4041299858" sldId="270"/>
+            <ac:picMk id="4" creationId="{970D84C2-E837-9397-0C43-8BD6EC8262B0}"/>
+          </ac:picMkLst>
+        </pc:picChg>
+        <pc:picChg chg="del">
+          <ac:chgData name="Whittington, Michael" userId="3d673bd4-8b87-474b-9206-0e4e7b47c529" providerId="ADAL" clId="{159694CD-AE90-465E-8772-80DAF94E410A}" dt="2023-11-14T22:29:46.114" v="4287" actId="478"/>
+          <ac:picMkLst>
+            <pc:docMk/>
+            <pc:sldMk cId="4041299858" sldId="270"/>
+            <ac:picMk id="5" creationId="{BC2A44AE-CC3C-53E6-4F1F-E795C77A9072}"/>
+          </ac:picMkLst>
+        </pc:picChg>
+      </pc:sldChg>
+    </pc:docChg>
+  </pc:docChgLst>
+</pc:chgInfo>
 </file>
 
 <file path=ppt/diagrams/colors1.xml><?xml version="1.0" encoding="utf-8"?>
@@ -890,6 +1521,9 @@
         <a:lstStyle/>
         <a:p>
           <a:pPr>
+            <a:lnSpc>
+              <a:spcPct val="100000"/>
+            </a:lnSpc>
             <a:defRPr b="1"/>
           </a:pPr>
           <a:r>
@@ -929,10 +1563,13 @@
         <a:lstStyle/>
         <a:p>
           <a:pPr>
+            <a:lnSpc>
+              <a:spcPct val="100000"/>
+            </a:lnSpc>
             <a:defRPr b="1"/>
           </a:pPr>
           <a:r>
-            <a:rPr lang="en-US"/>
+            <a:rPr lang="en-US" dirty="0"/>
             <a:t>Dataset Overview</a:t>
           </a:r>
         </a:p>
@@ -968,10 +1605,13 @@
         <a:lstStyle/>
         <a:p>
           <a:pPr>
+            <a:lnSpc>
+              <a:spcPct val="100000"/>
+            </a:lnSpc>
             <a:defRPr b="1"/>
           </a:pPr>
           <a:r>
-            <a:rPr lang="en-US"/>
+            <a:rPr lang="en-US" dirty="0"/>
             <a:t>Exploratory Data Analysis</a:t>
           </a:r>
         </a:p>
@@ -1006,6 +1646,11 @@
         <a:bodyPr/>
         <a:lstStyle/>
         <a:p>
+          <a:pPr>
+            <a:lnSpc>
+              <a:spcPct val="100000"/>
+            </a:lnSpc>
+          </a:pPr>
           <a:r>
             <a:rPr lang="en-US" dirty="0"/>
             <a:t>(Demo)</a:t>
@@ -1043,11 +1688,14 @@
         <a:lstStyle/>
         <a:p>
           <a:pPr>
+            <a:lnSpc>
+              <a:spcPct val="100000"/>
+            </a:lnSpc>
             <a:defRPr b="1"/>
           </a:pPr>
           <a:r>
-            <a:rPr lang="en-US" dirty="0"/>
-            <a:t>Models Overview and Next Steps</a:t>
+            <a:rPr lang="en-US"/>
+            <a:t>Models Overview and Results</a:t>
           </a:r>
         </a:p>
       </dgm:t>
@@ -1082,6 +1730,9 @@
         <a:lstStyle/>
         <a:p>
           <a:pPr>
+            <a:lnSpc>
+              <a:spcPct val="100000"/>
+            </a:lnSpc>
             <a:defRPr b="1"/>
           </a:pPr>
           <a:r>
@@ -1121,6 +1772,9 @@
         <a:lstStyle/>
         <a:p>
           <a:pPr>
+            <a:lnSpc>
+              <a:spcPct val="100000"/>
+            </a:lnSpc>
             <a:defRPr b="1"/>
           </a:pPr>
           <a:r>
@@ -1152,6 +1806,48 @@
         </a:p>
       </dgm:t>
     </dgm:pt>
+    <dgm:pt modelId="{7CC7E161-78CB-434D-942A-3E1AA187DFFD}">
+      <dgm:prSet/>
+      <dgm:spPr/>
+      <dgm:t>
+        <a:bodyPr/>
+        <a:lstStyle/>
+        <a:p>
+          <a:pPr>
+            <a:lnSpc>
+              <a:spcPct val="100000"/>
+            </a:lnSpc>
+            <a:defRPr b="1"/>
+          </a:pPr>
+          <a:r>
+            <a:rPr lang="en-US" dirty="0"/>
+            <a:t>Model Application</a:t>
+          </a:r>
+        </a:p>
+      </dgm:t>
+    </dgm:pt>
+    <dgm:pt modelId="{77460BF5-06C8-43F6-83A9-F219E06427F6}" type="parTrans" cxnId="{45AF58D2-57F5-4852-B50E-FAD0D0EF51C8}">
+      <dgm:prSet/>
+      <dgm:spPr/>
+      <dgm:t>
+        <a:bodyPr/>
+        <a:lstStyle/>
+        <a:p>
+          <a:endParaRPr lang="en-US"/>
+        </a:p>
+      </dgm:t>
+    </dgm:pt>
+    <dgm:pt modelId="{E797AC1D-4F9B-493D-8409-EF368AE1B528}" type="sibTrans" cxnId="{45AF58D2-57F5-4852-B50E-FAD0D0EF51C8}">
+      <dgm:prSet/>
+      <dgm:spPr/>
+      <dgm:t>
+        <a:bodyPr/>
+        <a:lstStyle/>
+        <a:p>
+          <a:endParaRPr lang="en-US"/>
+        </a:p>
+      </dgm:t>
+    </dgm:pt>
     <dgm:pt modelId="{7EE74019-55EC-421D-8F29-6B8F9FC123CA}" type="pres">
       <dgm:prSet presAssocID="{22207309-A4D9-41A2-8595-D6E96503A690}" presName="root" presStyleCnt="0">
         <dgm:presLayoutVars>
@@ -1166,7 +1862,7 @@
       <dgm:spPr/>
     </dgm:pt>
     <dgm:pt modelId="{5F6F5466-F727-4503-B5B8-65A802422A15}" type="pres">
-      <dgm:prSet presAssocID="{8063ACB2-5AD9-4013-9AB2-17E6626BC4F2}" presName="iconRect" presStyleLbl="node1" presStyleIdx="0" presStyleCnt="6"/>
+      <dgm:prSet presAssocID="{8063ACB2-5AD9-4013-9AB2-17E6626BC4F2}" presName="iconRect" presStyleLbl="node1" presStyleIdx="0" presStyleCnt="7" custLinFactNeighborX="-26334" custLinFactNeighborY="-1796"/>
       <dgm:spPr>
         <a:blipFill>
           <a:blip xmlns:r="http://schemas.openxmlformats.org/officeDocument/2006/relationships" r:embed="rId1">
@@ -1198,7 +1894,7 @@
       <dgm:spPr/>
     </dgm:pt>
     <dgm:pt modelId="{816985F7-5C46-43D0-9D75-33CF70A0E41A}" type="pres">
-      <dgm:prSet presAssocID="{8063ACB2-5AD9-4013-9AB2-17E6626BC4F2}" presName="parTx" presStyleLbl="revTx" presStyleIdx="0" presStyleCnt="12">
+      <dgm:prSet presAssocID="{8063ACB2-5AD9-4013-9AB2-17E6626BC4F2}" presName="parTx" presStyleLbl="revTx" presStyleIdx="0" presStyleCnt="14" custScaleX="85749" custLinFactNeighborX="-26420" custLinFactNeighborY="-3636">
         <dgm:presLayoutVars>
           <dgm:chMax val="0"/>
           <dgm:chPref val="0"/>
@@ -1211,7 +1907,7 @@
       <dgm:spPr/>
     </dgm:pt>
     <dgm:pt modelId="{00D965F1-A6D1-40D5-8397-456226672D3C}" type="pres">
-      <dgm:prSet presAssocID="{8063ACB2-5AD9-4013-9AB2-17E6626BC4F2}" presName="desTx" presStyleLbl="revTx" presStyleIdx="1" presStyleCnt="12">
+      <dgm:prSet presAssocID="{8063ACB2-5AD9-4013-9AB2-17E6626BC4F2}" presName="desTx" presStyleLbl="revTx" presStyleIdx="1" presStyleCnt="14">
         <dgm:presLayoutVars/>
       </dgm:prSet>
       <dgm:spPr/>
@@ -1225,7 +1921,7 @@
       <dgm:spPr/>
     </dgm:pt>
     <dgm:pt modelId="{95AF5F91-2A54-4244-A80C-7055F6508BD5}" type="pres">
-      <dgm:prSet presAssocID="{257501CF-C0FB-4401-9023-7157BE2AC59B}" presName="iconRect" presStyleLbl="node1" presStyleIdx="1" presStyleCnt="6"/>
+      <dgm:prSet presAssocID="{257501CF-C0FB-4401-9023-7157BE2AC59B}" presName="iconRect" presStyleLbl="node1" presStyleIdx="1" presStyleCnt="7" custLinFactNeighborX="-18431" custLinFactNeighborY="-1796"/>
       <dgm:spPr>
         <a:blipFill>
           <a:blip xmlns:r="http://schemas.openxmlformats.org/officeDocument/2006/relationships" r:embed="rId3">
@@ -1257,7 +1953,7 @@
       <dgm:spPr/>
     </dgm:pt>
     <dgm:pt modelId="{72FF4DE3-847F-4BBD-85AC-3B32574BCEEC}" type="pres">
-      <dgm:prSet presAssocID="{257501CF-C0FB-4401-9023-7157BE2AC59B}" presName="parTx" presStyleLbl="revTx" presStyleIdx="2" presStyleCnt="12">
+      <dgm:prSet presAssocID="{257501CF-C0FB-4401-9023-7157BE2AC59B}" presName="parTx" presStyleLbl="revTx" presStyleIdx="2" presStyleCnt="14" custScaleX="71308" custLinFactNeighborX="-7056" custLinFactNeighborY="-1416">
         <dgm:presLayoutVars>
           <dgm:chMax val="0"/>
           <dgm:chPref val="0"/>
@@ -1270,7 +1966,7 @@
       <dgm:spPr/>
     </dgm:pt>
     <dgm:pt modelId="{040B606D-0C92-4160-B6AA-9914A334951F}" type="pres">
-      <dgm:prSet presAssocID="{257501CF-C0FB-4401-9023-7157BE2AC59B}" presName="desTx" presStyleLbl="revTx" presStyleIdx="3" presStyleCnt="12">
+      <dgm:prSet presAssocID="{257501CF-C0FB-4401-9023-7157BE2AC59B}" presName="desTx" presStyleLbl="revTx" presStyleIdx="3" presStyleCnt="14">
         <dgm:presLayoutVars/>
       </dgm:prSet>
       <dgm:spPr/>
@@ -1284,7 +1980,7 @@
       <dgm:spPr/>
     </dgm:pt>
     <dgm:pt modelId="{FE70F146-0198-4E30-A4D3-16AE1E8F6AF5}" type="pres">
-      <dgm:prSet presAssocID="{D0B5890A-D5F9-4B71-A4FF-0ACB9790BBFE}" presName="iconRect" presStyleLbl="node1" presStyleIdx="2" presStyleCnt="6"/>
+      <dgm:prSet presAssocID="{D0B5890A-D5F9-4B71-A4FF-0ACB9790BBFE}" presName="iconRect" presStyleLbl="node1" presStyleIdx="2" presStyleCnt="7" custLinFactNeighborX="-18325"/>
       <dgm:spPr>
         <a:blipFill>
           <a:blip xmlns:r="http://schemas.openxmlformats.org/officeDocument/2006/relationships" r:embed="rId5">
@@ -1316,7 +2012,7 @@
       <dgm:spPr/>
     </dgm:pt>
     <dgm:pt modelId="{8585FFDA-5AFF-4359-9143-E794BD47E8C3}" type="pres">
-      <dgm:prSet presAssocID="{D0B5890A-D5F9-4B71-A4FF-0ACB9790BBFE}" presName="parTx" presStyleLbl="revTx" presStyleIdx="4" presStyleCnt="12">
+      <dgm:prSet presAssocID="{D0B5890A-D5F9-4B71-A4FF-0ACB9790BBFE}" presName="parTx" presStyleLbl="revTx" presStyleIdx="4" presStyleCnt="14" custLinFactNeighborX="-6435">
         <dgm:presLayoutVars>
           <dgm:chMax val="0"/>
           <dgm:chPref val="0"/>
@@ -1329,7 +2025,7 @@
       <dgm:spPr/>
     </dgm:pt>
     <dgm:pt modelId="{C6A27096-C253-4B03-B897-D90A796D5B28}" type="pres">
-      <dgm:prSet presAssocID="{D0B5890A-D5F9-4B71-A4FF-0ACB9790BBFE}" presName="desTx" presStyleLbl="revTx" presStyleIdx="5" presStyleCnt="12">
+      <dgm:prSet presAssocID="{D0B5890A-D5F9-4B71-A4FF-0ACB9790BBFE}" presName="desTx" presStyleLbl="revTx" presStyleIdx="5" presStyleCnt="14" custLinFactNeighborX="-6793" custLinFactNeighborY="-35860">
         <dgm:presLayoutVars/>
       </dgm:prSet>
       <dgm:spPr/>
@@ -1343,7 +2039,7 @@
       <dgm:spPr/>
     </dgm:pt>
     <dgm:pt modelId="{4D555243-963F-4155-8954-FC9D4EC82E09}" type="pres">
-      <dgm:prSet presAssocID="{3419DB59-F32B-4D09-9564-4B71B8E63F82}" presName="iconRect" presStyleLbl="node1" presStyleIdx="3" presStyleCnt="6"/>
+      <dgm:prSet presAssocID="{3419DB59-F32B-4D09-9564-4B71B8E63F82}" presName="iconRect" presStyleLbl="node1" presStyleIdx="3" presStyleCnt="7" custLinFactNeighborX="18759"/>
       <dgm:spPr>
         <a:blipFill>
           <a:blip xmlns:r="http://schemas.openxmlformats.org/officeDocument/2006/relationships" r:embed="rId7">
@@ -1375,7 +2071,7 @@
       <dgm:spPr/>
     </dgm:pt>
     <dgm:pt modelId="{36916783-B0EF-4651-9CCF-A547208D02ED}" type="pres">
-      <dgm:prSet presAssocID="{3419DB59-F32B-4D09-9564-4B71B8E63F82}" presName="parTx" presStyleLbl="revTx" presStyleIdx="6" presStyleCnt="12">
+      <dgm:prSet presAssocID="{3419DB59-F32B-4D09-9564-4B71B8E63F82}" presName="parTx" presStyleLbl="revTx" presStyleIdx="6" presStyleCnt="14" custLinFactNeighborX="6554">
         <dgm:presLayoutVars>
           <dgm:chMax val="0"/>
           <dgm:chPref val="0"/>
@@ -1388,7 +2084,7 @@
       <dgm:spPr/>
     </dgm:pt>
     <dgm:pt modelId="{D923E1DD-89F5-4D57-B6C6-FEC376ECE83A}" type="pres">
-      <dgm:prSet presAssocID="{3419DB59-F32B-4D09-9564-4B71B8E63F82}" presName="desTx" presStyleLbl="revTx" presStyleIdx="7" presStyleCnt="12">
+      <dgm:prSet presAssocID="{3419DB59-F32B-4D09-9564-4B71B8E63F82}" presName="desTx" presStyleLbl="revTx" presStyleIdx="7" presStyleCnt="14">
         <dgm:presLayoutVars/>
       </dgm:prSet>
       <dgm:spPr/>
@@ -1397,21 +2093,80 @@
       <dgm:prSet presAssocID="{264D4224-3120-4355-90BA-BC0895B5625A}" presName="sibTrans" presStyleCnt="0"/>
       <dgm:spPr/>
     </dgm:pt>
+    <dgm:pt modelId="{1446F929-224C-4C71-955D-B6ECB487581B}" type="pres">
+      <dgm:prSet presAssocID="{7CC7E161-78CB-434D-942A-3E1AA187DFFD}" presName="compNode" presStyleCnt="0"/>
+      <dgm:spPr/>
+    </dgm:pt>
+    <dgm:pt modelId="{B7163687-D5CE-44CA-8852-BC5934445912}" type="pres">
+      <dgm:prSet presAssocID="{7CC7E161-78CB-434D-942A-3E1AA187DFFD}" presName="iconRect" presStyleLbl="node1" presStyleIdx="4" presStyleCnt="7" custLinFactNeighborX="31026"/>
+      <dgm:spPr>
+        <a:blipFill>
+          <a:blip xmlns:r="http://schemas.openxmlformats.org/officeDocument/2006/relationships" r:embed="rId9">
+            <a:extLst>
+              <a:ext uri="{28A0092B-C50C-407E-A947-70E740481C1C}">
+                <a14:useLocalDpi xmlns:a14="http://schemas.microsoft.com/office/drawing/2010/main" val="0"/>
+              </a:ext>
+              <a:ext uri="{96DAC541-7B7A-43D3-8B79-37D633B846F1}">
+                <asvg:svgBlip xmlns:asvg="http://schemas.microsoft.com/office/drawing/2016/SVG/main" r:embed="rId10"/>
+              </a:ext>
+            </a:extLst>
+          </a:blip>
+          <a:stretch>
+            <a:fillRect/>
+          </a:stretch>
+        </a:blipFill>
+        <a:ln>
+          <a:noFill/>
+        </a:ln>
+      </dgm:spPr>
+      <dgm:extLst>
+        <a:ext uri="{E40237B7-FDA0-4F09-8148-C483321AD2D9}">
+          <dgm14:cNvPr xmlns:dgm14="http://schemas.microsoft.com/office/drawing/2010/diagram" id="0" name="" descr="Gears"/>
+        </a:ext>
+      </dgm:extLst>
+    </dgm:pt>
+    <dgm:pt modelId="{ED809A4B-067E-4CB4-BC36-CA0D90E8CA40}" type="pres">
+      <dgm:prSet presAssocID="{7CC7E161-78CB-434D-942A-3E1AA187DFFD}" presName="iconSpace" presStyleCnt="0"/>
+      <dgm:spPr/>
+    </dgm:pt>
+    <dgm:pt modelId="{1851153A-B8BC-4D26-A020-0624313C7484}" type="pres">
+      <dgm:prSet presAssocID="{7CC7E161-78CB-434D-942A-3E1AA187DFFD}" presName="parTx" presStyleLbl="revTx" presStyleIdx="8" presStyleCnt="14" custScaleX="91060" custLinFactNeighborX="10851">
+        <dgm:presLayoutVars>
+          <dgm:chMax val="0"/>
+          <dgm:chPref val="0"/>
+        </dgm:presLayoutVars>
+      </dgm:prSet>
+      <dgm:spPr/>
+    </dgm:pt>
+    <dgm:pt modelId="{4CAF8493-EEE8-4A91-87D6-357588E44902}" type="pres">
+      <dgm:prSet presAssocID="{7CC7E161-78CB-434D-942A-3E1AA187DFFD}" presName="txSpace" presStyleCnt="0"/>
+      <dgm:spPr/>
+    </dgm:pt>
+    <dgm:pt modelId="{E269F866-B8C0-4517-84E0-CFBE878EB9CA}" type="pres">
+      <dgm:prSet presAssocID="{7CC7E161-78CB-434D-942A-3E1AA187DFFD}" presName="desTx" presStyleLbl="revTx" presStyleIdx="9" presStyleCnt="14">
+        <dgm:presLayoutVars/>
+      </dgm:prSet>
+      <dgm:spPr/>
+    </dgm:pt>
+    <dgm:pt modelId="{4B103191-CB2D-4E19-8A9A-D8555A531DDE}" type="pres">
+      <dgm:prSet presAssocID="{E797AC1D-4F9B-493D-8409-EF368AE1B528}" presName="sibTrans" presStyleCnt="0"/>
+      <dgm:spPr/>
+    </dgm:pt>
     <dgm:pt modelId="{C56D342A-41FA-42ED-9050-2A137F9098BE}" type="pres">
       <dgm:prSet presAssocID="{91FF43B1-ACE8-4CFB-8366-A5ECA6F21A6B}" presName="compNode" presStyleCnt="0"/>
       <dgm:spPr/>
     </dgm:pt>
     <dgm:pt modelId="{FC74B8F3-8BB2-4DEA-A18A-5E859965B812}" type="pres">
-      <dgm:prSet presAssocID="{91FF43B1-ACE8-4CFB-8366-A5ECA6F21A6B}" presName="iconRect" presStyleLbl="node1" presStyleIdx="4" presStyleCnt="6"/>
+      <dgm:prSet presAssocID="{91FF43B1-ACE8-4CFB-8366-A5ECA6F21A6B}" presName="iconRect" presStyleLbl="node1" presStyleIdx="5" presStyleCnt="7" custLinFactNeighborX="15330"/>
       <dgm:spPr>
         <a:blipFill>
-          <a:blip xmlns:r="http://schemas.openxmlformats.org/officeDocument/2006/relationships" r:embed="rId9">
+          <a:blip xmlns:r="http://schemas.openxmlformats.org/officeDocument/2006/relationships" r:embed="rId11">
             <a:extLst>
               <a:ext uri="{28A0092B-C50C-407E-A947-70E740481C1C}">
                 <a14:useLocalDpi xmlns:a14="http://schemas.microsoft.com/office/drawing/2010/main" val="0"/>
               </a:ext>
               <a:ext uri="{96DAC541-7B7A-43D3-8B79-37D633B846F1}">
-                <asvg:svgBlip xmlns:asvg="http://schemas.microsoft.com/office/drawing/2016/SVG/main" r:embed="rId10"/>
+                <asvg:svgBlip xmlns:asvg="http://schemas.microsoft.com/office/drawing/2016/SVG/main" r:embed="rId12"/>
               </a:ext>
             </a:extLst>
           </a:blip>
@@ -1434,7 +2189,7 @@
       <dgm:spPr/>
     </dgm:pt>
     <dgm:pt modelId="{91709EAC-8E5D-48EF-9EC2-DB3451866724}" type="pres">
-      <dgm:prSet presAssocID="{91FF43B1-ACE8-4CFB-8366-A5ECA6F21A6B}" presName="parTx" presStyleLbl="revTx" presStyleIdx="8" presStyleCnt="12">
+      <dgm:prSet presAssocID="{91FF43B1-ACE8-4CFB-8366-A5ECA6F21A6B}" presName="parTx" presStyleLbl="revTx" presStyleIdx="10" presStyleCnt="14" custLinFactNeighborX="5368">
         <dgm:presLayoutVars>
           <dgm:chMax val="0"/>
           <dgm:chPref val="0"/>
@@ -1447,7 +2202,7 @@
       <dgm:spPr/>
     </dgm:pt>
     <dgm:pt modelId="{78955EB9-0A6E-4C9A-8218-20D16655F3C2}" type="pres">
-      <dgm:prSet presAssocID="{91FF43B1-ACE8-4CFB-8366-A5ECA6F21A6B}" presName="desTx" presStyleLbl="revTx" presStyleIdx="9" presStyleCnt="12">
+      <dgm:prSet presAssocID="{91FF43B1-ACE8-4CFB-8366-A5ECA6F21A6B}" presName="desTx" presStyleLbl="revTx" presStyleIdx="11" presStyleCnt="14">
         <dgm:presLayoutVars/>
       </dgm:prSet>
       <dgm:spPr/>
@@ -1461,16 +2216,16 @@
       <dgm:spPr/>
     </dgm:pt>
     <dgm:pt modelId="{81FBD404-3B6D-4930-9451-E7F65E4077CF}" type="pres">
-      <dgm:prSet presAssocID="{874FB7AD-9C3F-4175-8113-CD2938252F8D}" presName="iconRect" presStyleLbl="node1" presStyleIdx="5" presStyleCnt="6"/>
+      <dgm:prSet presAssocID="{874FB7AD-9C3F-4175-8113-CD2938252F8D}" presName="iconRect" presStyleLbl="node1" presStyleIdx="6" presStyleCnt="7"/>
       <dgm:spPr>
         <a:blipFill>
-          <a:blip xmlns:r="http://schemas.openxmlformats.org/officeDocument/2006/relationships" r:embed="rId11">
+          <a:blip xmlns:r="http://schemas.openxmlformats.org/officeDocument/2006/relationships" r:embed="rId13">
             <a:extLst>
               <a:ext uri="{28A0092B-C50C-407E-A947-70E740481C1C}">
                 <a14:useLocalDpi xmlns:a14="http://schemas.microsoft.com/office/drawing/2010/main" val="0"/>
               </a:ext>
               <a:ext uri="{96DAC541-7B7A-43D3-8B79-37D633B846F1}">
-                <asvg:svgBlip xmlns:asvg="http://schemas.microsoft.com/office/drawing/2016/SVG/main" r:embed="rId12"/>
+                <asvg:svgBlip xmlns:asvg="http://schemas.microsoft.com/office/drawing/2016/SVG/main" r:embed="rId14"/>
               </a:ext>
             </a:extLst>
           </a:blip>
@@ -1493,7 +2248,7 @@
       <dgm:spPr/>
     </dgm:pt>
     <dgm:pt modelId="{6425E6A5-FE35-4B36-AD1E-1C46D5180FED}" type="pres">
-      <dgm:prSet presAssocID="{874FB7AD-9C3F-4175-8113-CD2938252F8D}" presName="parTx" presStyleLbl="revTx" presStyleIdx="10" presStyleCnt="12">
+      <dgm:prSet presAssocID="{874FB7AD-9C3F-4175-8113-CD2938252F8D}" presName="parTx" presStyleLbl="revTx" presStyleIdx="12" presStyleCnt="14">
         <dgm:presLayoutVars>
           <dgm:chMax val="0"/>
           <dgm:chPref val="0"/>
@@ -1506,7 +2261,7 @@
       <dgm:spPr/>
     </dgm:pt>
     <dgm:pt modelId="{F929D3DD-208D-4964-8A23-69CA0AC5AF44}" type="pres">
-      <dgm:prSet presAssocID="{874FB7AD-9C3F-4175-8113-CD2938252F8D}" presName="desTx" presStyleLbl="revTx" presStyleIdx="11" presStyleCnt="12">
+      <dgm:prSet presAssocID="{874FB7AD-9C3F-4175-8113-CD2938252F8D}" presName="desTx" presStyleLbl="revTx" presStyleIdx="13" presStyleCnt="14">
         <dgm:presLayoutVars/>
       </dgm:prSet>
       <dgm:spPr/>
@@ -1516,16 +2271,18 @@
     <dgm:cxn modelId="{DBA0680D-CEB6-4CF4-B9B1-C1D9C248BCD7}" type="presOf" srcId="{8063ACB2-5AD9-4013-9AB2-17E6626BC4F2}" destId="{816985F7-5C46-43D0-9D75-33CF70A0E41A}" srcOrd="0" destOrd="0" presId="urn:microsoft.com/office/officeart/2018/5/layout/CenteredIconLabelDescriptionList"/>
     <dgm:cxn modelId="{02A7B719-B09B-4064-8D31-5B4BEC8FEFA9}" srcId="{22207309-A4D9-41A2-8595-D6E96503A690}" destId="{257501CF-C0FB-4401-9023-7157BE2AC59B}" srcOrd="1" destOrd="0" parTransId="{6AFBA9C2-CA7E-4FFD-AD84-706AF5D50253}" sibTransId="{6EEF0722-290C-43B1-80A7-F9125B7AF33A}"/>
     <dgm:cxn modelId="{E235591B-C744-48EE-AAE0-AA65153F2C82}" type="presOf" srcId="{874FB7AD-9C3F-4175-8113-CD2938252F8D}" destId="{6425E6A5-FE35-4B36-AD1E-1C46D5180FED}" srcOrd="0" destOrd="0" presId="urn:microsoft.com/office/officeart/2018/5/layout/CenteredIconLabelDescriptionList"/>
-    <dgm:cxn modelId="{A1D7382C-A3A3-49DD-9389-7515BB41F4DD}" srcId="{22207309-A4D9-41A2-8595-D6E96503A690}" destId="{874FB7AD-9C3F-4175-8113-CD2938252F8D}" srcOrd="5" destOrd="0" parTransId="{198A10E0-4538-40AA-BC2D-B5BDC516C447}" sibTransId="{6CAF37F3-4C19-425E-A28A-BF58FFC938BE}"/>
+    <dgm:cxn modelId="{AEB1F62A-4750-4018-A639-A349855BB271}" type="presOf" srcId="{7CC7E161-78CB-434D-942A-3E1AA187DFFD}" destId="{1851153A-B8BC-4D26-A020-0624313C7484}" srcOrd="0" destOrd="0" presId="urn:microsoft.com/office/officeart/2018/5/layout/CenteredIconLabelDescriptionList"/>
+    <dgm:cxn modelId="{A1D7382C-A3A3-49DD-9389-7515BB41F4DD}" srcId="{22207309-A4D9-41A2-8595-D6E96503A690}" destId="{874FB7AD-9C3F-4175-8113-CD2938252F8D}" srcOrd="6" destOrd="0" parTransId="{198A10E0-4538-40AA-BC2D-B5BDC516C447}" sibTransId="{6CAF37F3-4C19-425E-A28A-BF58FFC938BE}"/>
     <dgm:cxn modelId="{A4838038-48F5-46EE-8829-AB433FDCA79F}" srcId="{22207309-A4D9-41A2-8595-D6E96503A690}" destId="{D0B5890A-D5F9-4B71-A4FF-0ACB9790BBFE}" srcOrd="2" destOrd="0" parTransId="{5E342DA2-1DA4-4765-9E4F-83047E506B1C}" sibTransId="{99F98255-49C3-45DF-964D-CF9327009B0F}"/>
     <dgm:cxn modelId="{BC01BB61-29FB-40BF-B1D5-7FE597A58EDF}" type="presOf" srcId="{22207309-A4D9-41A2-8595-D6E96503A690}" destId="{7EE74019-55EC-421D-8F29-6B8F9FC123CA}" srcOrd="0" destOrd="0" presId="urn:microsoft.com/office/officeart/2018/5/layout/CenteredIconLabelDescriptionList"/>
     <dgm:cxn modelId="{3E142542-39FC-4F11-B4D1-FF3F8470704F}" type="presOf" srcId="{91FF43B1-ACE8-4CFB-8366-A5ECA6F21A6B}" destId="{91709EAC-8E5D-48EF-9EC2-DB3451866724}" srcOrd="0" destOrd="0" presId="urn:microsoft.com/office/officeart/2018/5/layout/CenteredIconLabelDescriptionList"/>
     <dgm:cxn modelId="{CCF8B964-2BBC-4B29-90C4-A9B16582FD1E}" srcId="{22207309-A4D9-41A2-8595-D6E96503A690}" destId="{3419DB59-F32B-4D09-9564-4B71B8E63F82}" srcOrd="3" destOrd="0" parTransId="{9E8A23AD-596F-4CEE-AEFB-9D9751C89EAF}" sibTransId="{264D4224-3120-4355-90BA-BC0895B5625A}"/>
     <dgm:cxn modelId="{37ED6F6C-92BE-4AEE-A96B-41ED02C1BB9E}" srcId="{D0B5890A-D5F9-4B71-A4FF-0ACB9790BBFE}" destId="{045EC140-587F-42EA-8799-615202EA835A}" srcOrd="0" destOrd="0" parTransId="{7FCF05E8-25FC-49B3-80DE-D44FCDB70E58}" sibTransId="{2CE9E8B9-DA40-42EB-A81D-864FB79D5A40}"/>
     <dgm:cxn modelId="{9D778C71-E2C7-4AA7-89D4-EFD318A2582B}" type="presOf" srcId="{3419DB59-F32B-4D09-9564-4B71B8E63F82}" destId="{36916783-B0EF-4651-9CCF-A547208D02ED}" srcOrd="0" destOrd="0" presId="urn:microsoft.com/office/officeart/2018/5/layout/CenteredIconLabelDescriptionList"/>
-    <dgm:cxn modelId="{8CAC2D58-A7D8-405D-9A58-F958CAE8FD64}" srcId="{22207309-A4D9-41A2-8595-D6E96503A690}" destId="{91FF43B1-ACE8-4CFB-8366-A5ECA6F21A6B}" srcOrd="4" destOrd="0" parTransId="{881A1FE2-4B41-479B-97CA-8DBEC8B78850}" sibTransId="{E31EF3A2-856F-4839-AE7C-0D29938A602A}"/>
+    <dgm:cxn modelId="{8CAC2D58-A7D8-405D-9A58-F958CAE8FD64}" srcId="{22207309-A4D9-41A2-8595-D6E96503A690}" destId="{91FF43B1-ACE8-4CFB-8366-A5ECA6F21A6B}" srcOrd="5" destOrd="0" parTransId="{881A1FE2-4B41-479B-97CA-8DBEC8B78850}" sibTransId="{E31EF3A2-856F-4839-AE7C-0D29938A602A}"/>
     <dgm:cxn modelId="{D6410C85-B403-4E13-8F69-8903B5B87630}" type="presOf" srcId="{257501CF-C0FB-4401-9023-7157BE2AC59B}" destId="{72FF4DE3-847F-4BBD-85AC-3B32574BCEEC}" srcOrd="0" destOrd="0" presId="urn:microsoft.com/office/officeart/2018/5/layout/CenteredIconLabelDescriptionList"/>
     <dgm:cxn modelId="{797F5FA6-EBC2-4B24-AC4F-398AE71D9BA9}" type="presOf" srcId="{045EC140-587F-42EA-8799-615202EA835A}" destId="{C6A27096-C253-4B03-B897-D90A796D5B28}" srcOrd="0" destOrd="0" presId="urn:microsoft.com/office/officeart/2018/5/layout/CenteredIconLabelDescriptionList"/>
+    <dgm:cxn modelId="{45AF58D2-57F5-4852-B50E-FAD0D0EF51C8}" srcId="{22207309-A4D9-41A2-8595-D6E96503A690}" destId="{7CC7E161-78CB-434D-942A-3E1AA187DFFD}" srcOrd="4" destOrd="0" parTransId="{77460BF5-06C8-43F6-83A9-F219E06427F6}" sibTransId="{E797AC1D-4F9B-493D-8409-EF368AE1B528}"/>
     <dgm:cxn modelId="{17AABBDB-D409-4155-9A69-BDD4B8D6DFC7}" srcId="{22207309-A4D9-41A2-8595-D6E96503A690}" destId="{8063ACB2-5AD9-4013-9AB2-17E6626BC4F2}" srcOrd="0" destOrd="0" parTransId="{F71E9DEA-4601-481A-884C-E5A9DBA8D71B}" sibTransId="{6B941869-1DED-49B2-97FB-F94FE0D770BE}"/>
     <dgm:cxn modelId="{E74E6EE2-A0FB-4D77-B414-71F9D578D021}" type="presOf" srcId="{D0B5890A-D5F9-4B71-A4FF-0ACB9790BBFE}" destId="{8585FFDA-5AFF-4359-9143-E794BD47E8C3}" srcOrd="0" destOrd="0" presId="urn:microsoft.com/office/officeart/2018/5/layout/CenteredIconLabelDescriptionList"/>
     <dgm:cxn modelId="{298CF1C0-168D-4F80-A06A-B784EAFC62A1}" type="presParOf" srcId="{7EE74019-55EC-421D-8F29-6B8F9FC123CA}" destId="{4D65765D-47D5-42FB-8C6B-A9608A6C8D8B}" srcOrd="0" destOrd="0" presId="urn:microsoft.com/office/officeart/2018/5/layout/CenteredIconLabelDescriptionList"/>
@@ -1556,14 +2313,21 @@
     <dgm:cxn modelId="{45BD3E2D-AA77-4760-84F8-9D9C639808B3}" type="presParOf" srcId="{33D05755-0D93-4747-97EB-23ABC8555988}" destId="{2144FCF5-A425-4B74-8624-AB9E0FB262F4}" srcOrd="3" destOrd="0" presId="urn:microsoft.com/office/officeart/2018/5/layout/CenteredIconLabelDescriptionList"/>
     <dgm:cxn modelId="{C60E5DAB-B7BB-4C07-A899-C7F85E3F767E}" type="presParOf" srcId="{33D05755-0D93-4747-97EB-23ABC8555988}" destId="{D923E1DD-89F5-4D57-B6C6-FEC376ECE83A}" srcOrd="4" destOrd="0" presId="urn:microsoft.com/office/officeart/2018/5/layout/CenteredIconLabelDescriptionList"/>
     <dgm:cxn modelId="{CF94DF12-644B-42DF-849D-AFEC45221DD5}" type="presParOf" srcId="{7EE74019-55EC-421D-8F29-6B8F9FC123CA}" destId="{18926B6A-CCC4-47DC-BDFD-8A81238EE9F6}" srcOrd="7" destOrd="0" presId="urn:microsoft.com/office/officeart/2018/5/layout/CenteredIconLabelDescriptionList"/>
-    <dgm:cxn modelId="{98AF0997-240F-4568-A942-AAFFF731D366}" type="presParOf" srcId="{7EE74019-55EC-421D-8F29-6B8F9FC123CA}" destId="{C56D342A-41FA-42ED-9050-2A137F9098BE}" srcOrd="8" destOrd="0" presId="urn:microsoft.com/office/officeart/2018/5/layout/CenteredIconLabelDescriptionList"/>
+    <dgm:cxn modelId="{901D364D-FB78-4E7A-A36A-5819A9CC1BD3}" type="presParOf" srcId="{7EE74019-55EC-421D-8F29-6B8F9FC123CA}" destId="{1446F929-224C-4C71-955D-B6ECB487581B}" srcOrd="8" destOrd="0" presId="urn:microsoft.com/office/officeart/2018/5/layout/CenteredIconLabelDescriptionList"/>
+    <dgm:cxn modelId="{E46F9A82-9A2E-4C12-AEFE-9FA46DC2DA19}" type="presParOf" srcId="{1446F929-224C-4C71-955D-B6ECB487581B}" destId="{B7163687-D5CE-44CA-8852-BC5934445912}" srcOrd="0" destOrd="0" presId="urn:microsoft.com/office/officeart/2018/5/layout/CenteredIconLabelDescriptionList"/>
+    <dgm:cxn modelId="{570A57E9-D2E5-4033-900B-9ACA14F4C58E}" type="presParOf" srcId="{1446F929-224C-4C71-955D-B6ECB487581B}" destId="{ED809A4B-067E-4CB4-BC36-CA0D90E8CA40}" srcOrd="1" destOrd="0" presId="urn:microsoft.com/office/officeart/2018/5/layout/CenteredIconLabelDescriptionList"/>
+    <dgm:cxn modelId="{94CD224F-E3D8-483F-981B-5D4E08DF6017}" type="presParOf" srcId="{1446F929-224C-4C71-955D-B6ECB487581B}" destId="{1851153A-B8BC-4D26-A020-0624313C7484}" srcOrd="2" destOrd="0" presId="urn:microsoft.com/office/officeart/2018/5/layout/CenteredIconLabelDescriptionList"/>
+    <dgm:cxn modelId="{8618BA68-3DD4-46F1-83E2-00FD7CCD5F61}" type="presParOf" srcId="{1446F929-224C-4C71-955D-B6ECB487581B}" destId="{4CAF8493-EEE8-4A91-87D6-357588E44902}" srcOrd="3" destOrd="0" presId="urn:microsoft.com/office/officeart/2018/5/layout/CenteredIconLabelDescriptionList"/>
+    <dgm:cxn modelId="{9D4678BC-0C26-4988-A3E8-F06D6A436345}" type="presParOf" srcId="{1446F929-224C-4C71-955D-B6ECB487581B}" destId="{E269F866-B8C0-4517-84E0-CFBE878EB9CA}" srcOrd="4" destOrd="0" presId="urn:microsoft.com/office/officeart/2018/5/layout/CenteredIconLabelDescriptionList"/>
+    <dgm:cxn modelId="{009C5BC7-A389-4D39-980F-1E483AD19165}" type="presParOf" srcId="{7EE74019-55EC-421D-8F29-6B8F9FC123CA}" destId="{4B103191-CB2D-4E19-8A9A-D8555A531DDE}" srcOrd="9" destOrd="0" presId="urn:microsoft.com/office/officeart/2018/5/layout/CenteredIconLabelDescriptionList"/>
+    <dgm:cxn modelId="{98AF0997-240F-4568-A942-AAFFF731D366}" type="presParOf" srcId="{7EE74019-55EC-421D-8F29-6B8F9FC123CA}" destId="{C56D342A-41FA-42ED-9050-2A137F9098BE}" srcOrd="10" destOrd="0" presId="urn:microsoft.com/office/officeart/2018/5/layout/CenteredIconLabelDescriptionList"/>
     <dgm:cxn modelId="{717E681C-5005-4736-A0D5-136D3333031B}" type="presParOf" srcId="{C56D342A-41FA-42ED-9050-2A137F9098BE}" destId="{FC74B8F3-8BB2-4DEA-A18A-5E859965B812}" srcOrd="0" destOrd="0" presId="urn:microsoft.com/office/officeart/2018/5/layout/CenteredIconLabelDescriptionList"/>
     <dgm:cxn modelId="{AEEF04D6-E2AB-4310-907C-3B7531D66184}" type="presParOf" srcId="{C56D342A-41FA-42ED-9050-2A137F9098BE}" destId="{A330F052-4794-48F3-85EA-F85B25935C30}" srcOrd="1" destOrd="0" presId="urn:microsoft.com/office/officeart/2018/5/layout/CenteredIconLabelDescriptionList"/>
     <dgm:cxn modelId="{D58BDB4B-D812-4DC7-9E6B-B4E86061D47C}" type="presParOf" srcId="{C56D342A-41FA-42ED-9050-2A137F9098BE}" destId="{91709EAC-8E5D-48EF-9EC2-DB3451866724}" srcOrd="2" destOrd="0" presId="urn:microsoft.com/office/officeart/2018/5/layout/CenteredIconLabelDescriptionList"/>
     <dgm:cxn modelId="{956577BB-860F-486A-90DF-1A33AB150223}" type="presParOf" srcId="{C56D342A-41FA-42ED-9050-2A137F9098BE}" destId="{D0275AC1-61C3-4297-B147-3E417B607048}" srcOrd="3" destOrd="0" presId="urn:microsoft.com/office/officeart/2018/5/layout/CenteredIconLabelDescriptionList"/>
     <dgm:cxn modelId="{576534C2-1524-455E-B685-40B45C6A036C}" type="presParOf" srcId="{C56D342A-41FA-42ED-9050-2A137F9098BE}" destId="{78955EB9-0A6E-4C9A-8218-20D16655F3C2}" srcOrd="4" destOrd="0" presId="urn:microsoft.com/office/officeart/2018/5/layout/CenteredIconLabelDescriptionList"/>
-    <dgm:cxn modelId="{F162A1A2-A0B7-4C83-A2D7-37C7521DE81E}" type="presParOf" srcId="{7EE74019-55EC-421D-8F29-6B8F9FC123CA}" destId="{543989A6-2396-49B5-9260-E726F4BE20FA}" srcOrd="9" destOrd="0" presId="urn:microsoft.com/office/officeart/2018/5/layout/CenteredIconLabelDescriptionList"/>
-    <dgm:cxn modelId="{D98A59D4-3142-40AC-8DBF-50282D9CEA98}" type="presParOf" srcId="{7EE74019-55EC-421D-8F29-6B8F9FC123CA}" destId="{20063872-D709-4E37-BC25-64A8EAA4564F}" srcOrd="10" destOrd="0" presId="urn:microsoft.com/office/officeart/2018/5/layout/CenteredIconLabelDescriptionList"/>
+    <dgm:cxn modelId="{F162A1A2-A0B7-4C83-A2D7-37C7521DE81E}" type="presParOf" srcId="{7EE74019-55EC-421D-8F29-6B8F9FC123CA}" destId="{543989A6-2396-49B5-9260-E726F4BE20FA}" srcOrd="11" destOrd="0" presId="urn:microsoft.com/office/officeart/2018/5/layout/CenteredIconLabelDescriptionList"/>
+    <dgm:cxn modelId="{D98A59D4-3142-40AC-8DBF-50282D9CEA98}" type="presParOf" srcId="{7EE74019-55EC-421D-8F29-6B8F9FC123CA}" destId="{20063872-D709-4E37-BC25-64A8EAA4564F}" srcOrd="12" destOrd="0" presId="urn:microsoft.com/office/officeart/2018/5/layout/CenteredIconLabelDescriptionList"/>
     <dgm:cxn modelId="{E7A45CDB-BB56-4B61-8F3E-B08F25B00918}" type="presParOf" srcId="{20063872-D709-4E37-BC25-64A8EAA4564F}" destId="{81FBD404-3B6D-4930-9451-E7F65E4077CF}" srcOrd="0" destOrd="0" presId="urn:microsoft.com/office/officeart/2018/5/layout/CenteredIconLabelDescriptionList"/>
     <dgm:cxn modelId="{754EACBD-6C02-42AC-96A9-5B79DD542031}" type="presParOf" srcId="{20063872-D709-4E37-BC25-64A8EAA4564F}" destId="{5C42C3D9-A346-43D5-83CA-B862E7DC782F}" srcOrd="1" destOrd="0" presId="urn:microsoft.com/office/officeart/2018/5/layout/CenteredIconLabelDescriptionList"/>
     <dgm:cxn modelId="{95DB843A-4E70-4DCD-BACE-69F49C034F48}" type="presParOf" srcId="{20063872-D709-4E37-BC25-64A8EAA4564F}" destId="{6425E6A5-FE35-4B36-AD1E-1C46D5180FED}" srcOrd="2" destOrd="0" presId="urn:microsoft.com/office/officeart/2018/5/layout/CenteredIconLabelDescriptionList"/>
@@ -1595,8 +2359,8 @@
       </dsp:nvSpPr>
       <dsp:spPr>
         <a:xfrm>
-          <a:off x="507184" y="1000164"/>
-          <a:ext cx="544113" cy="544113"/>
+          <a:off x="352296" y="995949"/>
+          <a:ext cx="526394" cy="526394"/>
         </a:xfrm>
         <a:prstGeom prst="rect">
           <a:avLst/>
@@ -1645,8 +2409,8 @@
       </dsp:nvSpPr>
       <dsp:spPr>
         <a:xfrm>
-          <a:off x="1936" y="1614653"/>
-          <a:ext cx="1554609" cy="378936"/>
+          <a:off x="0" y="1579471"/>
+          <a:ext cx="1289651" cy="634493"/>
         </a:xfrm>
         <a:prstGeom prst="rect">
           <a:avLst/>
@@ -1677,7 +2441,7 @@
         <a:p>
           <a:pPr marL="0" lvl="0" indent="0" algn="ctr" defTabSz="622300">
             <a:lnSpc>
-              <a:spcPct val="90000"/>
+              <a:spcPct val="100000"/>
             </a:lnSpc>
             <a:spcBef>
               <a:spcPct val="0"/>
@@ -1695,8 +2459,8 @@
         </a:p>
       </dsp:txBody>
       <dsp:txXfrm>
-        <a:off x="1936" y="1614653"/>
-        <a:ext cx="1554609" cy="378936"/>
+        <a:off x="0" y="1579471"/>
+        <a:ext cx="1289651" cy="634493"/>
       </dsp:txXfrm>
     </dsp:sp>
     <dsp:sp modelId="{00D965F1-A6D1-40D5-8397-456226672D3C}">
@@ -1706,8 +2470,8 @@
       </dsp:nvSpPr>
       <dsp:spPr>
         <a:xfrm>
-          <a:off x="1936" y="2026322"/>
-          <a:ext cx="1554609" cy="610476"/>
+          <a:off x="2121" y="2269939"/>
+          <a:ext cx="1503984" cy="380669"/>
         </a:xfrm>
         <a:prstGeom prst="rect">
           <a:avLst/>
@@ -1738,8 +2502,8 @@
       </dsp:nvSpPr>
       <dsp:spPr>
         <a:xfrm>
-          <a:off x="2333850" y="1000164"/>
-          <a:ext cx="544113" cy="544113"/>
+          <a:off x="2161078" y="995949"/>
+          <a:ext cx="526394" cy="526394"/>
         </a:xfrm>
         <a:prstGeom prst="rect">
           <a:avLst/>
@@ -1788,8 +2552,8 @@
       </dsp:nvSpPr>
       <dsp:spPr>
         <a:xfrm>
-          <a:off x="1828602" y="1614653"/>
-          <a:ext cx="1554609" cy="378936"/>
+          <a:off x="1878943" y="1593557"/>
+          <a:ext cx="1072461" cy="634493"/>
         </a:xfrm>
         <a:prstGeom prst="rect">
           <a:avLst/>
@@ -1820,7 +2584,7 @@
         <a:p>
           <a:pPr marL="0" lvl="0" indent="0" algn="ctr" defTabSz="622300">
             <a:lnSpc>
-              <a:spcPct val="90000"/>
+              <a:spcPct val="100000"/>
             </a:lnSpc>
             <a:spcBef>
               <a:spcPct val="0"/>
@@ -1832,14 +2596,14 @@
             <a:defRPr b="1"/>
           </a:pPr>
           <a:r>
-            <a:rPr lang="en-US" sz="1400" kern="1200"/>
+            <a:rPr lang="en-US" sz="1400" kern="1200" dirty="0"/>
             <a:t>Dataset Overview</a:t>
           </a:r>
         </a:p>
       </dsp:txBody>
       <dsp:txXfrm>
-        <a:off x="1828602" y="1614653"/>
-        <a:ext cx="1554609" cy="378936"/>
+        <a:off x="1878943" y="1593557"/>
+        <a:ext cx="1072461" cy="634493"/>
       </dsp:txXfrm>
     </dsp:sp>
     <dsp:sp modelId="{040B606D-0C92-4160-B6AA-9914A334951F}">
@@ -1849,8 +2613,8 @@
       </dsp:nvSpPr>
       <dsp:spPr>
         <a:xfrm>
-          <a:off x="1828602" y="2026322"/>
-          <a:ext cx="1554609" cy="610476"/>
+          <a:off x="1769303" y="2269939"/>
+          <a:ext cx="1503984" cy="380669"/>
         </a:xfrm>
         <a:prstGeom prst="rect">
           <a:avLst/>
@@ -1881,8 +2645,8 @@
       </dsp:nvSpPr>
       <dsp:spPr>
         <a:xfrm>
-          <a:off x="4160516" y="1000164"/>
-          <a:ext cx="544113" cy="544113"/>
+          <a:off x="3928818" y="1005403"/>
+          <a:ext cx="526394" cy="526394"/>
         </a:xfrm>
         <a:prstGeom prst="rect">
           <a:avLst/>
@@ -1931,8 +2695,8 @@
       </dsp:nvSpPr>
       <dsp:spPr>
         <a:xfrm>
-          <a:off x="3655268" y="1614653"/>
-          <a:ext cx="1554609" cy="378936"/>
+          <a:off x="3439703" y="1602541"/>
+          <a:ext cx="1503984" cy="634493"/>
         </a:xfrm>
         <a:prstGeom prst="rect">
           <a:avLst/>
@@ -1963,7 +2727,7 @@
         <a:p>
           <a:pPr marL="0" lvl="0" indent="0" algn="ctr" defTabSz="622300">
             <a:lnSpc>
-              <a:spcPct val="90000"/>
+              <a:spcPct val="100000"/>
             </a:lnSpc>
             <a:spcBef>
               <a:spcPct val="0"/>
@@ -1975,14 +2739,14 @@
             <a:defRPr b="1"/>
           </a:pPr>
           <a:r>
-            <a:rPr lang="en-US" sz="1400" kern="1200"/>
+            <a:rPr lang="en-US" sz="1400" kern="1200" dirty="0"/>
             <a:t>Exploratory Data Analysis</a:t>
           </a:r>
         </a:p>
       </dsp:txBody>
       <dsp:txXfrm>
-        <a:off x="3655268" y="1614653"/>
-        <a:ext cx="1554609" cy="378936"/>
+        <a:off x="3439703" y="1602541"/>
+        <a:ext cx="1503984" cy="634493"/>
       </dsp:txXfrm>
     </dsp:sp>
     <dsp:sp modelId="{C6A27096-C253-4B03-B897-D90A796D5B28}">
@@ -1992,8 +2756,8 @@
       </dsp:nvSpPr>
       <dsp:spPr>
         <a:xfrm>
-          <a:off x="3655268" y="2026322"/>
-          <a:ext cx="1554609" cy="610476"/>
+          <a:off x="3434319" y="2133431"/>
+          <a:ext cx="1503984" cy="380669"/>
         </a:xfrm>
         <a:prstGeom prst="rect">
           <a:avLst/>
@@ -2024,7 +2788,7 @@
         <a:p>
           <a:pPr marL="0" lvl="0" indent="0" algn="ctr" defTabSz="488950">
             <a:lnSpc>
-              <a:spcPct val="90000"/>
+              <a:spcPct val="100000"/>
             </a:lnSpc>
             <a:spcBef>
               <a:spcPct val="0"/>
@@ -2041,8 +2805,8 @@
         </a:p>
       </dsp:txBody>
       <dsp:txXfrm>
-        <a:off x="3655268" y="2026322"/>
-        <a:ext cx="1554609" cy="610476"/>
+        <a:off x="3434319" y="2133431"/>
+        <a:ext cx="1503984" cy="380669"/>
       </dsp:txXfrm>
     </dsp:sp>
     <dsp:sp modelId="{4D555243-963F-4155-8954-FC9D4EC82E09}">
@@ -2052,8 +2816,8 @@
       </dsp:nvSpPr>
       <dsp:spPr>
         <a:xfrm>
-          <a:off x="5987182" y="1000164"/>
-          <a:ext cx="544113" cy="544113"/>
+          <a:off x="5891208" y="1005403"/>
+          <a:ext cx="526394" cy="526394"/>
         </a:xfrm>
         <a:prstGeom prst="rect">
           <a:avLst/>
@@ -2102,8 +2866,8 @@
       </dsp:nvSpPr>
       <dsp:spPr>
         <a:xfrm>
-          <a:off x="5481934" y="1614653"/>
-          <a:ext cx="1554609" cy="378936"/>
+          <a:off x="5402237" y="1602541"/>
+          <a:ext cx="1503984" cy="634493"/>
         </a:xfrm>
         <a:prstGeom prst="rect">
           <a:avLst/>
@@ -2134,7 +2898,150 @@
         <a:p>
           <a:pPr marL="0" lvl="0" indent="0" algn="ctr" defTabSz="622300">
             <a:lnSpc>
-              <a:spcPct val="90000"/>
+              <a:spcPct val="100000"/>
+            </a:lnSpc>
+            <a:spcBef>
+              <a:spcPct val="0"/>
+            </a:spcBef>
+            <a:spcAft>
+              <a:spcPct val="35000"/>
+            </a:spcAft>
+            <a:buNone/>
+            <a:defRPr b="1"/>
+          </a:pPr>
+          <a:r>
+            <a:rPr lang="en-US" sz="1400" kern="1200"/>
+            <a:t>Models Overview and Results</a:t>
+          </a:r>
+        </a:p>
+      </dsp:txBody>
+      <dsp:txXfrm>
+        <a:off x="5402237" y="1602541"/>
+        <a:ext cx="1503984" cy="634493"/>
+      </dsp:txXfrm>
+    </dsp:sp>
+    <dsp:sp modelId="{D923E1DD-89F5-4D57-B6C6-FEC376ECE83A}">
+      <dsp:nvSpPr>
+        <dsp:cNvPr id="0" name=""/>
+        <dsp:cNvSpPr/>
+      </dsp:nvSpPr>
+      <dsp:spPr>
+        <a:xfrm>
+          <a:off x="5303666" y="2269939"/>
+          <a:ext cx="1503984" cy="380669"/>
+        </a:xfrm>
+        <a:prstGeom prst="rect">
+          <a:avLst/>
+        </a:prstGeom>
+        <a:noFill/>
+        <a:ln>
+          <a:noFill/>
+        </a:ln>
+        <a:effectLst/>
+      </dsp:spPr>
+      <dsp:style>
+        <a:lnRef idx="0">
+          <a:scrgbClr r="0" g="0" b="0"/>
+        </a:lnRef>
+        <a:fillRef idx="0">
+          <a:scrgbClr r="0" g="0" b="0"/>
+        </a:fillRef>
+        <a:effectRef idx="0">
+          <a:scrgbClr r="0" g="0" b="0"/>
+        </a:effectRef>
+        <a:fontRef idx="minor"/>
+      </dsp:style>
+    </dsp:sp>
+    <dsp:sp modelId="{B7163687-D5CE-44CA-8852-BC5934445912}">
+      <dsp:nvSpPr>
+        <dsp:cNvPr id="0" name=""/>
+        <dsp:cNvSpPr/>
+      </dsp:nvSpPr>
+      <dsp:spPr>
+        <a:xfrm>
+          <a:off x="7722962" y="1005403"/>
+          <a:ext cx="526394" cy="526394"/>
+        </a:xfrm>
+        <a:prstGeom prst="rect">
+          <a:avLst/>
+        </a:prstGeom>
+        <a:blipFill>
+          <a:blip xmlns:r="http://schemas.openxmlformats.org/officeDocument/2006/relationships" r:embed="rId9">
+            <a:extLst>
+              <a:ext uri="{28A0092B-C50C-407E-A947-70E740481C1C}">
+                <a14:useLocalDpi xmlns:a14="http://schemas.microsoft.com/office/drawing/2010/main" val="0"/>
+              </a:ext>
+              <a:ext uri="{96DAC541-7B7A-43D3-8B79-37D633B846F1}">
+                <asvg:svgBlip xmlns:asvg="http://schemas.microsoft.com/office/drawing/2016/SVG/main" r:embed="rId10"/>
+              </a:ext>
+            </a:extLst>
+          </a:blip>
+          <a:stretch>
+            <a:fillRect/>
+          </a:stretch>
+        </a:blipFill>
+        <a:ln w="12700" cap="flat" cmpd="sng" algn="ctr">
+          <a:noFill/>
+          <a:prstDash val="solid"/>
+          <a:miter lim="800000"/>
+        </a:ln>
+        <a:effectLst/>
+      </dsp:spPr>
+      <dsp:style>
+        <a:lnRef idx="2">
+          <a:scrgbClr r="0" g="0" b="0"/>
+        </a:lnRef>
+        <a:fillRef idx="1">
+          <a:scrgbClr r="0" g="0" b="0"/>
+        </a:fillRef>
+        <a:effectRef idx="0">
+          <a:scrgbClr r="0" g="0" b="0"/>
+        </a:effectRef>
+        <a:fontRef idx="minor">
+          <a:schemeClr val="lt1"/>
+        </a:fontRef>
+      </dsp:style>
+    </dsp:sp>
+    <dsp:sp modelId="{1851153A-B8BC-4D26-A020-0624313C7484}">
+      <dsp:nvSpPr>
+        <dsp:cNvPr id="0" name=""/>
+        <dsp:cNvSpPr/>
+      </dsp:nvSpPr>
+      <dsp:spPr>
+        <a:xfrm>
+          <a:off x="7301273" y="1602541"/>
+          <a:ext cx="1369528" cy="634493"/>
+        </a:xfrm>
+        <a:prstGeom prst="rect">
+          <a:avLst/>
+        </a:prstGeom>
+        <a:noFill/>
+        <a:ln>
+          <a:noFill/>
+        </a:ln>
+        <a:effectLst/>
+      </dsp:spPr>
+      <dsp:style>
+        <a:lnRef idx="0">
+          <a:scrgbClr r="0" g="0" b="0"/>
+        </a:lnRef>
+        <a:fillRef idx="0">
+          <a:scrgbClr r="0" g="0" b="0"/>
+        </a:fillRef>
+        <a:effectRef idx="0">
+          <a:scrgbClr r="0" g="0" b="0"/>
+        </a:effectRef>
+        <a:fontRef idx="minor"/>
+      </dsp:style>
+      <dsp:txBody>
+        <a:bodyPr spcFirstLastPara="0" vert="horz" wrap="square" lIns="0" tIns="0" rIns="0" bIns="0" numCol="1" spcCol="1270" anchor="t" anchorCtr="0">
+          <a:noAutofit/>
+        </a:bodyPr>
+        <a:lstStyle/>
+        <a:p>
+          <a:pPr marL="0" lvl="0" indent="0" algn="ctr" defTabSz="622300">
+            <a:lnSpc>
+              <a:spcPct val="100000"/>
             </a:lnSpc>
             <a:spcBef>
               <a:spcPct val="0"/>
@@ -2147,24 +3054,24 @@
           </a:pPr>
           <a:r>
             <a:rPr lang="en-US" sz="1400" kern="1200" dirty="0"/>
-            <a:t>Models Overview and Next Steps</a:t>
+            <a:t>Model Application</a:t>
           </a:r>
         </a:p>
       </dsp:txBody>
       <dsp:txXfrm>
-        <a:off x="5481934" y="1614653"/>
-        <a:ext cx="1554609" cy="378936"/>
+        <a:off x="7301273" y="1602541"/>
+        <a:ext cx="1369528" cy="634493"/>
       </dsp:txXfrm>
     </dsp:sp>
-    <dsp:sp modelId="{D923E1DD-89F5-4D57-B6C6-FEC376ECE83A}">
+    <dsp:sp modelId="{E269F866-B8C0-4517-84E0-CFBE878EB9CA}">
       <dsp:nvSpPr>
         <dsp:cNvPr id="0" name=""/>
         <dsp:cNvSpPr/>
       </dsp:nvSpPr>
       <dsp:spPr>
         <a:xfrm>
-          <a:off x="5481934" y="2026322"/>
-          <a:ext cx="1554609" cy="610476"/>
+          <a:off x="7070848" y="2269939"/>
+          <a:ext cx="1503984" cy="380669"/>
         </a:xfrm>
         <a:prstGeom prst="rect">
           <a:avLst/>
@@ -2195,20 +3102,20 @@
       </dsp:nvSpPr>
       <dsp:spPr>
         <a:xfrm>
-          <a:off x="7813848" y="1000164"/>
-          <a:ext cx="544113" cy="544113"/>
+          <a:off x="9407521" y="1005403"/>
+          <a:ext cx="526394" cy="526394"/>
         </a:xfrm>
         <a:prstGeom prst="rect">
           <a:avLst/>
         </a:prstGeom>
         <a:blipFill>
-          <a:blip xmlns:r="http://schemas.openxmlformats.org/officeDocument/2006/relationships" r:embed="rId9">
+          <a:blip xmlns:r="http://schemas.openxmlformats.org/officeDocument/2006/relationships" r:embed="rId11">
             <a:extLst>
               <a:ext uri="{28A0092B-C50C-407E-A947-70E740481C1C}">
                 <a14:useLocalDpi xmlns:a14="http://schemas.microsoft.com/office/drawing/2010/main" val="0"/>
               </a:ext>
               <a:ext uri="{96DAC541-7B7A-43D3-8B79-37D633B846F1}">
-                <asvg:svgBlip xmlns:asvg="http://schemas.microsoft.com/office/drawing/2016/SVG/main" r:embed="rId10"/>
+                <asvg:svgBlip xmlns:asvg="http://schemas.microsoft.com/office/drawing/2016/SVG/main" r:embed="rId12"/>
               </a:ext>
             </a:extLst>
           </a:blip>
@@ -2245,8 +3152,8 @@
       </dsp:nvSpPr>
       <dsp:spPr>
         <a:xfrm>
-          <a:off x="7308600" y="1614653"/>
-          <a:ext cx="1554609" cy="378936"/>
+          <a:off x="8918763" y="1602541"/>
+          <a:ext cx="1503984" cy="634493"/>
         </a:xfrm>
         <a:prstGeom prst="rect">
           <a:avLst/>
@@ -2277,7 +3184,7 @@
         <a:p>
           <a:pPr marL="0" lvl="0" indent="0" algn="ctr" defTabSz="622300">
             <a:lnSpc>
-              <a:spcPct val="90000"/>
+              <a:spcPct val="100000"/>
             </a:lnSpc>
             <a:spcBef>
               <a:spcPct val="0"/>
@@ -2295,8 +3202,8 @@
         </a:p>
       </dsp:txBody>
       <dsp:txXfrm>
-        <a:off x="7308600" y="1614653"/>
-        <a:ext cx="1554609" cy="378936"/>
+        <a:off x="8918763" y="1602541"/>
+        <a:ext cx="1503984" cy="634493"/>
       </dsp:txXfrm>
     </dsp:sp>
     <dsp:sp modelId="{78955EB9-0A6E-4C9A-8218-20D16655F3C2}">
@@ -2306,8 +3213,8 @@
       </dsp:nvSpPr>
       <dsp:spPr>
         <a:xfrm>
-          <a:off x="7308600" y="2026322"/>
-          <a:ext cx="1554609" cy="610476"/>
+          <a:off x="8838030" y="2269939"/>
+          <a:ext cx="1503984" cy="380669"/>
         </a:xfrm>
         <a:prstGeom prst="rect">
           <a:avLst/>
@@ -2338,20 +3245,20 @@
       </dsp:nvSpPr>
       <dsp:spPr>
         <a:xfrm>
-          <a:off x="9640514" y="1000164"/>
-          <a:ext cx="544113" cy="544113"/>
+          <a:off x="11094006" y="1005403"/>
+          <a:ext cx="526394" cy="526394"/>
         </a:xfrm>
         <a:prstGeom prst="rect">
           <a:avLst/>
         </a:prstGeom>
         <a:blipFill>
-          <a:blip xmlns:r="http://schemas.openxmlformats.org/officeDocument/2006/relationships" r:embed="rId11">
+          <a:blip xmlns:r="http://schemas.openxmlformats.org/officeDocument/2006/relationships" r:embed="rId13">
             <a:extLst>
               <a:ext uri="{28A0092B-C50C-407E-A947-70E740481C1C}">
                 <a14:useLocalDpi xmlns:a14="http://schemas.microsoft.com/office/drawing/2010/main" val="0"/>
               </a:ext>
               <a:ext uri="{96DAC541-7B7A-43D3-8B79-37D633B846F1}">
-                <asvg:svgBlip xmlns:asvg="http://schemas.microsoft.com/office/drawing/2016/SVG/main" r:embed="rId12"/>
+                <asvg:svgBlip xmlns:asvg="http://schemas.microsoft.com/office/drawing/2016/SVG/main" r:embed="rId14"/>
               </a:ext>
             </a:extLst>
           </a:blip>
@@ -2388,8 +3295,8 @@
       </dsp:nvSpPr>
       <dsp:spPr>
         <a:xfrm>
-          <a:off x="9135266" y="1614653"/>
-          <a:ext cx="1554609" cy="378936"/>
+          <a:off x="10605211" y="1602541"/>
+          <a:ext cx="1503984" cy="634493"/>
         </a:xfrm>
         <a:prstGeom prst="rect">
           <a:avLst/>
@@ -2420,7 +3327,7 @@
         <a:p>
           <a:pPr marL="0" lvl="0" indent="0" algn="ctr" defTabSz="622300">
             <a:lnSpc>
-              <a:spcPct val="90000"/>
+              <a:spcPct val="100000"/>
             </a:lnSpc>
             <a:spcBef>
               <a:spcPct val="0"/>
@@ -2438,8 +3345,8 @@
         </a:p>
       </dsp:txBody>
       <dsp:txXfrm>
-        <a:off x="9135266" y="1614653"/>
-        <a:ext cx="1554609" cy="378936"/>
+        <a:off x="10605211" y="1602541"/>
+        <a:ext cx="1503984" cy="634493"/>
       </dsp:txXfrm>
     </dsp:sp>
     <dsp:sp modelId="{F929D3DD-208D-4964-8A23-69CA0AC5AF44}">
@@ -2449,8 +3356,8 @@
       </dsp:nvSpPr>
       <dsp:spPr>
         <a:xfrm>
-          <a:off x="9135266" y="2026322"/>
-          <a:ext cx="1554609" cy="610476"/>
+          <a:off x="10605211" y="2269939"/>
+          <a:ext cx="1503984" cy="380669"/>
         </a:xfrm>
         <a:prstGeom prst="rect">
           <a:avLst/>
@@ -3795,7 +4702,7 @@
           <a:p>
             <a:fld id="{14043352-ACAB-444E-9784-5229AE0B935B}" type="datetimeFigureOut">
               <a:rPr lang="en-US" smtClean="0"/>
-              <a:t>10/10/2023</a:t>
+              <a:t>11/4/2023</a:t>
             </a:fld>
             <a:endParaRPr lang="en-US"/>
           </a:p>
@@ -4106,7 +5013,18 @@
           <a:bodyPr/>
           <a:lstStyle/>
           <a:p>
-            <a:endParaRPr lang="en-US" dirty="0"/>
+            <a:r>
+              <a:rPr lang="en-US" dirty="0"/>
+              <a:t>Hello, my name is Michael Whittington and my project is titled “Predictive Analysis for Injury Diagnosis </a:t>
+            </a:r>
+            <a:r>
+              <a:rPr lang="en-US"/>
+              <a:t>and Localization</a:t>
+            </a:r>
+            <a:r>
+              <a:rPr lang="en-US" dirty="0"/>
+              <a:t>”</a:t>
+            </a:r>
           </a:p>
         </p:txBody>
       </p:sp>
@@ -4127,7 +5045,7 @@
           <a:p>
             <a:fld id="{E328C697-3E5C-44D0-B3D5-4FA4BB1DF5E8}" type="slidenum">
               <a:rPr lang="en-US" smtClean="0"/>
-              <a:t>5</a:t>
+              <a:t>1</a:t>
             </a:fld>
             <a:endParaRPr lang="en-US"/>
           </a:p>
@@ -4136,7 +5054,94 @@
     </p:spTree>
     <p:extLst>
       <p:ext uri="{BB962C8B-B14F-4D97-AF65-F5344CB8AC3E}">
-        <p14:creationId xmlns:p14="http://schemas.microsoft.com/office/powerpoint/2010/main" val="4100415672"/>
+        <p14:creationId xmlns:p14="http://schemas.microsoft.com/office/powerpoint/2010/main" val="2675113363"/>
+      </p:ext>
+    </p:extLst>
+  </p:cSld>
+  <p:clrMapOvr>
+    <a:masterClrMapping/>
+  </p:clrMapOvr>
+</p:notes>
+</file>
+
+<file path=ppt/notesSlides/notesSlide10.xml><?xml version="1.0" encoding="utf-8"?>
+<p:notes xmlns:a="http://schemas.openxmlformats.org/drawingml/2006/main" xmlns:r="http://schemas.openxmlformats.org/officeDocument/2006/relationships" xmlns:p="http://schemas.openxmlformats.org/presentationml/2006/main">
+  <p:cSld>
+    <p:spTree>
+      <p:nvGrpSpPr>
+        <p:cNvPr id="1" name=""/>
+        <p:cNvGrpSpPr/>
+        <p:nvPr/>
+      </p:nvGrpSpPr>
+      <p:grpSpPr>
+        <a:xfrm>
+          <a:off x="0" y="0"/>
+          <a:ext cx="0" cy="0"/>
+          <a:chOff x="0" y="0"/>
+          <a:chExt cx="0" cy="0"/>
+        </a:xfrm>
+      </p:grpSpPr>
+      <p:sp>
+        <p:nvSpPr>
+          <p:cNvPr id="2" name="Slide Image Placeholder 1"/>
+          <p:cNvSpPr>
+            <a:spLocks noGrp="1" noRot="1" noChangeAspect="1"/>
+          </p:cNvSpPr>
+          <p:nvPr>
+            <p:ph type="sldImg"/>
+          </p:nvPr>
+        </p:nvSpPr>
+        <p:spPr/>
+      </p:sp>
+      <p:sp>
+        <p:nvSpPr>
+          <p:cNvPr id="3" name="Notes Placeholder 2"/>
+          <p:cNvSpPr>
+            <a:spLocks noGrp="1"/>
+          </p:cNvSpPr>
+          <p:nvPr>
+            <p:ph type="body" idx="1"/>
+          </p:nvPr>
+        </p:nvSpPr>
+        <p:spPr/>
+        <p:txBody>
+          <a:bodyPr/>
+          <a:lstStyle/>
+          <a:p>
+            <a:r>
+              <a:rPr lang="en-US" dirty="0"/>
+              <a:t>More compute power – ran into problems with the size of this dataset. This could allow for a more thorough analysis of the hyperparameters, plus it would be necessary if more data was added to this project.</a:t>
+            </a:r>
+          </a:p>
+        </p:txBody>
+      </p:sp>
+      <p:sp>
+        <p:nvSpPr>
+          <p:cNvPr id="4" name="Slide Number Placeholder 3"/>
+          <p:cNvSpPr>
+            <a:spLocks noGrp="1"/>
+          </p:cNvSpPr>
+          <p:nvPr>
+            <p:ph type="sldNum" sz="quarter" idx="5"/>
+          </p:nvPr>
+        </p:nvSpPr>
+        <p:spPr/>
+        <p:txBody>
+          <a:bodyPr/>
+          <a:lstStyle/>
+          <a:p>
+            <a:fld id="{E328C697-3E5C-44D0-B3D5-4FA4BB1DF5E8}" type="slidenum">
+              <a:rPr lang="en-US" smtClean="0"/>
+              <a:t>13</a:t>
+            </a:fld>
+            <a:endParaRPr lang="en-US"/>
+          </a:p>
+        </p:txBody>
+      </p:sp>
+    </p:spTree>
+    <p:extLst>
+      <p:ext uri="{BB962C8B-B14F-4D97-AF65-F5344CB8AC3E}">
+        <p14:creationId xmlns:p14="http://schemas.microsoft.com/office/powerpoint/2010/main" val="3017986497"/>
       </p:ext>
     </p:extLst>
   </p:cSld>
@@ -4191,6 +5196,268 @@
           <a:lstStyle/>
           <a:p>
             <a:r>
+              <a:rPr lang="en-US" sz="1800" dirty="0">
+                <a:effectLst/>
+                <a:latin typeface="Calibri" panose="020F0502020204030204" pitchFamily="34" charset="0"/>
+              </a:rPr>
+              <a:t>For those that may have missed my prior presentations, I want to quickly recap my project overview and background. The goal of my project is to use this dataset to find patterns in the data and accurately predict both the diagnosis of a patient's injury and the body part where it occurred. Ultimately, by understanding these injuries, companies can make safer products, and doctors can treat patients faster and better. This helps in making products safer and improving medical care for everyone. In order to accomplish this, I plan to use machine learning models and refine those models using other data science techniques.</a:t>
+            </a:r>
+            <a:endParaRPr lang="en-US" dirty="0"/>
+          </a:p>
+        </p:txBody>
+      </p:sp>
+      <p:sp>
+        <p:nvSpPr>
+          <p:cNvPr id="4" name="Slide Number Placeholder 3"/>
+          <p:cNvSpPr>
+            <a:spLocks noGrp="1"/>
+          </p:cNvSpPr>
+          <p:nvPr>
+            <p:ph type="sldNum" sz="quarter" idx="5"/>
+          </p:nvPr>
+        </p:nvSpPr>
+        <p:spPr/>
+        <p:txBody>
+          <a:bodyPr/>
+          <a:lstStyle/>
+          <a:p>
+            <a:fld id="{E328C697-3E5C-44D0-B3D5-4FA4BB1DF5E8}" type="slidenum">
+              <a:rPr lang="en-US" smtClean="0"/>
+              <a:t>3</a:t>
+            </a:fld>
+            <a:endParaRPr lang="en-US"/>
+          </a:p>
+        </p:txBody>
+      </p:sp>
+    </p:spTree>
+    <p:extLst>
+      <p:ext uri="{BB962C8B-B14F-4D97-AF65-F5344CB8AC3E}">
+        <p14:creationId xmlns:p14="http://schemas.microsoft.com/office/powerpoint/2010/main" val="4123164842"/>
+      </p:ext>
+    </p:extLst>
+  </p:cSld>
+  <p:clrMapOvr>
+    <a:masterClrMapping/>
+  </p:clrMapOvr>
+</p:notes>
+</file>
+
+<file path=ppt/notesSlides/notesSlide3.xml><?xml version="1.0" encoding="utf-8"?>
+<p:notes xmlns:a="http://schemas.openxmlformats.org/drawingml/2006/main" xmlns:r="http://schemas.openxmlformats.org/officeDocument/2006/relationships" xmlns:p="http://schemas.openxmlformats.org/presentationml/2006/main">
+  <p:cSld>
+    <p:spTree>
+      <p:nvGrpSpPr>
+        <p:cNvPr id="1" name=""/>
+        <p:cNvGrpSpPr/>
+        <p:nvPr/>
+      </p:nvGrpSpPr>
+      <p:grpSpPr>
+        <a:xfrm>
+          <a:off x="0" y="0"/>
+          <a:ext cx="0" cy="0"/>
+          <a:chOff x="0" y="0"/>
+          <a:chExt cx="0" cy="0"/>
+        </a:xfrm>
+      </p:grpSpPr>
+      <p:sp>
+        <p:nvSpPr>
+          <p:cNvPr id="2" name="Slide Image Placeholder 1"/>
+          <p:cNvSpPr>
+            <a:spLocks noGrp="1" noRot="1" noChangeAspect="1"/>
+          </p:cNvSpPr>
+          <p:nvPr>
+            <p:ph type="sldImg"/>
+          </p:nvPr>
+        </p:nvSpPr>
+        <p:spPr/>
+      </p:sp>
+      <p:sp>
+        <p:nvSpPr>
+          <p:cNvPr id="3" name="Notes Placeholder 2"/>
+          <p:cNvSpPr>
+            <a:spLocks noGrp="1"/>
+          </p:cNvSpPr>
+          <p:nvPr>
+            <p:ph type="body" idx="1"/>
+          </p:nvPr>
+        </p:nvSpPr>
+        <p:spPr/>
+        <p:txBody>
+          <a:bodyPr/>
+          <a:lstStyle/>
+          <a:p>
+            <a:r>
+              <a:rPr lang="en-US" dirty="0"/>
+              <a:t>Here is a brief overview of the dataset that I will be using, which comes from the Consumer Product Safety Commission. The dataset is fairly robust, featuring over 300,000 rows and 25 columns, where each row is a patient that went to a participating hospitals emergency room in the year 2022.</a:t>
+            </a:r>
+          </a:p>
+        </p:txBody>
+      </p:sp>
+      <p:sp>
+        <p:nvSpPr>
+          <p:cNvPr id="4" name="Slide Number Placeholder 3"/>
+          <p:cNvSpPr>
+            <a:spLocks noGrp="1"/>
+          </p:cNvSpPr>
+          <p:nvPr>
+            <p:ph type="sldNum" sz="quarter" idx="5"/>
+          </p:nvPr>
+        </p:nvSpPr>
+        <p:spPr/>
+        <p:txBody>
+          <a:bodyPr/>
+          <a:lstStyle/>
+          <a:p>
+            <a:fld id="{E328C697-3E5C-44D0-B3D5-4FA4BB1DF5E8}" type="slidenum">
+              <a:rPr lang="en-US" smtClean="0"/>
+              <a:t>4</a:t>
+            </a:fld>
+            <a:endParaRPr lang="en-US"/>
+          </a:p>
+        </p:txBody>
+      </p:sp>
+    </p:spTree>
+    <p:extLst>
+      <p:ext uri="{BB962C8B-B14F-4D97-AF65-F5344CB8AC3E}">
+        <p14:creationId xmlns:p14="http://schemas.microsoft.com/office/powerpoint/2010/main" val="4100415672"/>
+      </p:ext>
+    </p:extLst>
+  </p:cSld>
+  <p:clrMapOvr>
+    <a:masterClrMapping/>
+  </p:clrMapOvr>
+</p:notes>
+</file>
+
+<file path=ppt/notesSlides/notesSlide4.xml><?xml version="1.0" encoding="utf-8"?>
+<p:notes xmlns:a="http://schemas.openxmlformats.org/drawingml/2006/main" xmlns:r="http://schemas.openxmlformats.org/officeDocument/2006/relationships" xmlns:p="http://schemas.openxmlformats.org/presentationml/2006/main">
+  <p:cSld>
+    <p:spTree>
+      <p:nvGrpSpPr>
+        <p:cNvPr id="1" name=""/>
+        <p:cNvGrpSpPr/>
+        <p:nvPr/>
+      </p:nvGrpSpPr>
+      <p:grpSpPr>
+        <a:xfrm>
+          <a:off x="0" y="0"/>
+          <a:ext cx="0" cy="0"/>
+          <a:chOff x="0" y="0"/>
+          <a:chExt cx="0" cy="0"/>
+        </a:xfrm>
+      </p:grpSpPr>
+      <p:sp>
+        <p:nvSpPr>
+          <p:cNvPr id="2" name="Slide Image Placeholder 1"/>
+          <p:cNvSpPr>
+            <a:spLocks noGrp="1" noRot="1" noChangeAspect="1"/>
+          </p:cNvSpPr>
+          <p:nvPr>
+            <p:ph type="sldImg"/>
+          </p:nvPr>
+        </p:nvSpPr>
+        <p:spPr/>
+      </p:sp>
+      <p:sp>
+        <p:nvSpPr>
+          <p:cNvPr id="3" name="Notes Placeholder 2"/>
+          <p:cNvSpPr>
+            <a:spLocks noGrp="1"/>
+          </p:cNvSpPr>
+          <p:nvPr>
+            <p:ph type="body" idx="1"/>
+          </p:nvPr>
+        </p:nvSpPr>
+        <p:spPr/>
+        <p:txBody>
+          <a:bodyPr/>
+          <a:lstStyle/>
+          <a:p>
+            <a:endParaRPr lang="en-US" dirty="0"/>
+          </a:p>
+        </p:txBody>
+      </p:sp>
+      <p:sp>
+        <p:nvSpPr>
+          <p:cNvPr id="4" name="Slide Number Placeholder 3"/>
+          <p:cNvSpPr>
+            <a:spLocks noGrp="1"/>
+          </p:cNvSpPr>
+          <p:nvPr>
+            <p:ph type="sldNum" sz="quarter" idx="5"/>
+          </p:nvPr>
+        </p:nvSpPr>
+        <p:spPr/>
+        <p:txBody>
+          <a:bodyPr/>
+          <a:lstStyle/>
+          <a:p>
+            <a:fld id="{E328C697-3E5C-44D0-B3D5-4FA4BB1DF5E8}" type="slidenum">
+              <a:rPr lang="en-US" smtClean="0"/>
+              <a:t>5</a:t>
+            </a:fld>
+            <a:endParaRPr lang="en-US"/>
+          </a:p>
+        </p:txBody>
+      </p:sp>
+    </p:spTree>
+    <p:extLst>
+      <p:ext uri="{BB962C8B-B14F-4D97-AF65-F5344CB8AC3E}">
+        <p14:creationId xmlns:p14="http://schemas.microsoft.com/office/powerpoint/2010/main" val="2388527469"/>
+      </p:ext>
+    </p:extLst>
+  </p:cSld>
+  <p:clrMapOvr>
+    <a:masterClrMapping/>
+  </p:clrMapOvr>
+</p:notes>
+</file>
+
+<file path=ppt/notesSlides/notesSlide5.xml><?xml version="1.0" encoding="utf-8"?>
+<p:notes xmlns:a="http://schemas.openxmlformats.org/drawingml/2006/main" xmlns:r="http://schemas.openxmlformats.org/officeDocument/2006/relationships" xmlns:p="http://schemas.openxmlformats.org/presentationml/2006/main">
+  <p:cSld>
+    <p:spTree>
+      <p:nvGrpSpPr>
+        <p:cNvPr id="1" name=""/>
+        <p:cNvGrpSpPr/>
+        <p:nvPr/>
+      </p:nvGrpSpPr>
+      <p:grpSpPr>
+        <a:xfrm>
+          <a:off x="0" y="0"/>
+          <a:ext cx="0" cy="0"/>
+          <a:chOff x="0" y="0"/>
+          <a:chExt cx="0" cy="0"/>
+        </a:xfrm>
+      </p:grpSpPr>
+      <p:sp>
+        <p:nvSpPr>
+          <p:cNvPr id="2" name="Slide Image Placeholder 1"/>
+          <p:cNvSpPr>
+            <a:spLocks noGrp="1" noRot="1" noChangeAspect="1"/>
+          </p:cNvSpPr>
+          <p:nvPr>
+            <p:ph type="sldImg"/>
+          </p:nvPr>
+        </p:nvSpPr>
+        <p:spPr/>
+      </p:sp>
+      <p:sp>
+        <p:nvSpPr>
+          <p:cNvPr id="3" name="Notes Placeholder 2"/>
+          <p:cNvSpPr>
+            <a:spLocks noGrp="1"/>
+          </p:cNvSpPr>
+          <p:nvPr>
+            <p:ph type="body" idx="1"/>
+          </p:nvPr>
+        </p:nvSpPr>
+        <p:spPr/>
+        <p:txBody>
+          <a:bodyPr/>
+          <a:lstStyle/>
+          <a:p>
+            <a:r>
               <a:rPr lang="en-US" dirty="0"/>
               <a:t>Hyperparameter Tuning:</a:t>
             </a:r>
@@ -4585,7 +5852,7 @@
           <a:p>
             <a:fld id="{E328C697-3E5C-44D0-B3D5-4FA4BB1DF5E8}" type="slidenum">
               <a:rPr lang="en-US" smtClean="0"/>
-              <a:t>8</a:t>
+              <a:t>7</a:t>
             </a:fld>
             <a:endParaRPr lang="en-US"/>
           </a:p>
@@ -4595,6 +5862,536 @@
     <p:extLst>
       <p:ext uri="{BB962C8B-B14F-4D97-AF65-F5344CB8AC3E}">
         <p14:creationId xmlns:p14="http://schemas.microsoft.com/office/powerpoint/2010/main" val="3311753432"/>
+      </p:ext>
+    </p:extLst>
+  </p:cSld>
+  <p:clrMapOvr>
+    <a:masterClrMapping/>
+  </p:clrMapOvr>
+</p:notes>
+</file>
+
+<file path=ppt/notesSlides/notesSlide6.xml><?xml version="1.0" encoding="utf-8"?>
+<p:notes xmlns:a="http://schemas.openxmlformats.org/drawingml/2006/main" xmlns:r="http://schemas.openxmlformats.org/officeDocument/2006/relationships" xmlns:p="http://schemas.openxmlformats.org/presentationml/2006/main">
+  <p:cSld>
+    <p:spTree>
+      <p:nvGrpSpPr>
+        <p:cNvPr id="1" name=""/>
+        <p:cNvGrpSpPr/>
+        <p:nvPr/>
+      </p:nvGrpSpPr>
+      <p:grpSpPr>
+        <a:xfrm>
+          <a:off x="0" y="0"/>
+          <a:ext cx="0" cy="0"/>
+          <a:chOff x="0" y="0"/>
+          <a:chExt cx="0" cy="0"/>
+        </a:xfrm>
+      </p:grpSpPr>
+      <p:sp>
+        <p:nvSpPr>
+          <p:cNvPr id="2" name="Slide Image Placeholder 1"/>
+          <p:cNvSpPr>
+            <a:spLocks noGrp="1" noRot="1" noChangeAspect="1"/>
+          </p:cNvSpPr>
+          <p:nvPr>
+            <p:ph type="sldImg"/>
+          </p:nvPr>
+        </p:nvSpPr>
+        <p:spPr/>
+      </p:sp>
+      <p:sp>
+        <p:nvSpPr>
+          <p:cNvPr id="3" name="Notes Placeholder 2"/>
+          <p:cNvSpPr>
+            <a:spLocks noGrp="1"/>
+          </p:cNvSpPr>
+          <p:nvPr>
+            <p:ph type="body" idx="1"/>
+          </p:nvPr>
+        </p:nvSpPr>
+        <p:spPr/>
+        <p:txBody>
+          <a:bodyPr/>
+          <a:lstStyle/>
+          <a:p>
+            <a:r>
+              <a:rPr lang="en-US" b="1" i="0" dirty="0">
+                <a:solidFill>
+                  <a:srgbClr val="0F0F0F"/>
+                </a:solidFill>
+                <a:effectLst/>
+                <a:latin typeface="Söhne"/>
+              </a:rPr>
+              <a:t>If you look across the board, Diagnosis performs better in precision, recall, f1, and accuracy. Notably about 10 of the 30 classes performed well, with an additional 10 performing moderately.</a:t>
+            </a:r>
+          </a:p>
+          <a:p>
+            <a:endParaRPr lang="en-US" b="1" i="0" dirty="0">
+              <a:solidFill>
+                <a:srgbClr val="0F0F0F"/>
+              </a:solidFill>
+              <a:effectLst/>
+              <a:latin typeface="Söhne"/>
+            </a:endParaRPr>
+          </a:p>
+          <a:p>
+            <a:r>
+              <a:rPr lang="en-US" b="1" i="0" dirty="0">
+                <a:solidFill>
+                  <a:srgbClr val="0F0F0F"/>
+                </a:solidFill>
+                <a:effectLst/>
+                <a:latin typeface="Söhne"/>
+              </a:rPr>
+              <a:t>While only 2 classes, 0 and 75 stand out as </a:t>
+            </a:r>
+            <a:r>
+              <a:rPr lang="en-US" b="1" i="0" dirty="0" err="1">
+                <a:solidFill>
+                  <a:srgbClr val="0F0F0F"/>
+                </a:solidFill>
+                <a:effectLst/>
+                <a:latin typeface="Söhne"/>
+              </a:rPr>
+              <a:t>body_parts</a:t>
+            </a:r>
+            <a:r>
+              <a:rPr lang="en-US" b="1" i="0" dirty="0">
+                <a:solidFill>
+                  <a:srgbClr val="0F0F0F"/>
+                </a:solidFill>
+                <a:effectLst/>
+                <a:latin typeface="Söhne"/>
+              </a:rPr>
+              <a:t> that performed well. 75 actually indicates the “Head” body part and has the most occurrences in the dataset.</a:t>
+            </a:r>
+          </a:p>
+          <a:p>
+            <a:endParaRPr lang="en-US" b="1" i="0" dirty="0">
+              <a:solidFill>
+                <a:srgbClr val="0F0F0F"/>
+              </a:solidFill>
+              <a:effectLst/>
+              <a:latin typeface="Söhne"/>
+            </a:endParaRPr>
+          </a:p>
+          <a:p>
+            <a:r>
+              <a:rPr lang="en-US" b="1" i="0" dirty="0">
+                <a:solidFill>
+                  <a:srgbClr val="0F0F0F"/>
+                </a:solidFill>
+                <a:effectLst/>
+                <a:latin typeface="Söhne"/>
+              </a:rPr>
+              <a:t>Precision</a:t>
+            </a:r>
+            <a:r>
+              <a:rPr lang="en-US" b="0" i="0" dirty="0">
+                <a:solidFill>
+                  <a:srgbClr val="0F0F0F"/>
+                </a:solidFill>
+                <a:effectLst/>
+                <a:latin typeface="Söhne"/>
+              </a:rPr>
+              <a:t> measures the accuracy of positive predictions. In other words, it tells you what proportion of predicted positives are truly positive.</a:t>
+            </a:r>
+          </a:p>
+          <a:p>
+            <a:endParaRPr lang="en-US" b="0" i="0" dirty="0">
+              <a:solidFill>
+                <a:srgbClr val="0F0F0F"/>
+              </a:solidFill>
+              <a:effectLst/>
+              <a:latin typeface="Söhne"/>
+            </a:endParaRPr>
+          </a:p>
+          <a:p>
+            <a:r>
+              <a:rPr lang="en-US" b="1" i="0" dirty="0">
+                <a:solidFill>
+                  <a:srgbClr val="0F0F0F"/>
+                </a:solidFill>
+                <a:effectLst/>
+                <a:latin typeface="Söhne"/>
+              </a:rPr>
+              <a:t>Recall</a:t>
+            </a:r>
+            <a:r>
+              <a:rPr lang="en-US" b="0" i="0" dirty="0">
+                <a:solidFill>
+                  <a:srgbClr val="0F0F0F"/>
+                </a:solidFill>
+                <a:effectLst/>
+                <a:latin typeface="Söhne"/>
+              </a:rPr>
+              <a:t> measures the ability of a model to find all the relevant cases within a dataset. It tells you what proportion of actual positives was identified correctly.</a:t>
+            </a:r>
+          </a:p>
+          <a:p>
+            <a:endParaRPr lang="en-US" b="0" i="0" dirty="0">
+              <a:solidFill>
+                <a:srgbClr val="0F0F0F"/>
+              </a:solidFill>
+              <a:effectLst/>
+              <a:latin typeface="Söhne"/>
+            </a:endParaRPr>
+          </a:p>
+          <a:p>
+            <a:r>
+              <a:rPr lang="en-US" b="1" i="0" dirty="0">
+                <a:solidFill>
+                  <a:srgbClr val="0F0F0F"/>
+                </a:solidFill>
+                <a:effectLst/>
+                <a:latin typeface="Söhne"/>
+              </a:rPr>
+              <a:t>The F1 score</a:t>
+            </a:r>
+            <a:r>
+              <a:rPr lang="en-US" b="0" i="0" dirty="0">
+                <a:solidFill>
+                  <a:srgbClr val="0F0F0F"/>
+                </a:solidFill>
+                <a:effectLst/>
+                <a:latin typeface="Söhne"/>
+              </a:rPr>
+              <a:t> is a balance between precision and recall. It is particularly useful when you need to balance these two metrics, especially when the costs of false positives and false negatives are very different.</a:t>
+            </a:r>
+            <a:endParaRPr lang="en-US" dirty="0"/>
+          </a:p>
+        </p:txBody>
+      </p:sp>
+      <p:sp>
+        <p:nvSpPr>
+          <p:cNvPr id="4" name="Slide Number Placeholder 3"/>
+          <p:cNvSpPr>
+            <a:spLocks noGrp="1"/>
+          </p:cNvSpPr>
+          <p:nvPr>
+            <p:ph type="sldNum" sz="quarter" idx="5"/>
+          </p:nvPr>
+        </p:nvSpPr>
+        <p:spPr/>
+        <p:txBody>
+          <a:bodyPr/>
+          <a:lstStyle/>
+          <a:p>
+            <a:fld id="{E328C697-3E5C-44D0-B3D5-4FA4BB1DF5E8}" type="slidenum">
+              <a:rPr lang="en-US" smtClean="0"/>
+              <a:t>9</a:t>
+            </a:fld>
+            <a:endParaRPr lang="en-US"/>
+          </a:p>
+        </p:txBody>
+      </p:sp>
+    </p:spTree>
+    <p:extLst>
+      <p:ext uri="{BB962C8B-B14F-4D97-AF65-F5344CB8AC3E}">
+        <p14:creationId xmlns:p14="http://schemas.microsoft.com/office/powerpoint/2010/main" val="3175742531"/>
+      </p:ext>
+    </p:extLst>
+  </p:cSld>
+  <p:clrMapOvr>
+    <a:masterClrMapping/>
+  </p:clrMapOvr>
+</p:notes>
+</file>
+
+<file path=ppt/notesSlides/notesSlide7.xml><?xml version="1.0" encoding="utf-8"?>
+<p:notes xmlns:a="http://schemas.openxmlformats.org/drawingml/2006/main" xmlns:r="http://schemas.openxmlformats.org/officeDocument/2006/relationships" xmlns:p="http://schemas.openxmlformats.org/presentationml/2006/main">
+  <p:cSld>
+    <p:spTree>
+      <p:nvGrpSpPr>
+        <p:cNvPr id="1" name=""/>
+        <p:cNvGrpSpPr/>
+        <p:nvPr/>
+      </p:nvGrpSpPr>
+      <p:grpSpPr>
+        <a:xfrm>
+          <a:off x="0" y="0"/>
+          <a:ext cx="0" cy="0"/>
+          <a:chOff x="0" y="0"/>
+          <a:chExt cx="0" cy="0"/>
+        </a:xfrm>
+      </p:grpSpPr>
+      <p:sp>
+        <p:nvSpPr>
+          <p:cNvPr id="2" name="Slide Image Placeholder 1"/>
+          <p:cNvSpPr>
+            <a:spLocks noGrp="1" noRot="1" noChangeAspect="1"/>
+          </p:cNvSpPr>
+          <p:nvPr>
+            <p:ph type="sldImg"/>
+          </p:nvPr>
+        </p:nvSpPr>
+        <p:spPr/>
+      </p:sp>
+      <p:sp>
+        <p:nvSpPr>
+          <p:cNvPr id="3" name="Notes Placeholder 2"/>
+          <p:cNvSpPr>
+            <a:spLocks noGrp="1"/>
+          </p:cNvSpPr>
+          <p:nvPr>
+            <p:ph type="body" idx="1"/>
+          </p:nvPr>
+        </p:nvSpPr>
+        <p:spPr/>
+        <p:txBody>
+          <a:bodyPr/>
+          <a:lstStyle/>
+          <a:p>
+            <a:r>
+              <a:rPr lang="en-US" dirty="0"/>
+              <a:t>I did test out the feature </a:t>
+            </a:r>
+            <a:r>
+              <a:rPr lang="en-US" dirty="0" err="1"/>
+              <a:t>importances</a:t>
+            </a:r>
+            <a:r>
+              <a:rPr lang="en-US" dirty="0"/>
+              <a:t> of the </a:t>
+            </a:r>
+            <a:r>
+              <a:rPr lang="en-US" dirty="0" err="1"/>
+              <a:t>XGBoost</a:t>
+            </a:r>
+            <a:r>
+              <a:rPr lang="en-US" dirty="0"/>
+              <a:t> Model and while this does share some surprising insight (</a:t>
+            </a:r>
+            <a:r>
+              <a:rPr lang="en-US" dirty="0" err="1"/>
+              <a:t>ie</a:t>
+            </a:r>
+            <a:r>
+              <a:rPr lang="en-US" dirty="0"/>
+              <a:t> that Age and Sex don’t play a more important role in predicting the Diagnosis, when it was tested these ultimately did not alter the prediction accuracy very much at all.</a:t>
+            </a:r>
+          </a:p>
+        </p:txBody>
+      </p:sp>
+      <p:sp>
+        <p:nvSpPr>
+          <p:cNvPr id="4" name="Slide Number Placeholder 3"/>
+          <p:cNvSpPr>
+            <a:spLocks noGrp="1"/>
+          </p:cNvSpPr>
+          <p:nvPr>
+            <p:ph type="sldNum" sz="quarter" idx="5"/>
+          </p:nvPr>
+        </p:nvSpPr>
+        <p:spPr/>
+        <p:txBody>
+          <a:bodyPr/>
+          <a:lstStyle/>
+          <a:p>
+            <a:fld id="{E328C697-3E5C-44D0-B3D5-4FA4BB1DF5E8}" type="slidenum">
+              <a:rPr lang="en-US" smtClean="0"/>
+              <a:t>10</a:t>
+            </a:fld>
+            <a:endParaRPr lang="en-US"/>
+          </a:p>
+        </p:txBody>
+      </p:sp>
+    </p:spTree>
+    <p:extLst>
+      <p:ext uri="{BB962C8B-B14F-4D97-AF65-F5344CB8AC3E}">
+        <p14:creationId xmlns:p14="http://schemas.microsoft.com/office/powerpoint/2010/main" val="2278750291"/>
+      </p:ext>
+    </p:extLst>
+  </p:cSld>
+  <p:clrMapOvr>
+    <a:masterClrMapping/>
+  </p:clrMapOvr>
+</p:notes>
+</file>
+
+<file path=ppt/notesSlides/notesSlide8.xml><?xml version="1.0" encoding="utf-8"?>
+<p:notes xmlns:a="http://schemas.openxmlformats.org/drawingml/2006/main" xmlns:r="http://schemas.openxmlformats.org/officeDocument/2006/relationships" xmlns:p="http://schemas.openxmlformats.org/presentationml/2006/main">
+  <p:cSld>
+    <p:spTree>
+      <p:nvGrpSpPr>
+        <p:cNvPr id="1" name=""/>
+        <p:cNvGrpSpPr/>
+        <p:nvPr/>
+      </p:nvGrpSpPr>
+      <p:grpSpPr>
+        <a:xfrm>
+          <a:off x="0" y="0"/>
+          <a:ext cx="0" cy="0"/>
+          <a:chOff x="0" y="0"/>
+          <a:chExt cx="0" cy="0"/>
+        </a:xfrm>
+      </p:grpSpPr>
+      <p:sp>
+        <p:nvSpPr>
+          <p:cNvPr id="2" name="Slide Image Placeholder 1"/>
+          <p:cNvSpPr>
+            <a:spLocks noGrp="1" noRot="1" noChangeAspect="1"/>
+          </p:cNvSpPr>
+          <p:nvPr>
+            <p:ph type="sldImg"/>
+          </p:nvPr>
+        </p:nvSpPr>
+        <p:spPr/>
+      </p:sp>
+      <p:sp>
+        <p:nvSpPr>
+          <p:cNvPr id="3" name="Notes Placeholder 2"/>
+          <p:cNvSpPr>
+            <a:spLocks noGrp="1"/>
+          </p:cNvSpPr>
+          <p:nvPr>
+            <p:ph type="body" idx="1"/>
+          </p:nvPr>
+        </p:nvSpPr>
+        <p:spPr/>
+        <p:txBody>
+          <a:bodyPr/>
+          <a:lstStyle/>
+          <a:p>
+            <a:r>
+              <a:rPr lang="en-US" dirty="0"/>
+              <a:t>This is very similar to the Diagnosis feature </a:t>
+            </a:r>
+            <a:r>
+              <a:rPr lang="en-US" dirty="0" err="1"/>
+              <a:t>importances</a:t>
+            </a:r>
+            <a:r>
+              <a:rPr lang="en-US" dirty="0"/>
+              <a:t>. The main difference (outside of Diagnosis vs Body Part) is that Fire Involvement and Disposition play much less of a role as features for the body part prediction.</a:t>
+            </a:r>
+          </a:p>
+        </p:txBody>
+      </p:sp>
+      <p:sp>
+        <p:nvSpPr>
+          <p:cNvPr id="4" name="Slide Number Placeholder 3"/>
+          <p:cNvSpPr>
+            <a:spLocks noGrp="1"/>
+          </p:cNvSpPr>
+          <p:nvPr>
+            <p:ph type="sldNum" sz="quarter" idx="5"/>
+          </p:nvPr>
+        </p:nvSpPr>
+        <p:spPr/>
+        <p:txBody>
+          <a:bodyPr/>
+          <a:lstStyle/>
+          <a:p>
+            <a:fld id="{E328C697-3E5C-44D0-B3D5-4FA4BB1DF5E8}" type="slidenum">
+              <a:rPr lang="en-US" smtClean="0"/>
+              <a:t>11</a:t>
+            </a:fld>
+            <a:endParaRPr lang="en-US"/>
+          </a:p>
+        </p:txBody>
+      </p:sp>
+    </p:spTree>
+    <p:extLst>
+      <p:ext uri="{BB962C8B-B14F-4D97-AF65-F5344CB8AC3E}">
+        <p14:creationId xmlns:p14="http://schemas.microsoft.com/office/powerpoint/2010/main" val="1255617062"/>
+      </p:ext>
+    </p:extLst>
+  </p:cSld>
+  <p:clrMapOvr>
+    <a:masterClrMapping/>
+  </p:clrMapOvr>
+</p:notes>
+</file>
+
+<file path=ppt/notesSlides/notesSlide9.xml><?xml version="1.0" encoding="utf-8"?>
+<p:notes xmlns:a="http://schemas.openxmlformats.org/drawingml/2006/main" xmlns:r="http://schemas.openxmlformats.org/officeDocument/2006/relationships" xmlns:p="http://schemas.openxmlformats.org/presentationml/2006/main">
+  <p:cSld>
+    <p:spTree>
+      <p:nvGrpSpPr>
+        <p:cNvPr id="1" name=""/>
+        <p:cNvGrpSpPr/>
+        <p:nvPr/>
+      </p:nvGrpSpPr>
+      <p:grpSpPr>
+        <a:xfrm>
+          <a:off x="0" y="0"/>
+          <a:ext cx="0" cy="0"/>
+          <a:chOff x="0" y="0"/>
+          <a:chExt cx="0" cy="0"/>
+        </a:xfrm>
+      </p:grpSpPr>
+      <p:sp>
+        <p:nvSpPr>
+          <p:cNvPr id="2" name="Slide Image Placeholder 1"/>
+          <p:cNvSpPr>
+            <a:spLocks noGrp="1" noRot="1" noChangeAspect="1"/>
+          </p:cNvSpPr>
+          <p:nvPr>
+            <p:ph type="sldImg"/>
+          </p:nvPr>
+        </p:nvSpPr>
+        <p:spPr/>
+      </p:sp>
+      <p:sp>
+        <p:nvSpPr>
+          <p:cNvPr id="3" name="Notes Placeholder 2"/>
+          <p:cNvSpPr>
+            <a:spLocks noGrp="1"/>
+          </p:cNvSpPr>
+          <p:nvPr>
+            <p:ph type="body" idx="1"/>
+          </p:nvPr>
+        </p:nvSpPr>
+        <p:spPr/>
+        <p:txBody>
+          <a:bodyPr/>
+          <a:lstStyle/>
+          <a:p>
+            <a:r>
+              <a:rPr lang="en-US" dirty="0"/>
+              <a:t>Next, I will demo my application, which allows the user to enter information and the application will provide the top 3 likely body parts injured and the top 3 predicted diagnoses.</a:t>
+            </a:r>
+          </a:p>
+          <a:p>
+            <a:endParaRPr lang="en-US" dirty="0"/>
+          </a:p>
+          <a:p>
+            <a:r>
+              <a:rPr lang="en-US" dirty="0"/>
+              <a:t>The creation of this application was done using Streamlit and the other technology show on the slide. </a:t>
+            </a:r>
+          </a:p>
+        </p:txBody>
+      </p:sp>
+      <p:sp>
+        <p:nvSpPr>
+          <p:cNvPr id="4" name="Slide Number Placeholder 3"/>
+          <p:cNvSpPr>
+            <a:spLocks noGrp="1"/>
+          </p:cNvSpPr>
+          <p:nvPr>
+            <p:ph type="sldNum" sz="quarter" idx="5"/>
+          </p:nvPr>
+        </p:nvSpPr>
+        <p:spPr/>
+        <p:txBody>
+          <a:bodyPr/>
+          <a:lstStyle/>
+          <a:p>
+            <a:fld id="{E328C697-3E5C-44D0-B3D5-4FA4BB1DF5E8}" type="slidenum">
+              <a:rPr lang="en-US" smtClean="0"/>
+              <a:t>12</a:t>
+            </a:fld>
+            <a:endParaRPr lang="en-US"/>
+          </a:p>
+        </p:txBody>
+      </p:sp>
+    </p:spTree>
+    <p:extLst>
+      <p:ext uri="{BB962C8B-B14F-4D97-AF65-F5344CB8AC3E}">
+        <p14:creationId xmlns:p14="http://schemas.microsoft.com/office/powerpoint/2010/main" val="3104453004"/>
       </p:ext>
     </p:extLst>
   </p:cSld>
@@ -4755,7 +6552,7 @@
           <a:p>
             <a:fld id="{2F3E8B1C-86EF-43CF-8304-249481088644}" type="datetimeFigureOut">
               <a:rPr lang="en-US" smtClean="0"/>
-              <a:t>10/9/2023</a:t>
+              <a:t>11/4/2023</a:t>
             </a:fld>
             <a:endParaRPr lang="en-US"/>
           </a:p>
@@ -4953,7 +6750,7 @@
           <a:p>
             <a:fld id="{2F3E8B1C-86EF-43CF-8304-249481088644}" type="datetimeFigureOut">
               <a:rPr lang="en-US" smtClean="0"/>
-              <a:t>10/9/2023</a:t>
+              <a:t>11/4/2023</a:t>
             </a:fld>
             <a:endParaRPr lang="en-US"/>
           </a:p>
@@ -5161,7 +6958,7 @@
           <a:p>
             <a:fld id="{2F3E8B1C-86EF-43CF-8304-249481088644}" type="datetimeFigureOut">
               <a:rPr lang="en-US" smtClean="0"/>
-              <a:t>10/9/2023</a:t>
+              <a:t>11/4/2023</a:t>
             </a:fld>
             <a:endParaRPr lang="en-US"/>
           </a:p>
@@ -5359,7 +7156,7 @@
           <a:p>
             <a:fld id="{2F3E8B1C-86EF-43CF-8304-249481088644}" type="datetimeFigureOut">
               <a:rPr lang="en-US" smtClean="0"/>
-              <a:t>10/9/2023</a:t>
+              <a:t>11/4/2023</a:t>
             </a:fld>
             <a:endParaRPr lang="en-US"/>
           </a:p>
@@ -5634,7 +7431,7 @@
           <a:p>
             <a:fld id="{2F3E8B1C-86EF-43CF-8304-249481088644}" type="datetimeFigureOut">
               <a:rPr lang="en-US" smtClean="0"/>
-              <a:t>10/9/2023</a:t>
+              <a:t>11/4/2023</a:t>
             </a:fld>
             <a:endParaRPr lang="en-US"/>
           </a:p>
@@ -5904,7 +7701,7 @@
           <a:p>
             <a:fld id="{2F3E8B1C-86EF-43CF-8304-249481088644}" type="datetimeFigureOut">
               <a:rPr lang="en-US" smtClean="0"/>
-              <a:t>10/9/2023</a:t>
+              <a:t>11/4/2023</a:t>
             </a:fld>
             <a:endParaRPr lang="en-US"/>
           </a:p>
@@ -6324,7 +8121,7 @@
           <a:p>
             <a:fld id="{2F3E8B1C-86EF-43CF-8304-249481088644}" type="datetimeFigureOut">
               <a:rPr lang="en-US" smtClean="0"/>
-              <a:t>10/9/2023</a:t>
+              <a:t>11/4/2023</a:t>
             </a:fld>
             <a:endParaRPr lang="en-US"/>
           </a:p>
@@ -6465,7 +8262,7 @@
           <a:p>
             <a:fld id="{2F3E8B1C-86EF-43CF-8304-249481088644}" type="datetimeFigureOut">
               <a:rPr lang="en-US" smtClean="0"/>
-              <a:t>10/9/2023</a:t>
+              <a:t>11/4/2023</a:t>
             </a:fld>
             <a:endParaRPr lang="en-US"/>
           </a:p>
@@ -6578,7 +8375,7 @@
           <a:p>
             <a:fld id="{2F3E8B1C-86EF-43CF-8304-249481088644}" type="datetimeFigureOut">
               <a:rPr lang="en-US" smtClean="0"/>
-              <a:t>10/9/2023</a:t>
+              <a:t>11/4/2023</a:t>
             </a:fld>
             <a:endParaRPr lang="en-US"/>
           </a:p>
@@ -6889,7 +8686,7 @@
           <a:p>
             <a:fld id="{2F3E8B1C-86EF-43CF-8304-249481088644}" type="datetimeFigureOut">
               <a:rPr lang="en-US" smtClean="0"/>
-              <a:t>10/9/2023</a:t>
+              <a:t>11/4/2023</a:t>
             </a:fld>
             <a:endParaRPr lang="en-US"/>
           </a:p>
@@ -7177,7 +8974,7 @@
           <a:p>
             <a:fld id="{2F3E8B1C-86EF-43CF-8304-249481088644}" type="datetimeFigureOut">
               <a:rPr lang="en-US" smtClean="0"/>
-              <a:t>10/9/2023</a:t>
+              <a:t>11/4/2023</a:t>
             </a:fld>
             <a:endParaRPr lang="en-US"/>
           </a:p>
@@ -7418,7 +9215,7 @@
             <a:fld id="{2F3E8B1C-86EF-43CF-8304-249481088644}" type="datetimeFigureOut">
               <a:rPr lang="en-US" smtClean="0"/>
               <a:pPr/>
-              <a:t>10/9/2023</a:t>
+              <a:t>11/4/2023</a:t>
             </a:fld>
             <a:endParaRPr lang="en-US" dirty="0"/>
           </a:p>
@@ -8080,7 +9877,7 @@
           <a:p>
             <a:r>
               <a:rPr lang="en-US" dirty="0"/>
-              <a:t>10/10/2023</a:t>
+              <a:t>11/14/2023</a:t>
             </a:r>
           </a:p>
         </p:txBody>
@@ -8100,7 +9897,7 @@
           <p:nvPr/>
         </p:nvPicPr>
         <p:blipFill rotWithShape="1">
-          <a:blip r:embed="rId2"/>
+          <a:blip r:embed="rId3"/>
           <a:srcRect l="24216" r="28316" b="-1"/>
           <a:stretch/>
         </p:blipFill>
@@ -8232,6 +10029,210 @@
 </file>
 
 <file path=ppt/slides/slide10.xml><?xml version="1.0" encoding="utf-8"?>
+<p:sld xmlns:a="http://schemas.openxmlformats.org/drawingml/2006/main" xmlns:r="http://schemas.openxmlformats.org/officeDocument/2006/relationships" xmlns:p="http://schemas.openxmlformats.org/presentationml/2006/main">
+  <p:cSld>
+    <p:spTree>
+      <p:nvGrpSpPr>
+        <p:cNvPr id="1" name=""/>
+        <p:cNvGrpSpPr/>
+        <p:nvPr/>
+      </p:nvGrpSpPr>
+      <p:grpSpPr>
+        <a:xfrm>
+          <a:off x="0" y="0"/>
+          <a:ext cx="0" cy="0"/>
+          <a:chOff x="0" y="0"/>
+          <a:chExt cx="0" cy="0"/>
+        </a:xfrm>
+      </p:grpSpPr>
+      <p:sp>
+        <p:nvSpPr>
+          <p:cNvPr id="2" name="Title 1">
+            <a:extLst>
+              <a:ext uri="{FF2B5EF4-FFF2-40B4-BE49-F238E27FC236}">
+                <a16:creationId xmlns:a16="http://schemas.microsoft.com/office/drawing/2014/main" id="{1FF8C228-A8F8-D113-44A1-B87A1289EDF2}"/>
+              </a:ext>
+            </a:extLst>
+          </p:cNvPr>
+          <p:cNvSpPr>
+            <a:spLocks noGrp="1"/>
+          </p:cNvSpPr>
+          <p:nvPr>
+            <p:ph type="title"/>
+          </p:nvPr>
+        </p:nvSpPr>
+        <p:spPr/>
+        <p:txBody>
+          <a:bodyPr/>
+          <a:lstStyle/>
+          <a:p>
+            <a:r>
+              <a:rPr lang="en-US" dirty="0"/>
+              <a:t>Deeper dive – </a:t>
+            </a:r>
+            <a:r>
+              <a:rPr lang="en-US" dirty="0" err="1"/>
+              <a:t>xgboost</a:t>
+            </a:r>
+            <a:r>
+              <a:rPr lang="en-US" dirty="0"/>
+              <a:t> model (diagnosis)</a:t>
+            </a:r>
+          </a:p>
+        </p:txBody>
+      </p:sp>
+      <p:pic>
+        <p:nvPicPr>
+          <p:cNvPr id="5" name="Picture 4" descr="Chart&#10;&#10;Description automatically generated">
+            <a:extLst>
+              <a:ext uri="{FF2B5EF4-FFF2-40B4-BE49-F238E27FC236}">
+                <a16:creationId xmlns:a16="http://schemas.microsoft.com/office/drawing/2014/main" id="{BC2A44AE-CC3C-53E6-4F1F-E795C77A9072}"/>
+              </a:ext>
+            </a:extLst>
+          </p:cNvPr>
+          <p:cNvPicPr>
+            <a:picLocks noChangeAspect="1"/>
+          </p:cNvPicPr>
+          <p:nvPr/>
+        </p:nvPicPr>
+        <p:blipFill>
+          <a:blip r:embed="rId3">
+            <a:extLst>
+              <a:ext uri="{28A0092B-C50C-407E-A947-70E740481C1C}">
+                <a14:useLocalDpi xmlns:a14="http://schemas.microsoft.com/office/drawing/2010/main" val="0"/>
+              </a:ext>
+            </a:extLst>
+          </a:blip>
+          <a:stretch>
+            <a:fillRect/>
+          </a:stretch>
+        </p:blipFill>
+        <p:spPr>
+          <a:xfrm>
+            <a:off x="128588" y="1795263"/>
+            <a:ext cx="12006262" cy="4062611"/>
+          </a:xfrm>
+          <a:prstGeom prst="rect">
+            <a:avLst/>
+          </a:prstGeom>
+        </p:spPr>
+      </p:pic>
+    </p:spTree>
+    <p:extLst>
+      <p:ext uri="{BB962C8B-B14F-4D97-AF65-F5344CB8AC3E}">
+        <p14:creationId xmlns:p14="http://schemas.microsoft.com/office/powerpoint/2010/main" val="321617598"/>
+      </p:ext>
+    </p:extLst>
+  </p:cSld>
+  <p:clrMapOvr>
+    <a:masterClrMapping/>
+  </p:clrMapOvr>
+</p:sld>
+</file>
+
+<file path=ppt/slides/slide11.xml><?xml version="1.0" encoding="utf-8"?>
+<p:sld xmlns:a="http://schemas.openxmlformats.org/drawingml/2006/main" xmlns:r="http://schemas.openxmlformats.org/officeDocument/2006/relationships" xmlns:p="http://schemas.openxmlformats.org/presentationml/2006/main">
+  <p:cSld>
+    <p:spTree>
+      <p:nvGrpSpPr>
+        <p:cNvPr id="1" name=""/>
+        <p:cNvGrpSpPr/>
+        <p:nvPr/>
+      </p:nvGrpSpPr>
+      <p:grpSpPr>
+        <a:xfrm>
+          <a:off x="0" y="0"/>
+          <a:ext cx="0" cy="0"/>
+          <a:chOff x="0" y="0"/>
+          <a:chExt cx="0" cy="0"/>
+        </a:xfrm>
+      </p:grpSpPr>
+      <p:sp>
+        <p:nvSpPr>
+          <p:cNvPr id="2" name="Title 1">
+            <a:extLst>
+              <a:ext uri="{FF2B5EF4-FFF2-40B4-BE49-F238E27FC236}">
+                <a16:creationId xmlns:a16="http://schemas.microsoft.com/office/drawing/2014/main" id="{1FF8C228-A8F8-D113-44A1-B87A1289EDF2}"/>
+              </a:ext>
+            </a:extLst>
+          </p:cNvPr>
+          <p:cNvSpPr>
+            <a:spLocks noGrp="1"/>
+          </p:cNvSpPr>
+          <p:nvPr>
+            <p:ph type="title"/>
+          </p:nvPr>
+        </p:nvSpPr>
+        <p:spPr/>
+        <p:txBody>
+          <a:bodyPr/>
+          <a:lstStyle/>
+          <a:p>
+            <a:r>
+              <a:rPr lang="en-US" dirty="0"/>
+              <a:t>Deeper dive – </a:t>
+            </a:r>
+            <a:r>
+              <a:rPr lang="en-US" dirty="0" err="1"/>
+              <a:t>xgboost</a:t>
+            </a:r>
+            <a:r>
+              <a:rPr lang="en-US" dirty="0"/>
+              <a:t> model (body part)</a:t>
+            </a:r>
+          </a:p>
+        </p:txBody>
+      </p:sp>
+      <p:pic>
+        <p:nvPicPr>
+          <p:cNvPr id="4" name="Picture 3" descr="Chart&#10;&#10;Description automatically generated">
+            <a:extLst>
+              <a:ext uri="{FF2B5EF4-FFF2-40B4-BE49-F238E27FC236}">
+                <a16:creationId xmlns:a16="http://schemas.microsoft.com/office/drawing/2014/main" id="{970D84C2-E837-9397-0C43-8BD6EC8262B0}"/>
+              </a:ext>
+            </a:extLst>
+          </p:cNvPr>
+          <p:cNvPicPr>
+            <a:picLocks noChangeAspect="1"/>
+          </p:cNvPicPr>
+          <p:nvPr/>
+        </p:nvPicPr>
+        <p:blipFill>
+          <a:blip r:embed="rId3">
+            <a:extLst>
+              <a:ext uri="{28A0092B-C50C-407E-A947-70E740481C1C}">
+                <a14:useLocalDpi xmlns:a14="http://schemas.microsoft.com/office/drawing/2010/main" val="0"/>
+              </a:ext>
+            </a:extLst>
+          </a:blip>
+          <a:stretch>
+            <a:fillRect/>
+          </a:stretch>
+        </p:blipFill>
+        <p:spPr>
+          <a:xfrm>
+            <a:off x="185738" y="1875968"/>
+            <a:ext cx="12006262" cy="4059936"/>
+          </a:xfrm>
+          <a:prstGeom prst="rect">
+            <a:avLst/>
+          </a:prstGeom>
+        </p:spPr>
+      </p:pic>
+    </p:spTree>
+    <p:extLst>
+      <p:ext uri="{BB962C8B-B14F-4D97-AF65-F5344CB8AC3E}">
+        <p14:creationId xmlns:p14="http://schemas.microsoft.com/office/powerpoint/2010/main" val="4041299858"/>
+      </p:ext>
+    </p:extLst>
+  </p:cSld>
+  <p:clrMapOvr>
+    <a:masterClrMapping/>
+  </p:clrMapOvr>
+</p:sld>
+</file>
+
+<file path=ppt/slides/slide12.xml><?xml version="1.0" encoding="utf-8"?>
 <p:sld xmlns:a="http://schemas.openxmlformats.org/drawingml/2006/main" xmlns:r="http://schemas.openxmlformats.org/officeDocument/2006/relationships" xmlns:p="http://schemas.openxmlformats.org/presentationml/2006/main">
   <p:cSld>
     <p:bg>
@@ -8334,6 +10335,65 @@
       </p:sp>
       <p:sp>
         <p:nvSpPr>
+          <p:cNvPr id="8" name="Rectangle: Rounded Corners 7">
+            <a:extLst>
+              <a:ext uri="{FF2B5EF4-FFF2-40B4-BE49-F238E27FC236}">
+                <a16:creationId xmlns:a16="http://schemas.microsoft.com/office/drawing/2014/main" id="{489087F2-26F4-F813-4FB4-FE37709A68D8}"/>
+              </a:ext>
+            </a:extLst>
+          </p:cNvPr>
+          <p:cNvSpPr/>
+          <p:nvPr/>
+        </p:nvSpPr>
+        <p:spPr>
+          <a:xfrm>
+            <a:off x="391842" y="2064672"/>
+            <a:ext cx="5466033" cy="3258042"/>
+          </a:xfrm>
+          <a:prstGeom prst="roundRect">
+            <a:avLst>
+              <a:gd name="adj" fmla="val 2822"/>
+            </a:avLst>
+          </a:prstGeom>
+          <a:solidFill>
+            <a:schemeClr val="bg1">
+              <a:lumMod val="95000"/>
+            </a:schemeClr>
+          </a:solidFill>
+          <a:ln>
+            <a:solidFill>
+              <a:schemeClr val="bg1"/>
+            </a:solidFill>
+          </a:ln>
+          <a:effectLst/>
+        </p:spPr>
+        <p:style>
+          <a:lnRef idx="2">
+            <a:schemeClr val="accent1">
+              <a:shade val="15000"/>
+            </a:schemeClr>
+          </a:lnRef>
+          <a:fillRef idx="1">
+            <a:schemeClr val="accent1"/>
+          </a:fillRef>
+          <a:effectRef idx="0">
+            <a:schemeClr val="accent1"/>
+          </a:effectRef>
+          <a:fontRef idx="minor">
+            <a:schemeClr val="lt1"/>
+          </a:fontRef>
+        </p:style>
+        <p:txBody>
+          <a:bodyPr rtlCol="0" anchor="ctr"/>
+          <a:lstStyle/>
+          <a:p>
+            <a:pPr algn="ctr"/>
+            <a:endParaRPr lang="en-US"/>
+          </a:p>
+        </p:txBody>
+      </p:sp>
+      <p:sp>
+        <p:nvSpPr>
           <p:cNvPr id="2" name="Title 1">
             <a:extLst>
               <a:ext uri="{FF2B5EF4-FFF2-40B4-BE49-F238E27FC236}">
@@ -8362,7 +10422,7 @@
           <a:p>
             <a:r>
               <a:rPr lang="en-US" dirty="0"/>
-              <a:t>references</a:t>
+              <a:t>Model Application Demo</a:t>
             </a:r>
           </a:p>
         </p:txBody>
@@ -8419,38 +10479,6 @@
           </a:fontRef>
         </p:style>
       </p:cxnSp>
-      <p:sp>
-        <p:nvSpPr>
-          <p:cNvPr id="3" name="Content Placeholder 2">
-            <a:extLst>
-              <a:ext uri="{FF2B5EF4-FFF2-40B4-BE49-F238E27FC236}">
-                <a16:creationId xmlns:a16="http://schemas.microsoft.com/office/drawing/2014/main" id="{29ECC323-5C3A-D807-556C-5F472735EB6B}"/>
-              </a:ext>
-            </a:extLst>
-          </p:cNvPr>
-          <p:cNvSpPr>
-            <a:spLocks noGrp="1"/>
-          </p:cNvSpPr>
-          <p:nvPr>
-            <p:ph idx="1"/>
-          </p:nvPr>
-        </p:nvSpPr>
-        <p:spPr>
-          <a:xfrm>
-            <a:off x="700635" y="1645997"/>
-            <a:ext cx="10691265" cy="4283217"/>
-          </a:xfrm>
-        </p:spPr>
-        <p:txBody>
-          <a:bodyPr>
-            <a:normAutofit/>
-          </a:bodyPr>
-          <a:lstStyle/>
-          <a:p>
-            <a:endParaRPr lang="en-US" dirty="0"/>
-          </a:p>
-        </p:txBody>
-      </p:sp>
       <p:cxnSp>
         <p:nvCxnSpPr>
           <p:cNvPr id="23" name="Straight Connector 22">
@@ -8503,10 +10531,1006 @@
           </a:fontRef>
         </p:style>
       </p:cxnSp>
+      <p:sp>
+        <p:nvSpPr>
+          <p:cNvPr id="9" name="Rectangle: Rounded Corners 8">
+            <a:extLst>
+              <a:ext uri="{FF2B5EF4-FFF2-40B4-BE49-F238E27FC236}">
+                <a16:creationId xmlns:a16="http://schemas.microsoft.com/office/drawing/2014/main" id="{B9C5DFB6-0595-43A5-E365-233CDD7FABF5}"/>
+              </a:ext>
+            </a:extLst>
+          </p:cNvPr>
+          <p:cNvSpPr/>
+          <p:nvPr/>
+        </p:nvSpPr>
+        <p:spPr>
+          <a:xfrm>
+            <a:off x="560242" y="2455443"/>
+            <a:ext cx="2423788" cy="951583"/>
+          </a:xfrm>
+          <a:prstGeom prst="roundRect">
+            <a:avLst>
+              <a:gd name="adj" fmla="val 11712"/>
+            </a:avLst>
+          </a:prstGeom>
+          <a:solidFill>
+            <a:schemeClr val="bg1"/>
+          </a:solidFill>
+          <a:ln>
+            <a:solidFill>
+              <a:schemeClr val="bg1"/>
+            </a:solidFill>
+          </a:ln>
+          <a:effectLst>
+            <a:outerShdw blurRad="50800" dist="38100" dir="10800000" algn="r" rotWithShape="0">
+              <a:prstClr val="black">
+                <a:alpha val="40000"/>
+              </a:prstClr>
+            </a:outerShdw>
+          </a:effectLst>
+        </p:spPr>
+        <p:style>
+          <a:lnRef idx="2">
+            <a:schemeClr val="accent1">
+              <a:shade val="15000"/>
+            </a:schemeClr>
+          </a:lnRef>
+          <a:fillRef idx="1">
+            <a:schemeClr val="accent1"/>
+          </a:fillRef>
+          <a:effectRef idx="0">
+            <a:schemeClr val="accent1"/>
+          </a:effectRef>
+          <a:fontRef idx="minor">
+            <a:schemeClr val="lt1"/>
+          </a:fontRef>
+        </p:style>
+        <p:txBody>
+          <a:bodyPr rtlCol="0" anchor="ctr"/>
+          <a:lstStyle/>
+          <a:p>
+            <a:pPr algn="ctr"/>
+            <a:endParaRPr lang="en-US"/>
+          </a:p>
+        </p:txBody>
+      </p:sp>
+      <p:pic>
+        <p:nvPicPr>
+          <p:cNvPr id="5" name="Picture 4" descr="Logo&#10;&#10;Description automatically generated">
+            <a:extLst>
+              <a:ext uri="{FF2B5EF4-FFF2-40B4-BE49-F238E27FC236}">
+                <a16:creationId xmlns:a16="http://schemas.microsoft.com/office/drawing/2014/main" id="{AD444DCE-0FF4-7766-66AD-42CA24F2FF4E}"/>
+              </a:ext>
+            </a:extLst>
+          </p:cNvPr>
+          <p:cNvPicPr>
+            <a:picLocks noChangeAspect="1"/>
+          </p:cNvPicPr>
+          <p:nvPr/>
+        </p:nvPicPr>
+        <p:blipFill>
+          <a:blip r:embed="rId3">
+            <a:extLst>
+              <a:ext uri="{28A0092B-C50C-407E-A947-70E740481C1C}">
+                <a14:useLocalDpi xmlns:a14="http://schemas.microsoft.com/office/drawing/2010/main" val="0"/>
+              </a:ext>
+            </a:extLst>
+          </a:blip>
+          <a:stretch>
+            <a:fillRect/>
+          </a:stretch>
+        </p:blipFill>
+        <p:spPr>
+          <a:xfrm>
+            <a:off x="714333" y="2312110"/>
+            <a:ext cx="2115605" cy="1238248"/>
+          </a:xfrm>
+          <a:prstGeom prst="rect">
+            <a:avLst/>
+          </a:prstGeom>
+        </p:spPr>
+      </p:pic>
+      <p:sp>
+        <p:nvSpPr>
+          <p:cNvPr id="10" name="TextBox 9">
+            <a:extLst>
+              <a:ext uri="{FF2B5EF4-FFF2-40B4-BE49-F238E27FC236}">
+                <a16:creationId xmlns:a16="http://schemas.microsoft.com/office/drawing/2014/main" id="{15DD5153-EE98-C027-1F76-BCCCEEB90CA9}"/>
+              </a:ext>
+            </a:extLst>
+          </p:cNvPr>
+          <p:cNvSpPr txBox="1"/>
+          <p:nvPr/>
+        </p:nvSpPr>
+        <p:spPr>
+          <a:xfrm>
+            <a:off x="391842" y="2030944"/>
+            <a:ext cx="3690938" cy="369332"/>
+          </a:xfrm>
+          <a:prstGeom prst="rect">
+            <a:avLst/>
+          </a:prstGeom>
+          <a:noFill/>
+        </p:spPr>
+        <p:txBody>
+          <a:bodyPr wrap="square">
+            <a:spAutoFit/>
+          </a:bodyPr>
+          <a:lstStyle/>
+          <a:p>
+            <a:pPr fontAlgn="t"/>
+            <a:r>
+              <a:rPr lang="en-US" b="1" i="0" dirty="0">
+                <a:effectLst/>
+                <a:latin typeface="-apple-system"/>
+              </a:rPr>
+              <a:t>Technologies Used</a:t>
+            </a:r>
+          </a:p>
+        </p:txBody>
+      </p:sp>
+      <p:sp>
+        <p:nvSpPr>
+          <p:cNvPr id="17" name="Rectangle: Rounded Corners 16">
+            <a:extLst>
+              <a:ext uri="{FF2B5EF4-FFF2-40B4-BE49-F238E27FC236}">
+                <a16:creationId xmlns:a16="http://schemas.microsoft.com/office/drawing/2014/main" id="{B0FC7541-1BF4-98C2-E94D-CE96D2F1B0EC}"/>
+              </a:ext>
+            </a:extLst>
+          </p:cNvPr>
+          <p:cNvSpPr/>
+          <p:nvPr/>
+        </p:nvSpPr>
+        <p:spPr>
+          <a:xfrm>
+            <a:off x="560242" y="3897234"/>
+            <a:ext cx="2423788" cy="951583"/>
+          </a:xfrm>
+          <a:prstGeom prst="roundRect">
+            <a:avLst>
+              <a:gd name="adj" fmla="val 11712"/>
+            </a:avLst>
+          </a:prstGeom>
+          <a:solidFill>
+            <a:schemeClr val="bg1"/>
+          </a:solidFill>
+          <a:ln>
+            <a:solidFill>
+              <a:schemeClr val="bg1"/>
+            </a:solidFill>
+          </a:ln>
+          <a:effectLst>
+            <a:outerShdw blurRad="50800" dist="38100" dir="10800000" algn="r" rotWithShape="0">
+              <a:prstClr val="black">
+                <a:alpha val="40000"/>
+              </a:prstClr>
+            </a:outerShdw>
+          </a:effectLst>
+        </p:spPr>
+        <p:style>
+          <a:lnRef idx="2">
+            <a:schemeClr val="accent1">
+              <a:shade val="15000"/>
+            </a:schemeClr>
+          </a:lnRef>
+          <a:fillRef idx="1">
+            <a:schemeClr val="accent1"/>
+          </a:fillRef>
+          <a:effectRef idx="0">
+            <a:schemeClr val="accent1"/>
+          </a:effectRef>
+          <a:fontRef idx="minor">
+            <a:schemeClr val="lt1"/>
+          </a:fontRef>
+        </p:style>
+        <p:txBody>
+          <a:bodyPr rtlCol="0" anchor="ctr"/>
+          <a:lstStyle/>
+          <a:p>
+            <a:pPr algn="ctr"/>
+            <a:endParaRPr lang="en-US"/>
+          </a:p>
+        </p:txBody>
+      </p:sp>
+      <p:pic>
+        <p:nvPicPr>
+          <p:cNvPr id="12" name="Picture 11" descr="Logo, company name&#10;&#10;Description automatically generated">
+            <a:extLst>
+              <a:ext uri="{FF2B5EF4-FFF2-40B4-BE49-F238E27FC236}">
+                <a16:creationId xmlns:a16="http://schemas.microsoft.com/office/drawing/2014/main" id="{487FA906-1B3B-9F47-62F6-8DE10B0CF8E9}"/>
+              </a:ext>
+            </a:extLst>
+          </p:cNvPr>
+          <p:cNvPicPr>
+            <a:picLocks noChangeAspect="1"/>
+          </p:cNvPicPr>
+          <p:nvPr/>
+        </p:nvPicPr>
+        <p:blipFill>
+          <a:blip r:embed="rId4">
+            <a:extLst>
+              <a:ext uri="{28A0092B-C50C-407E-A947-70E740481C1C}">
+                <a14:useLocalDpi xmlns:a14="http://schemas.microsoft.com/office/drawing/2010/main" val="0"/>
+              </a:ext>
+            </a:extLst>
+          </a:blip>
+          <a:stretch>
+            <a:fillRect/>
+          </a:stretch>
+        </p:blipFill>
+        <p:spPr>
+          <a:xfrm>
+            <a:off x="614863" y="3894650"/>
+            <a:ext cx="2314074" cy="935272"/>
+          </a:xfrm>
+          <a:prstGeom prst="rect">
+            <a:avLst/>
+          </a:prstGeom>
+        </p:spPr>
+      </p:pic>
+      <p:sp>
+        <p:nvSpPr>
+          <p:cNvPr id="18" name="Rectangle: Rounded Corners 17">
+            <a:extLst>
+              <a:ext uri="{FF2B5EF4-FFF2-40B4-BE49-F238E27FC236}">
+                <a16:creationId xmlns:a16="http://schemas.microsoft.com/office/drawing/2014/main" id="{69B2ED15-FFD5-E4DA-1555-ED155722B4C5}"/>
+              </a:ext>
+            </a:extLst>
+          </p:cNvPr>
+          <p:cNvSpPr/>
+          <p:nvPr/>
+        </p:nvSpPr>
+        <p:spPr>
+          <a:xfrm>
+            <a:off x="3311996" y="3897234"/>
+            <a:ext cx="2423788" cy="951583"/>
+          </a:xfrm>
+          <a:prstGeom prst="roundRect">
+            <a:avLst>
+              <a:gd name="adj" fmla="val 11712"/>
+            </a:avLst>
+          </a:prstGeom>
+          <a:solidFill>
+            <a:schemeClr val="bg1"/>
+          </a:solidFill>
+          <a:ln>
+            <a:solidFill>
+              <a:schemeClr val="bg1"/>
+            </a:solidFill>
+          </a:ln>
+          <a:effectLst>
+            <a:outerShdw blurRad="50800" dist="38100" dir="10800000" algn="r" rotWithShape="0">
+              <a:prstClr val="black">
+                <a:alpha val="40000"/>
+              </a:prstClr>
+            </a:outerShdw>
+          </a:effectLst>
+        </p:spPr>
+        <p:style>
+          <a:lnRef idx="2">
+            <a:schemeClr val="accent1">
+              <a:shade val="15000"/>
+            </a:schemeClr>
+          </a:lnRef>
+          <a:fillRef idx="1">
+            <a:schemeClr val="accent1"/>
+          </a:fillRef>
+          <a:effectRef idx="0">
+            <a:schemeClr val="accent1"/>
+          </a:effectRef>
+          <a:fontRef idx="minor">
+            <a:schemeClr val="lt1"/>
+          </a:fontRef>
+        </p:style>
+        <p:txBody>
+          <a:bodyPr rtlCol="0" anchor="ctr"/>
+          <a:lstStyle/>
+          <a:p>
+            <a:pPr algn="ctr"/>
+            <a:endParaRPr lang="en-US"/>
+          </a:p>
+        </p:txBody>
+      </p:sp>
+      <p:sp>
+        <p:nvSpPr>
+          <p:cNvPr id="19" name="Rectangle: Rounded Corners 18">
+            <a:extLst>
+              <a:ext uri="{FF2B5EF4-FFF2-40B4-BE49-F238E27FC236}">
+                <a16:creationId xmlns:a16="http://schemas.microsoft.com/office/drawing/2014/main" id="{5EC61D90-3DBE-797D-0EEA-6689C4CE6143}"/>
+              </a:ext>
+            </a:extLst>
+          </p:cNvPr>
+          <p:cNvSpPr/>
+          <p:nvPr/>
+        </p:nvSpPr>
+        <p:spPr>
+          <a:xfrm>
+            <a:off x="3311996" y="2452859"/>
+            <a:ext cx="2423788" cy="951583"/>
+          </a:xfrm>
+          <a:prstGeom prst="roundRect">
+            <a:avLst>
+              <a:gd name="adj" fmla="val 11712"/>
+            </a:avLst>
+          </a:prstGeom>
+          <a:solidFill>
+            <a:schemeClr val="bg1"/>
+          </a:solidFill>
+          <a:ln>
+            <a:solidFill>
+              <a:schemeClr val="bg1"/>
+            </a:solidFill>
+          </a:ln>
+          <a:effectLst>
+            <a:outerShdw blurRad="50800" dist="38100" dir="10800000" algn="r" rotWithShape="0">
+              <a:prstClr val="black">
+                <a:alpha val="40000"/>
+              </a:prstClr>
+            </a:outerShdw>
+          </a:effectLst>
+        </p:spPr>
+        <p:style>
+          <a:lnRef idx="2">
+            <a:schemeClr val="accent1">
+              <a:shade val="15000"/>
+            </a:schemeClr>
+          </a:lnRef>
+          <a:fillRef idx="1">
+            <a:schemeClr val="accent1"/>
+          </a:fillRef>
+          <a:effectRef idx="0">
+            <a:schemeClr val="accent1"/>
+          </a:effectRef>
+          <a:fontRef idx="minor">
+            <a:schemeClr val="lt1"/>
+          </a:fontRef>
+        </p:style>
+        <p:txBody>
+          <a:bodyPr rtlCol="0" anchor="ctr"/>
+          <a:lstStyle/>
+          <a:p>
+            <a:pPr algn="ctr"/>
+            <a:endParaRPr lang="en-US"/>
+          </a:p>
+        </p:txBody>
+      </p:sp>
+      <p:pic>
+        <p:nvPicPr>
+          <p:cNvPr id="16" name="Picture 15" descr="Logo&#10;&#10;Description automatically generated">
+            <a:extLst>
+              <a:ext uri="{FF2B5EF4-FFF2-40B4-BE49-F238E27FC236}">
+                <a16:creationId xmlns:a16="http://schemas.microsoft.com/office/drawing/2014/main" id="{6DD81870-42E8-D656-3E51-074D935D4DC4}"/>
+              </a:ext>
+            </a:extLst>
+          </p:cNvPr>
+          <p:cNvPicPr>
+            <a:picLocks noChangeAspect="1"/>
+          </p:cNvPicPr>
+          <p:nvPr/>
+        </p:nvPicPr>
+        <p:blipFill>
+          <a:blip r:embed="rId5">
+            <a:extLst>
+              <a:ext uri="{28A0092B-C50C-407E-A947-70E740481C1C}">
+                <a14:useLocalDpi xmlns:a14="http://schemas.microsoft.com/office/drawing/2010/main" val="0"/>
+              </a:ext>
+            </a:extLst>
+          </a:blip>
+          <a:stretch>
+            <a:fillRect/>
+          </a:stretch>
+        </p:blipFill>
+        <p:spPr>
+          <a:xfrm>
+            <a:off x="3691266" y="2467740"/>
+            <a:ext cx="1665248" cy="936702"/>
+          </a:xfrm>
+          <a:prstGeom prst="rect">
+            <a:avLst/>
+          </a:prstGeom>
+        </p:spPr>
+      </p:pic>
+      <p:pic>
+        <p:nvPicPr>
+          <p:cNvPr id="21" name="Graphic 20" descr="Arrow: Straight with solid fill">
+            <a:extLst>
+              <a:ext uri="{FF2B5EF4-FFF2-40B4-BE49-F238E27FC236}">
+                <a16:creationId xmlns:a16="http://schemas.microsoft.com/office/drawing/2014/main" id="{65828D36-64B8-3667-9D29-E162880D47A7}"/>
+              </a:ext>
+            </a:extLst>
+          </p:cNvPr>
+          <p:cNvPicPr>
+            <a:picLocks noChangeAspect="1"/>
+          </p:cNvPicPr>
+          <p:nvPr/>
+        </p:nvPicPr>
+        <p:blipFill>
+          <a:blip r:embed="rId6">
+            <a:extLst>
+              <a:ext uri="{28A0092B-C50C-407E-A947-70E740481C1C}">
+                <a14:useLocalDpi xmlns:a14="http://schemas.microsoft.com/office/drawing/2010/main" val="0"/>
+              </a:ext>
+              <a:ext uri="{96DAC541-7B7A-43D3-8B79-37D633B846F1}">
+                <asvg:svgBlip xmlns:asvg="http://schemas.microsoft.com/office/drawing/2016/SVG/main" r:embed="rId7"/>
+              </a:ext>
+            </a:extLst>
+          </a:blip>
+          <a:stretch>
+            <a:fillRect/>
+          </a:stretch>
+        </p:blipFill>
+        <p:spPr>
+          <a:xfrm rot="10800000">
+            <a:off x="5811880" y="2876563"/>
+            <a:ext cx="914400" cy="1523663"/>
+          </a:xfrm>
+          <a:prstGeom prst="rect">
+            <a:avLst/>
+          </a:prstGeom>
+        </p:spPr>
+      </p:pic>
+      <p:pic>
+        <p:nvPicPr>
+          <p:cNvPr id="7" name="Picture 6" descr="A picture containing logo&#10;&#10;Description automatically generated">
+            <a:extLst>
+              <a:ext uri="{FF2B5EF4-FFF2-40B4-BE49-F238E27FC236}">
+                <a16:creationId xmlns:a16="http://schemas.microsoft.com/office/drawing/2014/main" id="{604C1A56-4AAB-593D-76B0-536BF81FCD21}"/>
+              </a:ext>
+            </a:extLst>
+          </p:cNvPr>
+          <p:cNvPicPr>
+            <a:picLocks noChangeAspect="1"/>
+          </p:cNvPicPr>
+          <p:nvPr/>
+        </p:nvPicPr>
+        <p:blipFill>
+          <a:blip r:embed="rId8">
+            <a:extLst>
+              <a:ext uri="{28A0092B-C50C-407E-A947-70E740481C1C}">
+                <a14:useLocalDpi xmlns:a14="http://schemas.microsoft.com/office/drawing/2010/main" val="0"/>
+              </a:ext>
+            </a:extLst>
+          </a:blip>
+          <a:stretch>
+            <a:fillRect/>
+          </a:stretch>
+        </p:blipFill>
+        <p:spPr>
+          <a:xfrm>
+            <a:off x="3744721" y="3938940"/>
+            <a:ext cx="1567519" cy="844991"/>
+          </a:xfrm>
+          <a:prstGeom prst="rect">
+            <a:avLst/>
+          </a:prstGeom>
+        </p:spPr>
+      </p:pic>
+      <p:pic>
+        <p:nvPicPr>
+          <p:cNvPr id="31" name="Picture 30">
+            <a:extLst>
+              <a:ext uri="{FF2B5EF4-FFF2-40B4-BE49-F238E27FC236}">
+                <a16:creationId xmlns:a16="http://schemas.microsoft.com/office/drawing/2014/main" id="{51290AC2-79A0-6860-2EB7-9D97A8AA0B15}"/>
+              </a:ext>
+            </a:extLst>
+          </p:cNvPr>
+          <p:cNvPicPr>
+            <a:picLocks noChangeAspect="1"/>
+          </p:cNvPicPr>
+          <p:nvPr/>
+        </p:nvPicPr>
+        <p:blipFill>
+          <a:blip r:embed="rId9"/>
+          <a:stretch>
+            <a:fillRect/>
+          </a:stretch>
+        </p:blipFill>
+        <p:spPr>
+          <a:xfrm>
+            <a:off x="7366335" y="1492710"/>
+            <a:ext cx="4611005" cy="2107888"/>
+          </a:xfrm>
+          <a:prstGeom prst="rect">
+            <a:avLst/>
+          </a:prstGeom>
+          <a:solidFill>
+            <a:srgbClr val="FFFFFF">
+              <a:shade val="85000"/>
+            </a:srgbClr>
+          </a:solidFill>
+          <a:ln w="88900" cap="sq">
+            <a:solidFill>
+              <a:srgbClr val="FFFFFF"/>
+            </a:solidFill>
+            <a:miter lim="800000"/>
+          </a:ln>
+          <a:effectLst>
+            <a:outerShdw blurRad="55000" dist="18000" dir="5400000" algn="tl" rotWithShape="0">
+              <a:srgbClr val="000000">
+                <a:alpha val="40000"/>
+              </a:srgbClr>
+            </a:outerShdw>
+          </a:effectLst>
+          <a:scene3d>
+            <a:camera prst="orthographicFront"/>
+            <a:lightRig rig="twoPt" dir="t">
+              <a:rot lat="0" lon="0" rev="7200000"/>
+            </a:lightRig>
+          </a:scene3d>
+          <a:sp3d>
+            <a:bevelT w="25400" h="19050"/>
+            <a:contourClr>
+              <a:srgbClr val="FFFFFF"/>
+            </a:contourClr>
+          </a:sp3d>
+        </p:spPr>
+      </p:pic>
+      <p:sp>
+        <p:nvSpPr>
+          <p:cNvPr id="32" name="TextBox 31">
+            <a:extLst>
+              <a:ext uri="{FF2B5EF4-FFF2-40B4-BE49-F238E27FC236}">
+                <a16:creationId xmlns:a16="http://schemas.microsoft.com/office/drawing/2014/main" id="{B9FE9245-CACF-7433-475D-F24487B79DB1}"/>
+              </a:ext>
+            </a:extLst>
+          </p:cNvPr>
+          <p:cNvSpPr txBox="1"/>
+          <p:nvPr/>
+        </p:nvSpPr>
+        <p:spPr>
+          <a:xfrm>
+            <a:off x="7312728" y="1085994"/>
+            <a:ext cx="4693187" cy="338554"/>
+          </a:xfrm>
+          <a:prstGeom prst="rect">
+            <a:avLst/>
+          </a:prstGeom>
+          <a:solidFill>
+            <a:srgbClr val="1EC7A8"/>
+          </a:solidFill>
+        </p:spPr>
+        <p:txBody>
+          <a:bodyPr wrap="square" rtlCol="0">
+            <a:spAutoFit/>
+          </a:bodyPr>
+          <a:lstStyle/>
+          <a:p>
+            <a:pPr algn="ctr"/>
+            <a:r>
+              <a:rPr lang="en-US" sz="1600" b="1" i="1" dirty="0">
+                <a:solidFill>
+                  <a:schemeClr val="bg2">
+                    <a:lumMod val="25000"/>
+                  </a:schemeClr>
+                </a:solidFill>
+              </a:rPr>
+              <a:t>Application – Insert Information</a:t>
+            </a:r>
+          </a:p>
+        </p:txBody>
+      </p:sp>
+      <p:sp>
+        <p:nvSpPr>
+          <p:cNvPr id="33" name="TextBox 32">
+            <a:extLst>
+              <a:ext uri="{FF2B5EF4-FFF2-40B4-BE49-F238E27FC236}">
+                <a16:creationId xmlns:a16="http://schemas.microsoft.com/office/drawing/2014/main" id="{B2254809-FC64-628B-E3B3-946A8638256A}"/>
+              </a:ext>
+            </a:extLst>
+          </p:cNvPr>
+          <p:cNvSpPr txBox="1"/>
+          <p:nvPr/>
+        </p:nvSpPr>
+        <p:spPr>
+          <a:xfrm>
+            <a:off x="7299885" y="3559777"/>
+            <a:ext cx="3050479" cy="338554"/>
+          </a:xfrm>
+          <a:prstGeom prst="rect">
+            <a:avLst/>
+          </a:prstGeom>
+          <a:solidFill>
+            <a:srgbClr val="1EC7A8"/>
+          </a:solidFill>
+        </p:spPr>
+        <p:txBody>
+          <a:bodyPr wrap="square" rtlCol="0">
+            <a:spAutoFit/>
+          </a:bodyPr>
+          <a:lstStyle/>
+          <a:p>
+            <a:pPr algn="ctr"/>
+            <a:r>
+              <a:rPr lang="en-US" sz="1600" b="1" i="1" dirty="0">
+                <a:solidFill>
+                  <a:schemeClr val="bg2">
+                    <a:lumMod val="25000"/>
+                  </a:schemeClr>
+                </a:solidFill>
+              </a:rPr>
+              <a:t>Provides Predicted Answer</a:t>
+            </a:r>
+          </a:p>
+        </p:txBody>
+      </p:sp>
+      <p:pic>
+        <p:nvPicPr>
+          <p:cNvPr id="35" name="Picture 34">
+            <a:extLst>
+              <a:ext uri="{FF2B5EF4-FFF2-40B4-BE49-F238E27FC236}">
+                <a16:creationId xmlns:a16="http://schemas.microsoft.com/office/drawing/2014/main" id="{B4282AAE-4893-E2BB-DEF9-CE2117FCCF0B}"/>
+              </a:ext>
+            </a:extLst>
+          </p:cNvPr>
+          <p:cNvPicPr>
+            <a:picLocks noChangeAspect="1"/>
+          </p:cNvPicPr>
+          <p:nvPr/>
+        </p:nvPicPr>
+        <p:blipFill>
+          <a:blip r:embed="rId10"/>
+          <a:stretch>
+            <a:fillRect/>
+          </a:stretch>
+        </p:blipFill>
+        <p:spPr>
+          <a:xfrm>
+            <a:off x="7366335" y="3955173"/>
+            <a:ext cx="2968290" cy="2820233"/>
+          </a:xfrm>
+          <a:prstGeom prst="rect">
+            <a:avLst/>
+          </a:prstGeom>
+          <a:solidFill>
+            <a:srgbClr val="FFFFFF">
+              <a:shade val="85000"/>
+            </a:srgbClr>
+          </a:solidFill>
+          <a:ln w="88900" cap="sq">
+            <a:solidFill>
+              <a:srgbClr val="FFFFFF"/>
+            </a:solidFill>
+            <a:miter lim="800000"/>
+          </a:ln>
+          <a:effectLst>
+            <a:outerShdw blurRad="55000" dist="18000" dir="5400000" algn="tl" rotWithShape="0">
+              <a:srgbClr val="000000">
+                <a:alpha val="40000"/>
+              </a:srgbClr>
+            </a:outerShdw>
+          </a:effectLst>
+          <a:scene3d>
+            <a:camera prst="orthographicFront"/>
+            <a:lightRig rig="twoPt" dir="t">
+              <a:rot lat="0" lon="0" rev="7200000"/>
+            </a:lightRig>
+          </a:scene3d>
+          <a:sp3d>
+            <a:bevelT w="25400" h="19050"/>
+            <a:contourClr>
+              <a:srgbClr val="FFFFFF"/>
+            </a:contourClr>
+          </a:sp3d>
+        </p:spPr>
+      </p:pic>
     </p:spTree>
     <p:extLst>
       <p:ext uri="{BB962C8B-B14F-4D97-AF65-F5344CB8AC3E}">
-        <p14:creationId xmlns:p14="http://schemas.microsoft.com/office/powerpoint/2010/main" val="2644207805"/>
+        <p14:creationId xmlns:p14="http://schemas.microsoft.com/office/powerpoint/2010/main" val="1235301227"/>
+      </p:ext>
+    </p:extLst>
+  </p:cSld>
+  <p:clrMapOvr>
+    <a:masterClrMapping/>
+  </p:clrMapOvr>
+</p:sld>
+</file>
+
+<file path=ppt/slides/slide13.xml><?xml version="1.0" encoding="utf-8"?>
+<p:sld xmlns:a="http://schemas.openxmlformats.org/drawingml/2006/main" xmlns:r="http://schemas.openxmlformats.org/officeDocument/2006/relationships" xmlns:p="http://schemas.openxmlformats.org/presentationml/2006/main">
+  <p:cSld>
+    <p:bg>
+      <p:bgPr>
+        <a:solidFill>
+          <a:schemeClr val="bg1"/>
+        </a:solidFill>
+        <a:effectLst/>
+      </p:bgPr>
+    </p:bg>
+    <p:spTree>
+      <p:nvGrpSpPr>
+        <p:cNvPr id="1" name=""/>
+        <p:cNvGrpSpPr/>
+        <p:nvPr/>
+      </p:nvGrpSpPr>
+      <p:grpSpPr>
+        <a:xfrm>
+          <a:off x="0" y="0"/>
+          <a:ext cx="0" cy="0"/>
+          <a:chOff x="0" y="0"/>
+          <a:chExt cx="0" cy="0"/>
+        </a:xfrm>
+      </p:grpSpPr>
+      <p:sp>
+        <p:nvSpPr>
+          <p:cNvPr id="2" name="Title 1">
+            <a:extLst>
+              <a:ext uri="{FF2B5EF4-FFF2-40B4-BE49-F238E27FC236}">
+                <a16:creationId xmlns:a16="http://schemas.microsoft.com/office/drawing/2014/main" id="{31662E89-35E9-21CD-9BB6-F25300F26C18}"/>
+              </a:ext>
+            </a:extLst>
+          </p:cNvPr>
+          <p:cNvSpPr>
+            <a:spLocks noGrp="1"/>
+          </p:cNvSpPr>
+          <p:nvPr>
+            <p:ph type="title"/>
+          </p:nvPr>
+        </p:nvSpPr>
+        <p:spPr>
+          <a:xfrm>
+            <a:off x="700635" y="1293571"/>
+            <a:ext cx="5219701" cy="1127930"/>
+          </a:xfrm>
+        </p:spPr>
+        <p:txBody>
+          <a:bodyPr>
+            <a:normAutofit/>
+          </a:bodyPr>
+          <a:lstStyle/>
+          <a:p>
+            <a:pPr algn="ctr"/>
+            <a:r>
+              <a:rPr lang="en-US" dirty="0"/>
+              <a:t>Conclusion</a:t>
+            </a:r>
+          </a:p>
+        </p:txBody>
+      </p:sp>
+      <p:sp>
+        <p:nvSpPr>
+          <p:cNvPr id="3" name="Content Placeholder 2">
+            <a:extLst>
+              <a:ext uri="{FF2B5EF4-FFF2-40B4-BE49-F238E27FC236}">
+                <a16:creationId xmlns:a16="http://schemas.microsoft.com/office/drawing/2014/main" id="{29ECC323-5C3A-D807-556C-5F472735EB6B}"/>
+              </a:ext>
+            </a:extLst>
+          </p:cNvPr>
+          <p:cNvSpPr>
+            <a:spLocks noGrp="1"/>
+          </p:cNvSpPr>
+          <p:nvPr>
+            <p:ph sz="half" idx="1"/>
+          </p:nvPr>
+        </p:nvSpPr>
+        <p:spPr>
+          <a:xfrm>
+            <a:off x="715383" y="2128684"/>
+            <a:ext cx="5304417" cy="3844414"/>
+          </a:xfrm>
+        </p:spPr>
+        <p:txBody>
+          <a:bodyPr>
+            <a:normAutofit/>
+          </a:bodyPr>
+          <a:lstStyle/>
+          <a:p>
+            <a:r>
+              <a:rPr lang="en-US" dirty="0"/>
+              <a:t>Diagnosis prediction results outperformed body part predictions</a:t>
+            </a:r>
+          </a:p>
+          <a:p>
+            <a:r>
+              <a:rPr lang="en-US" dirty="0"/>
+              <a:t>Limited model improvement from hyperparameter tuning and feature importance</a:t>
+            </a:r>
+          </a:p>
+          <a:p>
+            <a:r>
+              <a:rPr lang="en-US" dirty="0"/>
+              <a:t>Dataset may lack a clear pattern or distinction between classes</a:t>
+            </a:r>
+          </a:p>
+          <a:p>
+            <a:r>
+              <a:rPr lang="en-US" dirty="0"/>
+              <a:t>You don’t always get the results you expect!</a:t>
+            </a:r>
+          </a:p>
+        </p:txBody>
+      </p:sp>
+      <p:sp>
+        <p:nvSpPr>
+          <p:cNvPr id="4" name="Content Placeholder 3">
+            <a:extLst>
+              <a:ext uri="{FF2B5EF4-FFF2-40B4-BE49-F238E27FC236}">
+                <a16:creationId xmlns:a16="http://schemas.microsoft.com/office/drawing/2014/main" id="{324FA375-91D8-420C-5B15-C3B2701D5383}"/>
+              </a:ext>
+            </a:extLst>
+          </p:cNvPr>
+          <p:cNvSpPr>
+            <a:spLocks noGrp="1"/>
+          </p:cNvSpPr>
+          <p:nvPr>
+            <p:ph sz="half" idx="2"/>
+          </p:nvPr>
+        </p:nvSpPr>
+        <p:spPr/>
+        <p:txBody>
+          <a:bodyPr/>
+          <a:lstStyle/>
+          <a:p>
+            <a:r>
+              <a:rPr lang="en-US" dirty="0"/>
+              <a:t>Add in more data to determine whether the data is the issue</a:t>
+            </a:r>
+          </a:p>
+          <a:p>
+            <a:r>
+              <a:rPr lang="en-US" dirty="0"/>
+              <a:t>Additional evaluation metrics</a:t>
+            </a:r>
+          </a:p>
+          <a:p>
+            <a:r>
+              <a:rPr lang="en-US" dirty="0"/>
+              <a:t>More compute power</a:t>
+            </a:r>
+          </a:p>
+          <a:p>
+            <a:pPr marL="0" indent="0">
+              <a:buNone/>
+            </a:pPr>
+            <a:endParaRPr lang="en-US" dirty="0"/>
+          </a:p>
+        </p:txBody>
+      </p:sp>
+      <p:cxnSp>
+        <p:nvCxnSpPr>
+          <p:cNvPr id="5" name="Straight Connector 4">
+            <a:extLst>
+              <a:ext uri="{FF2B5EF4-FFF2-40B4-BE49-F238E27FC236}">
+                <a16:creationId xmlns:a16="http://schemas.microsoft.com/office/drawing/2014/main" id="{2AF31DC2-E84F-2F4C-3C5B-600DCF83085A}"/>
+              </a:ext>
+            </a:extLst>
+          </p:cNvPr>
+          <p:cNvCxnSpPr>
+            <a:cxnSpLocks/>
+          </p:cNvCxnSpPr>
+          <p:nvPr/>
+        </p:nvCxnSpPr>
+        <p:spPr>
+          <a:xfrm>
+            <a:off x="1762864" y="1964987"/>
+            <a:ext cx="3307403" cy="0"/>
+          </a:xfrm>
+          <a:prstGeom prst="line">
+            <a:avLst/>
+          </a:prstGeom>
+          <a:ln>
+            <a:solidFill>
+              <a:srgbClr val="1EC7A8"/>
+            </a:solidFill>
+          </a:ln>
+        </p:spPr>
+        <p:style>
+          <a:lnRef idx="1">
+            <a:schemeClr val="accent1"/>
+          </a:lnRef>
+          <a:fillRef idx="0">
+            <a:schemeClr val="accent1"/>
+          </a:fillRef>
+          <a:effectRef idx="0">
+            <a:schemeClr val="accent1"/>
+          </a:effectRef>
+          <a:fontRef idx="minor">
+            <a:schemeClr val="tx1"/>
+          </a:fontRef>
+        </p:style>
+      </p:cxnSp>
+      <p:sp>
+        <p:nvSpPr>
+          <p:cNvPr id="6" name="Title 1">
+            <a:extLst>
+              <a:ext uri="{FF2B5EF4-FFF2-40B4-BE49-F238E27FC236}">
+                <a16:creationId xmlns:a16="http://schemas.microsoft.com/office/drawing/2014/main" id="{C4A2B19A-B777-B31A-7F09-EE1EB6F32C08}"/>
+              </a:ext>
+            </a:extLst>
+          </p:cNvPr>
+          <p:cNvSpPr txBox="1">
+            <a:spLocks/>
+          </p:cNvSpPr>
+          <p:nvPr/>
+        </p:nvSpPr>
+        <p:spPr>
+          <a:xfrm>
+            <a:off x="6172199" y="1293571"/>
+            <a:ext cx="5219701" cy="1127930"/>
+          </a:xfrm>
+          <a:prstGeom prst="rect">
+            <a:avLst/>
+          </a:prstGeom>
+        </p:spPr>
+        <p:txBody>
+          <a:bodyPr vert="horz" lIns="91440" tIns="45720" rIns="91440" bIns="45720" rtlCol="0" anchor="t">
+            <a:normAutofit/>
+          </a:bodyPr>
+          <a:lstStyle>
+            <a:lvl1pPr algn="l" defTabSz="914400" rtl="0" eaLnBrk="1" latinLnBrk="0" hangingPunct="1">
+              <a:lnSpc>
+                <a:spcPct val="100000"/>
+              </a:lnSpc>
+              <a:spcBef>
+                <a:spcPct val="0"/>
+              </a:spcBef>
+              <a:buNone/>
+              <a:defRPr sz="4000" kern="1200" cap="all" spc="30" baseline="0">
+                <a:solidFill>
+                  <a:schemeClr val="tx1"/>
+                </a:solidFill>
+                <a:latin typeface="+mj-lt"/>
+                <a:ea typeface="+mj-ea"/>
+                <a:cs typeface="+mj-cs"/>
+              </a:defRPr>
+            </a:lvl1pPr>
+          </a:lstStyle>
+          <a:p>
+            <a:pPr algn="ctr"/>
+            <a:r>
+              <a:rPr lang="en-US" dirty="0"/>
+              <a:t>Future steps</a:t>
+            </a:r>
+          </a:p>
+        </p:txBody>
+      </p:sp>
+      <p:cxnSp>
+        <p:nvCxnSpPr>
+          <p:cNvPr id="7" name="Straight Connector 6">
+            <a:extLst>
+              <a:ext uri="{FF2B5EF4-FFF2-40B4-BE49-F238E27FC236}">
+                <a16:creationId xmlns:a16="http://schemas.microsoft.com/office/drawing/2014/main" id="{9535114C-B1DF-6BAE-6537-5E42FAE53BB1}"/>
+              </a:ext>
+            </a:extLst>
+          </p:cNvPr>
+          <p:cNvCxnSpPr>
+            <a:cxnSpLocks/>
+          </p:cNvCxnSpPr>
+          <p:nvPr/>
+        </p:nvCxnSpPr>
+        <p:spPr>
+          <a:xfrm>
+            <a:off x="7206512" y="1964987"/>
+            <a:ext cx="3307402" cy="0"/>
+          </a:xfrm>
+          <a:prstGeom prst="line">
+            <a:avLst/>
+          </a:prstGeom>
+          <a:ln>
+            <a:solidFill>
+              <a:srgbClr val="1EC7A8"/>
+            </a:solidFill>
+          </a:ln>
+        </p:spPr>
+        <p:style>
+          <a:lnRef idx="1">
+            <a:schemeClr val="accent1"/>
+          </a:lnRef>
+          <a:fillRef idx="0">
+            <a:schemeClr val="accent1"/>
+          </a:fillRef>
+          <a:effectRef idx="0">
+            <a:schemeClr val="accent1"/>
+          </a:effectRef>
+          <a:fontRef idx="minor">
+            <a:schemeClr val="tx1"/>
+          </a:fontRef>
+        </p:style>
+      </p:cxnSp>
+    </p:spTree>
+    <p:extLst>
+      <p:ext uri="{BB962C8B-B14F-4D97-AF65-F5344CB8AC3E}">
+        <p14:creationId xmlns:p14="http://schemas.microsoft.com/office/powerpoint/2010/main" val="1392788701"/>
       </p:ext>
     </p:extLst>
   </p:cSld>
@@ -8772,14 +11796,14 @@
             <p:ph idx="1"/>
             <p:extLst>
               <p:ext uri="{D42A27DB-BD31-4B8C-83A1-F6EECF244321}">
-                <p14:modId xmlns:p14="http://schemas.microsoft.com/office/powerpoint/2010/main" val="1735808850"/>
+                <p14:modId xmlns:p14="http://schemas.microsoft.com/office/powerpoint/2010/main" val="3501349762"/>
               </p:ext>
             </p:extLst>
           </p:nvPr>
         </p:nvGraphicFramePr>
         <p:xfrm>
-          <a:off x="700088" y="2292350"/>
-          <a:ext cx="10691812" cy="3636963"/>
+          <a:off x="80682" y="2292350"/>
+          <a:ext cx="12111318" cy="3656012"/>
         </p:xfrm>
         <a:graphic>
           <a:graphicData uri="http://schemas.openxmlformats.org/drawingml/2006/diagram">
@@ -8853,6 +11877,158 @@
           </a:p>
         </p:txBody>
       </p:sp>
+      <p:grpSp>
+        <p:nvGrpSpPr>
+          <p:cNvPr id="3" name="Group 2">
+            <a:extLst>
+              <a:ext uri="{FF2B5EF4-FFF2-40B4-BE49-F238E27FC236}">
+                <a16:creationId xmlns:a16="http://schemas.microsoft.com/office/drawing/2014/main" id="{C5A54D5D-C1FC-0B82-B06E-6CEF3C713F9E}"/>
+              </a:ext>
+            </a:extLst>
+          </p:cNvPr>
+          <p:cNvGrpSpPr/>
+          <p:nvPr/>
+        </p:nvGrpSpPr>
+        <p:grpSpPr>
+          <a:xfrm>
+            <a:off x="5344008" y="3238665"/>
+            <a:ext cx="3461882" cy="1567785"/>
+            <a:chOff x="2326334" y="2269939"/>
+            <a:chExt cx="3461882" cy="1567785"/>
+          </a:xfrm>
+        </p:grpSpPr>
+        <p:sp>
+          <p:nvSpPr>
+            <p:cNvPr id="4" name="Rectangle 3">
+              <a:extLst>
+                <a:ext uri="{FF2B5EF4-FFF2-40B4-BE49-F238E27FC236}">
+                  <a16:creationId xmlns:a16="http://schemas.microsoft.com/office/drawing/2014/main" id="{4B191057-861B-14EE-CBC6-AB8BB7A12D85}"/>
+                </a:ext>
+              </a:extLst>
+            </p:cNvPr>
+            <p:cNvSpPr/>
+            <p:nvPr/>
+          </p:nvSpPr>
+          <p:spPr>
+            <a:xfrm>
+              <a:off x="2326334" y="2269939"/>
+              <a:ext cx="1503984" cy="380669"/>
+            </a:xfrm>
+            <a:prstGeom prst="rect">
+              <a:avLst/>
+            </a:prstGeom>
+          </p:spPr>
+          <p:style>
+            <a:lnRef idx="0">
+              <a:schemeClr val="dk1">
+                <a:alpha val="0"/>
+                <a:hueOff val="0"/>
+                <a:satOff val="0"/>
+                <a:lumOff val="0"/>
+                <a:alphaOff val="0"/>
+              </a:schemeClr>
+            </a:lnRef>
+            <a:fillRef idx="0">
+              <a:schemeClr val="lt1">
+                <a:alpha val="0"/>
+                <a:hueOff val="0"/>
+                <a:satOff val="0"/>
+                <a:lumOff val="0"/>
+                <a:alphaOff val="0"/>
+              </a:schemeClr>
+            </a:fillRef>
+            <a:effectRef idx="0">
+              <a:schemeClr val="lt1">
+                <a:alpha val="0"/>
+                <a:hueOff val="0"/>
+                <a:satOff val="0"/>
+                <a:lumOff val="0"/>
+                <a:alphaOff val="0"/>
+              </a:schemeClr>
+            </a:effectRef>
+            <a:fontRef idx="minor">
+              <a:schemeClr val="tx1">
+                <a:hueOff val="0"/>
+                <a:satOff val="0"/>
+                <a:lumOff val="0"/>
+                <a:alphaOff val="0"/>
+              </a:schemeClr>
+            </a:fontRef>
+          </p:style>
+          <p:txBody>
+            <a:bodyPr/>
+            <a:lstStyle/>
+            <a:p>
+              <a:endParaRPr lang="en-US"/>
+            </a:p>
+          </p:txBody>
+        </p:sp>
+        <p:sp>
+          <p:nvSpPr>
+            <p:cNvPr id="7" name="TextBox 6">
+              <a:extLst>
+                <a:ext uri="{FF2B5EF4-FFF2-40B4-BE49-F238E27FC236}">
+                  <a16:creationId xmlns:a16="http://schemas.microsoft.com/office/drawing/2014/main" id="{AE65E0A0-B1F7-3FA5-6449-DC41CF966B24}"/>
+                </a:ext>
+              </a:extLst>
+            </p:cNvPr>
+            <p:cNvSpPr txBox="1"/>
+            <p:nvPr/>
+          </p:nvSpPr>
+          <p:spPr>
+            <a:xfrm>
+              <a:off x="4284232" y="3457055"/>
+              <a:ext cx="1503984" cy="380669"/>
+            </a:xfrm>
+            <a:prstGeom prst="rect">
+              <a:avLst/>
+            </a:prstGeom>
+          </p:spPr>
+          <p:style>
+            <a:lnRef idx="0">
+              <a:scrgbClr r="0" g="0" b="0"/>
+            </a:lnRef>
+            <a:fillRef idx="0">
+              <a:scrgbClr r="0" g="0" b="0"/>
+            </a:fillRef>
+            <a:effectRef idx="0">
+              <a:scrgbClr r="0" g="0" b="0"/>
+            </a:effectRef>
+            <a:fontRef idx="minor">
+              <a:schemeClr val="tx1">
+                <a:hueOff val="0"/>
+                <a:satOff val="0"/>
+                <a:lumOff val="0"/>
+                <a:alphaOff val="0"/>
+              </a:schemeClr>
+            </a:fontRef>
+          </p:style>
+          <p:txBody>
+            <a:bodyPr spcFirstLastPara="0" vert="horz" wrap="square" lIns="0" tIns="0" rIns="0" bIns="0" numCol="1" spcCol="1270" anchor="t" anchorCtr="0">
+              <a:noAutofit/>
+            </a:bodyPr>
+            <a:lstStyle/>
+            <a:p>
+              <a:pPr marL="0" lvl="0" indent="0" algn="ctr" defTabSz="488950">
+                <a:lnSpc>
+                  <a:spcPct val="100000"/>
+                </a:lnSpc>
+                <a:spcBef>
+                  <a:spcPct val="0"/>
+                </a:spcBef>
+                <a:spcAft>
+                  <a:spcPct val="35000"/>
+                </a:spcAft>
+                <a:buNone/>
+              </a:pPr>
+              <a:r>
+                <a:rPr lang="en-US" sz="1100" kern="1200" dirty="0"/>
+                <a:t>(Demo)</a:t>
+              </a:r>
+            </a:p>
+          </p:txBody>
+        </p:sp>
+      </p:grpSp>
     </p:spTree>
     <p:extLst>
       <p:ext uri="{BB962C8B-B14F-4D97-AF65-F5344CB8AC3E}">
@@ -8867,132 +12043,6 @@
 </file>
 
 <file path=ppt/slides/slide3.xml><?xml version="1.0" encoding="utf-8"?>
-<p:sld xmlns:a="http://schemas.openxmlformats.org/drawingml/2006/main" xmlns:r="http://schemas.openxmlformats.org/officeDocument/2006/relationships" xmlns:p="http://schemas.openxmlformats.org/presentationml/2006/main">
-  <p:cSld>
-    <p:spTree>
-      <p:nvGrpSpPr>
-        <p:cNvPr id="1" name=""/>
-        <p:cNvGrpSpPr/>
-        <p:nvPr/>
-      </p:nvGrpSpPr>
-      <p:grpSpPr>
-        <a:xfrm>
-          <a:off x="0" y="0"/>
-          <a:ext cx="0" cy="0"/>
-          <a:chOff x="0" y="0"/>
-          <a:chExt cx="0" cy="0"/>
-        </a:xfrm>
-      </p:grpSpPr>
-      <p:sp>
-        <p:nvSpPr>
-          <p:cNvPr id="2" name="Title 1">
-            <a:extLst>
-              <a:ext uri="{FF2B5EF4-FFF2-40B4-BE49-F238E27FC236}">
-                <a16:creationId xmlns:a16="http://schemas.microsoft.com/office/drawing/2014/main" id="{CA45DD74-8FD4-46FD-1034-ACA851D7DE70}"/>
-              </a:ext>
-            </a:extLst>
-          </p:cNvPr>
-          <p:cNvSpPr>
-            <a:spLocks noGrp="1"/>
-          </p:cNvSpPr>
-          <p:nvPr>
-            <p:ph type="title"/>
-          </p:nvPr>
-        </p:nvSpPr>
-        <p:spPr/>
-        <p:txBody>
-          <a:bodyPr/>
-          <a:lstStyle/>
-          <a:p>
-            <a:r>
-              <a:rPr lang="en-US" dirty="0"/>
-              <a:t>Outline</a:t>
-            </a:r>
-          </a:p>
-        </p:txBody>
-      </p:sp>
-      <p:sp>
-        <p:nvSpPr>
-          <p:cNvPr id="3" name="Content Placeholder 2">
-            <a:extLst>
-              <a:ext uri="{FF2B5EF4-FFF2-40B4-BE49-F238E27FC236}">
-                <a16:creationId xmlns:a16="http://schemas.microsoft.com/office/drawing/2014/main" id="{8027A85D-1C4A-87B1-FE3A-C86AD0E18A54}"/>
-              </a:ext>
-            </a:extLst>
-          </p:cNvPr>
-          <p:cNvSpPr>
-            <a:spLocks noGrp="1"/>
-          </p:cNvSpPr>
-          <p:nvPr>
-            <p:ph idx="1"/>
-          </p:nvPr>
-        </p:nvSpPr>
-        <p:spPr/>
-        <p:txBody>
-          <a:bodyPr/>
-          <a:lstStyle/>
-          <a:p>
-            <a:r>
-              <a:rPr lang="en-US" dirty="0"/>
-              <a:t>Project Overview and Background</a:t>
-            </a:r>
-          </a:p>
-          <a:p>
-            <a:r>
-              <a:rPr lang="en-US" dirty="0"/>
-              <a:t>Dataset Overview</a:t>
-            </a:r>
-          </a:p>
-          <a:p>
-            <a:r>
-              <a:rPr lang="en-US" dirty="0"/>
-              <a:t>Exploratory Data Analysis</a:t>
-            </a:r>
-          </a:p>
-          <a:p>
-            <a:pPr lvl="1"/>
-            <a:r>
-              <a:rPr lang="en-US" dirty="0"/>
-              <a:t>Demo</a:t>
-            </a:r>
-          </a:p>
-          <a:p>
-            <a:r>
-              <a:rPr lang="en-US" dirty="0"/>
-              <a:t>Models Overview and Results</a:t>
-            </a:r>
-          </a:p>
-          <a:p>
-            <a:r>
-              <a:rPr lang="en-US" dirty="0"/>
-              <a:t>Conclusion</a:t>
-            </a:r>
-          </a:p>
-          <a:p>
-            <a:r>
-              <a:rPr lang="en-US" dirty="0"/>
-              <a:t>References</a:t>
-            </a:r>
-          </a:p>
-          <a:p>
-            <a:endParaRPr lang="en-US" dirty="0"/>
-          </a:p>
-        </p:txBody>
-      </p:sp>
-    </p:spTree>
-    <p:extLst>
-      <p:ext uri="{BB962C8B-B14F-4D97-AF65-F5344CB8AC3E}">
-        <p14:creationId xmlns:p14="http://schemas.microsoft.com/office/powerpoint/2010/main" val="3573335134"/>
-      </p:ext>
-    </p:extLst>
-  </p:cSld>
-  <p:clrMapOvr>
-    <a:masterClrMapping/>
-  </p:clrMapOvr>
-</p:sld>
-</file>
-
-<file path=ppt/slides/slide4.xml><?xml version="1.0" encoding="utf-8"?>
 <p:sld xmlns:a="http://schemas.openxmlformats.org/drawingml/2006/main" xmlns:r="http://schemas.openxmlformats.org/officeDocument/2006/relationships" xmlns:p="http://schemas.openxmlformats.org/presentationml/2006/main">
   <p:cSld>
     <p:bg>
@@ -10037,7 +13087,7 @@
           <p:nvPr/>
         </p:nvPicPr>
         <p:blipFill>
-          <a:blip r:embed="rId2">
+          <a:blip r:embed="rId3">
             <a:extLst>
               <a:ext uri="{28A0092B-C50C-407E-A947-70E740481C1C}">
                 <a14:useLocalDpi xmlns:a14="http://schemas.microsoft.com/office/drawing/2010/main" val="0"/>
@@ -10251,7 +13301,7 @@
 </p:sld>
 </file>
 
-<file path=ppt/slides/slide5.xml><?xml version="1.0" encoding="utf-8"?>
+<file path=ppt/slides/slide4.xml><?xml version="1.0" encoding="utf-8"?>
 <p:sld xmlns:a="http://schemas.openxmlformats.org/drawingml/2006/main" xmlns:r="http://schemas.openxmlformats.org/officeDocument/2006/relationships" xmlns:p="http://schemas.openxmlformats.org/presentationml/2006/main">
   <p:cSld>
     <p:bg>
@@ -10506,7 +13556,7 @@
           <p:nvPr>
             <p:extLst>
               <p:ext uri="{D42A27DB-BD31-4B8C-83A1-F6EECF244321}">
-                <p14:modId xmlns:p14="http://schemas.microsoft.com/office/powerpoint/2010/main" val="1081548507"/>
+                <p14:modId xmlns:p14="http://schemas.microsoft.com/office/powerpoint/2010/main" val="2578980343"/>
               </p:ext>
             </p:extLst>
           </p:nvPr>
@@ -12765,7 +15815,7 @@
                             <a:schemeClr val="tx1"/>
                           </a:solidFill>
                         </a:rPr>
-                        <a:t>Dataset features patient data from emergency rooms across the U.S., documenting product-related injuries and demographics for research.</a:t>
+                        <a:t>Dataset features 2022 patient data from emergency rooms across the U.S., documenting product-related injuries and demographics for research.</a:t>
                       </a:r>
                     </a:p>
                   </a:txBody>
@@ -12974,7 +16024,7 @@
 </p:sld>
 </file>
 
-<file path=ppt/slides/slide6.xml><?xml version="1.0" encoding="utf-8"?>
+<file path=ppt/slides/slide5.xml><?xml version="1.0" encoding="utf-8"?>
 <p:sld xmlns:a="http://schemas.openxmlformats.org/drawingml/2006/main" xmlns:r="http://schemas.openxmlformats.org/officeDocument/2006/relationships" xmlns:p="http://schemas.openxmlformats.org/presentationml/2006/main">
   <p:cSld>
     <p:bg>
@@ -13329,7 +16379,7 @@
           <p:nvPr/>
         </p:nvPicPr>
         <p:blipFill rotWithShape="1">
-          <a:blip r:embed="rId2">
+          <a:blip r:embed="rId3">
             <a:extLst>
               <a:ext uri="{28A0092B-C50C-407E-A947-70E740481C1C}">
                 <a14:useLocalDpi xmlns:a14="http://schemas.microsoft.com/office/drawing/2010/main" val="0"/>
@@ -13436,7 +16486,7 @@
           <p:nvPr/>
         </p:nvPicPr>
         <p:blipFill>
-          <a:blip r:embed="rId3"/>
+          <a:blip r:embed="rId4"/>
           <a:stretch>
             <a:fillRect/>
           </a:stretch>
@@ -13484,7 +16534,7 @@
           <p:nvPr/>
         </p:nvPicPr>
         <p:blipFill>
-          <a:blip r:embed="rId4"/>
+          <a:blip r:embed="rId5"/>
           <a:stretch>
             <a:fillRect/>
           </a:stretch>
@@ -13574,7 +16624,7 @@
 </p:sld>
 </file>
 
-<file path=ppt/slides/slide7.xml><?xml version="1.0" encoding="utf-8"?>
+<file path=ppt/slides/slide6.xml><?xml version="1.0" encoding="utf-8"?>
 <p:sld xmlns:a="http://schemas.openxmlformats.org/drawingml/2006/main" xmlns:r="http://schemas.openxmlformats.org/officeDocument/2006/relationships" xmlns:p="http://schemas.openxmlformats.org/presentationml/2006/main">
   <p:cSld>
     <p:bg>
@@ -14540,7 +17590,7 @@
 </p:sld>
 </file>
 
-<file path=ppt/slides/slide8.xml><?xml version="1.0" encoding="utf-8"?>
+<file path=ppt/slides/slide7.xml><?xml version="1.0" encoding="utf-8"?>
 <p:sld xmlns:a="http://schemas.openxmlformats.org/drawingml/2006/main" xmlns:r="http://schemas.openxmlformats.org/officeDocument/2006/relationships" xmlns:p="http://schemas.openxmlformats.org/presentationml/2006/main">
   <p:cSld>
     <p:bg>
@@ -14590,7 +17640,7 @@
           <a:p>
             <a:r>
               <a:rPr lang="en-US" dirty="0"/>
-              <a:t>Model overview + Next Steps</a:t>
+              <a:t>Model overview + Enhancements </a:t>
             </a:r>
           </a:p>
         </p:txBody>
@@ -14611,7 +17661,12 @@
             <p:ph sz="half" idx="1"/>
           </p:nvPr>
         </p:nvSpPr>
-        <p:spPr/>
+        <p:spPr>
+          <a:xfrm>
+            <a:off x="715383" y="2854825"/>
+            <a:ext cx="5304417" cy="3844414"/>
+          </a:xfrm>
+        </p:spPr>
         <p:txBody>
           <a:bodyPr/>
           <a:lstStyle/>
@@ -14621,13 +17676,13 @@
             </a:pPr>
             <a:r>
               <a:rPr lang="en-US" dirty="0"/>
-              <a:t>Initial Models Tested:</a:t>
+              <a:t>Models Tested:</a:t>
             </a:r>
           </a:p>
           <a:p>
             <a:r>
               <a:rPr lang="en-US" dirty="0"/>
-              <a:t>Random Forest*</a:t>
+              <a:t>Random Forest</a:t>
             </a:r>
           </a:p>
           <a:p>
@@ -14637,31 +17692,28 @@
             </a:r>
             <a:r>
               <a:rPr lang="en-US" dirty="0"/>
-              <a:t> (plus </a:t>
+              <a:t> </a:t>
             </a:r>
+          </a:p>
+          <a:p>
             <a:r>
               <a:rPr lang="en-US" dirty="0" err="1"/>
-              <a:t>RandomizedSearchCV</a:t>
+              <a:t>LightGBM</a:t>
             </a:r>
+            <a:endParaRPr lang="en-US" dirty="0"/>
+          </a:p>
+          <a:p>
+            <a:r>
+              <a:rPr lang="en-US" dirty="0" err="1"/>
+              <a:t>CatBoost</a:t>
+            </a:r>
+            <a:endParaRPr lang="en-US" dirty="0"/>
+          </a:p>
+          <a:p>
             <a:r>
               <a:rPr lang="en-US" dirty="0"/>
-              <a:t>)*</a:t>
+              <a:t>K-Nearest Neighbors</a:t>
             </a:r>
-          </a:p>
-          <a:p>
-            <a:r>
-              <a:rPr lang="en-US" dirty="0"/>
-              <a:t>Logistic Regression</a:t>
-            </a:r>
-          </a:p>
-          <a:p>
-            <a:r>
-              <a:rPr lang="en-US" dirty="0"/>
-              <a:t>Support Vector Machines</a:t>
-            </a:r>
-          </a:p>
-          <a:p>
-            <a:endParaRPr lang="en-US" dirty="0"/>
           </a:p>
         </p:txBody>
       </p:sp>
@@ -14681,7 +17733,12 @@
             <p:ph sz="half" idx="2"/>
           </p:nvPr>
         </p:nvSpPr>
-        <p:spPr/>
+        <p:spPr>
+          <a:xfrm>
+            <a:off x="6172200" y="2854825"/>
+            <a:ext cx="5219700" cy="3844414"/>
+          </a:xfrm>
+        </p:spPr>
         <p:txBody>
           <a:bodyPr/>
           <a:lstStyle/>
@@ -14691,31 +17748,31 @@
             </a:pPr>
             <a:r>
               <a:rPr lang="en-US" dirty="0"/>
-              <a:t>Next Steps:</a:t>
+              <a:t>Improvement Methods:</a:t>
             </a:r>
           </a:p>
           <a:p>
             <a:r>
               <a:rPr lang="en-US" dirty="0"/>
-              <a:t>Test other models</a:t>
+              <a:t>Hyperparameter Tuning</a:t>
             </a:r>
           </a:p>
           <a:p>
             <a:r>
               <a:rPr lang="en-US" dirty="0"/>
-              <a:t>Hyperparameter tuning</a:t>
+              <a:t>Cross-Validation</a:t>
             </a:r>
           </a:p>
           <a:p>
             <a:r>
               <a:rPr lang="en-US" dirty="0"/>
-              <a:t>Feature selection</a:t>
+              <a:t>Feature Importance</a:t>
             </a:r>
           </a:p>
           <a:p>
             <a:r>
               <a:rPr lang="en-US" dirty="0"/>
-              <a:t>Ensemble methods</a:t>
+              <a:t>Stacking and Blending</a:t>
             </a:r>
           </a:p>
         </p:txBody>
@@ -14734,7 +17791,7 @@
         </p:nvCxnSpPr>
         <p:spPr>
           <a:xfrm>
-            <a:off x="781789" y="2570195"/>
+            <a:off x="781789" y="3296336"/>
             <a:ext cx="3370427" cy="0"/>
           </a:xfrm>
           <a:prstGeom prst="line">
@@ -14775,7 +17832,48 @@
         </p:nvCxnSpPr>
         <p:spPr>
           <a:xfrm>
-            <a:off x="6244500" y="2577227"/>
+            <a:off x="6244500" y="3303368"/>
+            <a:ext cx="3370427" cy="0"/>
+          </a:xfrm>
+          <a:prstGeom prst="line">
+            <a:avLst/>
+          </a:prstGeom>
+          <a:ln>
+            <a:solidFill>
+              <a:srgbClr val="1EC7A8"/>
+            </a:solidFill>
+          </a:ln>
+        </p:spPr>
+        <p:style>
+          <a:lnRef idx="1">
+            <a:schemeClr val="accent1"/>
+          </a:lnRef>
+          <a:fillRef idx="0">
+            <a:schemeClr val="accent1"/>
+          </a:fillRef>
+          <a:effectRef idx="0">
+            <a:schemeClr val="accent1"/>
+          </a:effectRef>
+          <a:fontRef idx="minor">
+            <a:schemeClr val="tx1"/>
+          </a:fontRef>
+        </p:style>
+      </p:cxnSp>
+      <p:cxnSp>
+        <p:nvCxnSpPr>
+          <p:cNvPr id="3" name="Straight Connector 2">
+            <a:extLst>
+              <a:ext uri="{FF2B5EF4-FFF2-40B4-BE49-F238E27FC236}">
+                <a16:creationId xmlns:a16="http://schemas.microsoft.com/office/drawing/2014/main" id="{A5C58147-EA53-9A4D-FCDE-CFDEF2A7B5D3}"/>
+              </a:ext>
+            </a:extLst>
+          </p:cNvPr>
+          <p:cNvCxnSpPr/>
+          <p:nvPr/>
+        </p:nvCxnSpPr>
+        <p:spPr>
+          <a:xfrm>
+            <a:off x="781789" y="2204895"/>
             <a:ext cx="3370427" cy="0"/>
           </a:xfrm>
           <a:prstGeom prst="line">
@@ -14804,10 +17902,222 @@
       </p:cxnSp>
       <p:sp>
         <p:nvSpPr>
-          <p:cNvPr id="8" name="TextBox 7">
+          <p:cNvPr id="12" name="Content Placeholder 3">
             <a:extLst>
               <a:ext uri="{FF2B5EF4-FFF2-40B4-BE49-F238E27FC236}">
-                <a16:creationId xmlns:a16="http://schemas.microsoft.com/office/drawing/2014/main" id="{9D3483F1-AF86-FA9C-FE2A-403CFF662BC6}"/>
+                <a16:creationId xmlns:a16="http://schemas.microsoft.com/office/drawing/2014/main" id="{2E25D0B7-8A47-9F14-CB70-64BBF891A6A2}"/>
+              </a:ext>
+            </a:extLst>
+          </p:cNvPr>
+          <p:cNvSpPr txBox="1">
+            <a:spLocks/>
+          </p:cNvSpPr>
+          <p:nvPr/>
+        </p:nvSpPr>
+        <p:spPr>
+          <a:xfrm>
+            <a:off x="715383" y="1759338"/>
+            <a:ext cx="5304417" cy="3844414"/>
+          </a:xfrm>
+          <a:prstGeom prst="rect">
+            <a:avLst/>
+          </a:prstGeom>
+        </p:spPr>
+        <p:txBody>
+          <a:bodyPr vert="horz" lIns="91440" tIns="45720" rIns="91440" bIns="45720" rtlCol="0">
+            <a:normAutofit/>
+          </a:bodyPr>
+          <a:lstStyle>
+            <a:lvl1pPr marL="228600" indent="-228600" algn="l" defTabSz="914400" rtl="0" eaLnBrk="1" latinLnBrk="0" hangingPunct="1">
+              <a:lnSpc>
+                <a:spcPct val="120000"/>
+              </a:lnSpc>
+              <a:spcBef>
+                <a:spcPts val="1000"/>
+              </a:spcBef>
+              <a:buFont typeface="Arial" panose="020B0604020202020204" pitchFamily="34" charset="0"/>
+              <a:buChar char="•"/>
+              <a:defRPr sz="2000" kern="1200">
+                <a:solidFill>
+                  <a:schemeClr val="tx1"/>
+                </a:solidFill>
+                <a:latin typeface="+mn-lt"/>
+                <a:ea typeface="+mn-ea"/>
+                <a:cs typeface="+mn-cs"/>
+              </a:defRPr>
+            </a:lvl1pPr>
+            <a:lvl2pPr marL="685800" indent="-228600" algn="l" defTabSz="914400" rtl="0" eaLnBrk="1" latinLnBrk="0" hangingPunct="1">
+              <a:lnSpc>
+                <a:spcPct val="120000"/>
+              </a:lnSpc>
+              <a:spcBef>
+                <a:spcPts val="500"/>
+              </a:spcBef>
+              <a:buFont typeface="Arial" panose="020B0604020202020204" pitchFamily="34" charset="0"/>
+              <a:buChar char="•"/>
+              <a:defRPr sz="1800" kern="1200">
+                <a:solidFill>
+                  <a:schemeClr val="tx1"/>
+                </a:solidFill>
+                <a:latin typeface="+mn-lt"/>
+                <a:ea typeface="+mn-ea"/>
+                <a:cs typeface="+mn-cs"/>
+              </a:defRPr>
+            </a:lvl2pPr>
+            <a:lvl3pPr marL="1143000" indent="-228600" algn="l" defTabSz="914400" rtl="0" eaLnBrk="1" latinLnBrk="0" hangingPunct="1">
+              <a:lnSpc>
+                <a:spcPct val="120000"/>
+              </a:lnSpc>
+              <a:spcBef>
+                <a:spcPts val="500"/>
+              </a:spcBef>
+              <a:buFont typeface="Arial" panose="020B0604020202020204" pitchFamily="34" charset="0"/>
+              <a:buChar char="•"/>
+              <a:defRPr sz="1600" kern="1200">
+                <a:solidFill>
+                  <a:schemeClr val="tx1"/>
+                </a:solidFill>
+                <a:latin typeface="+mn-lt"/>
+                <a:ea typeface="+mn-ea"/>
+                <a:cs typeface="+mn-cs"/>
+              </a:defRPr>
+            </a:lvl3pPr>
+            <a:lvl4pPr marL="1600200" indent="-228600" algn="l" defTabSz="914400" rtl="0" eaLnBrk="1" latinLnBrk="0" hangingPunct="1">
+              <a:lnSpc>
+                <a:spcPct val="120000"/>
+              </a:lnSpc>
+              <a:spcBef>
+                <a:spcPts val="500"/>
+              </a:spcBef>
+              <a:buFont typeface="Arial" panose="020B0604020202020204" pitchFamily="34" charset="0"/>
+              <a:buChar char="•"/>
+              <a:defRPr sz="1400" kern="1200">
+                <a:solidFill>
+                  <a:schemeClr val="tx1"/>
+                </a:solidFill>
+                <a:latin typeface="+mn-lt"/>
+                <a:ea typeface="+mn-ea"/>
+                <a:cs typeface="+mn-cs"/>
+              </a:defRPr>
+            </a:lvl4pPr>
+            <a:lvl5pPr marL="2057400" indent="-228600" algn="l" defTabSz="914400" rtl="0" eaLnBrk="1" latinLnBrk="0" hangingPunct="1">
+              <a:lnSpc>
+                <a:spcPct val="120000"/>
+              </a:lnSpc>
+              <a:spcBef>
+                <a:spcPts val="500"/>
+              </a:spcBef>
+              <a:buFont typeface="Arial" panose="020B0604020202020204" pitchFamily="34" charset="0"/>
+              <a:buChar char="•"/>
+              <a:defRPr sz="1400" kern="1200">
+                <a:solidFill>
+                  <a:schemeClr val="tx1"/>
+                </a:solidFill>
+                <a:latin typeface="+mn-lt"/>
+                <a:ea typeface="+mn-ea"/>
+                <a:cs typeface="+mn-cs"/>
+              </a:defRPr>
+            </a:lvl5pPr>
+            <a:lvl6pPr marL="2514600" indent="-228600" algn="l" defTabSz="914400" rtl="0" eaLnBrk="1" latinLnBrk="0" hangingPunct="1">
+              <a:lnSpc>
+                <a:spcPct val="90000"/>
+              </a:lnSpc>
+              <a:spcBef>
+                <a:spcPts val="500"/>
+              </a:spcBef>
+              <a:buFont typeface="Arial" panose="020B0604020202020204" pitchFamily="34" charset="0"/>
+              <a:buChar char="•"/>
+              <a:defRPr sz="1800" kern="1200">
+                <a:solidFill>
+                  <a:schemeClr val="tx1"/>
+                </a:solidFill>
+                <a:latin typeface="+mn-lt"/>
+                <a:ea typeface="+mn-ea"/>
+                <a:cs typeface="+mn-cs"/>
+              </a:defRPr>
+            </a:lvl6pPr>
+            <a:lvl7pPr marL="2971800" indent="-228600" algn="l" defTabSz="914400" rtl="0" eaLnBrk="1" latinLnBrk="0" hangingPunct="1">
+              <a:lnSpc>
+                <a:spcPct val="90000"/>
+              </a:lnSpc>
+              <a:spcBef>
+                <a:spcPts val="500"/>
+              </a:spcBef>
+              <a:buFont typeface="Arial" panose="020B0604020202020204" pitchFamily="34" charset="0"/>
+              <a:buChar char="•"/>
+              <a:defRPr sz="1800" kern="1200">
+                <a:solidFill>
+                  <a:schemeClr val="tx1"/>
+                </a:solidFill>
+                <a:latin typeface="+mn-lt"/>
+                <a:ea typeface="+mn-ea"/>
+                <a:cs typeface="+mn-cs"/>
+              </a:defRPr>
+            </a:lvl7pPr>
+            <a:lvl8pPr marL="3429000" indent="-228600" algn="l" defTabSz="914400" rtl="0" eaLnBrk="1" latinLnBrk="0" hangingPunct="1">
+              <a:lnSpc>
+                <a:spcPct val="90000"/>
+              </a:lnSpc>
+              <a:spcBef>
+                <a:spcPts val="500"/>
+              </a:spcBef>
+              <a:buFont typeface="Arial" panose="020B0604020202020204" pitchFamily="34" charset="0"/>
+              <a:buChar char="•"/>
+              <a:defRPr sz="1800" kern="1200">
+                <a:solidFill>
+                  <a:schemeClr val="tx1"/>
+                </a:solidFill>
+                <a:latin typeface="+mn-lt"/>
+                <a:ea typeface="+mn-ea"/>
+                <a:cs typeface="+mn-cs"/>
+              </a:defRPr>
+            </a:lvl8pPr>
+            <a:lvl9pPr marL="3886200" indent="-228600" algn="l" defTabSz="914400" rtl="0" eaLnBrk="1" latinLnBrk="0" hangingPunct="1">
+              <a:lnSpc>
+                <a:spcPct val="90000"/>
+              </a:lnSpc>
+              <a:spcBef>
+                <a:spcPts val="500"/>
+              </a:spcBef>
+              <a:buFont typeface="Arial" panose="020B0604020202020204" pitchFamily="34" charset="0"/>
+              <a:buChar char="•"/>
+              <a:defRPr sz="1800" kern="1200">
+                <a:solidFill>
+                  <a:schemeClr val="tx1"/>
+                </a:solidFill>
+                <a:latin typeface="+mn-lt"/>
+                <a:ea typeface="+mn-ea"/>
+                <a:cs typeface="+mn-cs"/>
+              </a:defRPr>
+            </a:lvl9pPr>
+          </a:lstStyle>
+          <a:p>
+            <a:pPr marL="0" indent="0">
+              <a:buFont typeface="Arial" panose="020B0604020202020204" pitchFamily="34" charset="0"/>
+              <a:buNone/>
+            </a:pPr>
+            <a:r>
+              <a:rPr lang="en-US" dirty="0"/>
+              <a:t>Train/Test Information:</a:t>
+            </a:r>
+          </a:p>
+          <a:p>
+            <a:pPr marL="0" indent="0">
+              <a:buNone/>
+            </a:pPr>
+            <a:r>
+              <a:rPr lang="en-US" dirty="0"/>
+              <a:t>Dataset was split 80 (train data)/20 (test data)</a:t>
+            </a:r>
+          </a:p>
+        </p:txBody>
+      </p:sp>
+      <p:sp>
+        <p:nvSpPr>
+          <p:cNvPr id="13" name="TextBox 12">
+            <a:extLst>
+              <a:ext uri="{FF2B5EF4-FFF2-40B4-BE49-F238E27FC236}">
+                <a16:creationId xmlns:a16="http://schemas.microsoft.com/office/drawing/2014/main" id="{808DCAB9-D86B-2645-1C3D-EA1B6F706786}"/>
               </a:ext>
             </a:extLst>
           </p:cNvPr>
@@ -14816,8 +18126,8 @@
         </p:nvSpPr>
         <p:spPr>
           <a:xfrm>
-            <a:off x="755651" y="4687833"/>
-            <a:ext cx="3552788" cy="1733808"/>
+            <a:off x="800100" y="6329907"/>
+            <a:ext cx="7771661" cy="369332"/>
           </a:xfrm>
           <a:prstGeom prst="rect">
             <a:avLst/>
@@ -14830,186 +18140,10 @@
           </a:bodyPr>
           <a:lstStyle/>
           <a:p>
-            <a:pPr>
-              <a:lnSpc>
-                <a:spcPct val="120000"/>
-              </a:lnSpc>
-              <a:spcBef>
-                <a:spcPts val="1000"/>
-              </a:spcBef>
-            </a:pPr>
-            <a:r>
-              <a:rPr lang="en-US" sz="2000" dirty="0"/>
-              <a:t>Lessons Learned…so far</a:t>
-            </a:r>
-          </a:p>
-          <a:p>
-            <a:pPr marL="342900" indent="-342900">
-              <a:lnSpc>
-                <a:spcPct val="120000"/>
-              </a:lnSpc>
-              <a:spcBef>
-                <a:spcPts val="1000"/>
-              </a:spcBef>
-              <a:buFont typeface="Arial" panose="020B0604020202020204" pitchFamily="34" charset="0"/>
-              <a:buChar char="•"/>
-            </a:pPr>
-            <a:r>
-              <a:rPr lang="en-US" sz="2000" dirty="0"/>
-              <a:t>Computation Time</a:t>
-            </a:r>
-          </a:p>
-          <a:p>
-            <a:pPr marL="342900" indent="-342900">
-              <a:lnSpc>
-                <a:spcPct val="120000"/>
-              </a:lnSpc>
-              <a:spcBef>
-                <a:spcPts val="1000"/>
-              </a:spcBef>
-              <a:buFont typeface="Arial" panose="020B0604020202020204" pitchFamily="34" charset="0"/>
-              <a:buChar char="•"/>
-            </a:pPr>
-            <a:r>
-              <a:rPr lang="en-US" sz="2000" dirty="0"/>
-              <a:t>Memory Limitations</a:t>
-            </a:r>
-          </a:p>
-          <a:p>
-            <a:endParaRPr lang="en-US" dirty="0"/>
-          </a:p>
-        </p:txBody>
-      </p:sp>
-      <p:cxnSp>
-        <p:nvCxnSpPr>
-          <p:cNvPr id="9" name="Straight Connector 8">
-            <a:extLst>
-              <a:ext uri="{FF2B5EF4-FFF2-40B4-BE49-F238E27FC236}">
-                <a16:creationId xmlns:a16="http://schemas.microsoft.com/office/drawing/2014/main" id="{233E0233-2CDC-FC9E-3667-5D92E8C5A4AC}"/>
-              </a:ext>
-            </a:extLst>
-          </p:cNvPr>
-          <p:cNvCxnSpPr/>
-          <p:nvPr/>
-        </p:nvCxnSpPr>
-        <p:spPr>
-          <a:xfrm>
-            <a:off x="826239" y="5160995"/>
-            <a:ext cx="3370427" cy="0"/>
-          </a:xfrm>
-          <a:prstGeom prst="line">
-            <a:avLst/>
-          </a:prstGeom>
-          <a:ln>
-            <a:solidFill>
-              <a:srgbClr val="1EC7A8"/>
-            </a:solidFill>
-          </a:ln>
-        </p:spPr>
-        <p:style>
-          <a:lnRef idx="1">
-            <a:schemeClr val="accent1"/>
-          </a:lnRef>
-          <a:fillRef idx="0">
-            <a:schemeClr val="accent1"/>
-          </a:fillRef>
-          <a:effectRef idx="0">
-            <a:schemeClr val="accent1"/>
-          </a:effectRef>
-          <a:fontRef idx="minor">
-            <a:schemeClr val="tx1"/>
-          </a:fontRef>
-        </p:style>
-      </p:cxnSp>
-      <p:sp>
-        <p:nvSpPr>
-          <p:cNvPr id="10" name="TextBox 9">
-            <a:extLst>
-              <a:ext uri="{FF2B5EF4-FFF2-40B4-BE49-F238E27FC236}">
-                <a16:creationId xmlns:a16="http://schemas.microsoft.com/office/drawing/2014/main" id="{74DE1D1F-A3E3-3E90-78E2-42082698B772}"/>
-              </a:ext>
-            </a:extLst>
-          </p:cNvPr>
-          <p:cNvSpPr txBox="1"/>
-          <p:nvPr/>
-        </p:nvSpPr>
-        <p:spPr>
-          <a:xfrm>
-            <a:off x="826239" y="6235700"/>
-            <a:ext cx="10356111" cy="369332"/>
-          </a:xfrm>
-          <a:prstGeom prst="rect">
-            <a:avLst/>
-          </a:prstGeom>
-          <a:noFill/>
-        </p:spPr>
-        <p:txBody>
-          <a:bodyPr wrap="square" rtlCol="0" anchor="t">
-            <a:spAutoFit/>
-          </a:bodyPr>
-          <a:lstStyle/>
-          <a:p>
             <a:r>
               <a:rPr lang="en-US" dirty="0"/>
-              <a:t>* Better performing models</a:t>
+              <a:t>Other Models Tested: Support Vector Machine (SVM), Decision Trees, etc. </a:t>
             </a:r>
-          </a:p>
-        </p:txBody>
-      </p:sp>
-      <p:sp>
-        <p:nvSpPr>
-          <p:cNvPr id="11" name="TextBox 10">
-            <a:extLst>
-              <a:ext uri="{FF2B5EF4-FFF2-40B4-BE49-F238E27FC236}">
-                <a16:creationId xmlns:a16="http://schemas.microsoft.com/office/drawing/2014/main" id="{AC94A7CA-811C-41B8-777E-F67F290CD096}"/>
-              </a:ext>
-            </a:extLst>
-          </p:cNvPr>
-          <p:cNvSpPr txBox="1"/>
-          <p:nvPr/>
-        </p:nvSpPr>
-        <p:spPr>
-          <a:xfrm>
-            <a:off x="4468106" y="4686558"/>
-            <a:ext cx="3552788" cy="928075"/>
-          </a:xfrm>
-          <a:prstGeom prst="rect">
-            <a:avLst/>
-          </a:prstGeom>
-          <a:noFill/>
-        </p:spPr>
-        <p:txBody>
-          <a:bodyPr wrap="square" rtlCol="0">
-            <a:spAutoFit/>
-          </a:bodyPr>
-          <a:lstStyle/>
-          <a:p>
-            <a:pPr>
-              <a:lnSpc>
-                <a:spcPct val="120000"/>
-              </a:lnSpc>
-              <a:spcBef>
-                <a:spcPts val="1000"/>
-              </a:spcBef>
-            </a:pPr>
-            <a:endParaRPr lang="en-US" sz="2000" dirty="0"/>
-          </a:p>
-          <a:p>
-            <a:pPr marL="342900" indent="-342900">
-              <a:lnSpc>
-                <a:spcPct val="120000"/>
-              </a:lnSpc>
-              <a:spcBef>
-                <a:spcPts val="1000"/>
-              </a:spcBef>
-              <a:buFont typeface="Arial" panose="020B0604020202020204" pitchFamily="34" charset="0"/>
-              <a:buChar char="•"/>
-            </a:pPr>
-            <a:r>
-              <a:rPr lang="en-US" sz="2000" dirty="0"/>
-              <a:t>Data correlation</a:t>
-            </a:r>
-            <a:endParaRPr lang="en-US" dirty="0"/>
           </a:p>
         </p:txBody>
       </p:sp>
@@ -15026,17 +18160,9 @@
 </p:sld>
 </file>
 
-<file path=ppt/slides/slide9.xml><?xml version="1.0" encoding="utf-8"?>
+<file path=ppt/slides/slide8.xml><?xml version="1.0" encoding="utf-8"?>
 <p:sld xmlns:a="http://schemas.openxmlformats.org/drawingml/2006/main" xmlns:r="http://schemas.openxmlformats.org/officeDocument/2006/relationships" xmlns:p="http://schemas.openxmlformats.org/presentationml/2006/main">
   <p:cSld>
-    <p:bg>
-      <p:bgPr>
-        <a:solidFill>
-          <a:schemeClr val="bg1"/>
-        </a:solidFill>
-        <a:effectLst/>
-      </p:bgPr>
-    </p:bg>
     <p:spTree>
       <p:nvGrpSpPr>
         <p:cNvPr id="1" name=""/>
@@ -15051,88 +18177,12 @@
           <a:chExt cx="0" cy="0"/>
         </a:xfrm>
       </p:grpSpPr>
-      <p:sp useBgFill="1">
-        <p:nvSpPr>
-          <p:cNvPr id="24" name="Rectangle 18">
-            <a:extLst>
-              <a:ext uri="{FF2B5EF4-FFF2-40B4-BE49-F238E27FC236}">
-                <a16:creationId xmlns:a16="http://schemas.microsoft.com/office/drawing/2014/main" id="{6B3CA38D-7BB0-4D35-BE00-0F487660272C}"/>
-              </a:ext>
-              <a:ext uri="{C183D7F6-B498-43B3-948B-1728B52AA6E4}">
-                <adec:decorative xmlns:adec="http://schemas.microsoft.com/office/drawing/2017/decorative" val="1"/>
-              </a:ext>
-            </a:extLst>
-          </p:cNvPr>
-          <p:cNvSpPr>
-            <a:spLocks noGrp="1" noRot="1" noChangeAspect="1" noMove="1" noResize="1" noEditPoints="1" noAdjustHandles="1" noChangeArrowheads="1" noChangeShapeType="1" noTextEdit="1"/>
-          </p:cNvSpPr>
-          <p:nvPr>
-            <p:extLst>
-              <p:ext uri="{386F3935-93C4-4BCD-93E2-E3B085C9AB24}">
-                <p16:designElem xmlns:p16="http://schemas.microsoft.com/office/powerpoint/2015/main" val="1"/>
-              </p:ext>
-            </p:extLst>
-          </p:nvPr>
-        </p:nvSpPr>
-        <p:spPr>
-          <a:xfrm>
-            <a:off x="0" y="0"/>
-            <a:ext cx="12192000" cy="6858000"/>
-          </a:xfrm>
-          <a:prstGeom prst="rect">
-            <a:avLst/>
-          </a:prstGeom>
-          <a:ln w="12700" cap="flat" cmpd="sng" algn="ctr">
-            <a:noFill/>
-            <a:prstDash val="solid"/>
-            <a:miter lim="800000"/>
-          </a:ln>
-          <a:effectLst/>
-          <a:extLst>
-            <a:ext uri="{91240B29-F687-4F45-9708-019B960494DF}">
-              <a14:hiddenLine xmlns:a14="http://schemas.microsoft.com/office/drawing/2010/main" w="12700" cap="flat" cmpd="sng" algn="ctr">
-                <a:solidFill>
-                  <a:schemeClr val="accent1">
-                    <a:shade val="50000"/>
-                  </a:schemeClr>
-                </a:solidFill>
-                <a:prstDash val="solid"/>
-                <a:miter lim="800000"/>
-              </a14:hiddenLine>
-            </a:ext>
-          </a:extLst>
-        </p:spPr>
-        <p:style>
-          <a:lnRef idx="2">
-            <a:schemeClr val="accent1">
-              <a:shade val="50000"/>
-            </a:schemeClr>
-          </a:lnRef>
-          <a:fillRef idx="1">
-            <a:schemeClr val="accent1"/>
-          </a:fillRef>
-          <a:effectRef idx="0">
-            <a:schemeClr val="accent1"/>
-          </a:effectRef>
-          <a:fontRef idx="minor">
-            <a:schemeClr val="lt1"/>
-          </a:fontRef>
-        </p:style>
-        <p:txBody>
-          <a:bodyPr rtlCol="0" anchor="ctr"/>
-          <a:lstStyle/>
-          <a:p>
-            <a:pPr algn="ctr"/>
-            <a:endParaRPr lang="en-US"/>
-          </a:p>
-        </p:txBody>
-      </p:sp>
       <p:sp>
         <p:nvSpPr>
           <p:cNvPr id="2" name="Title 1">
             <a:extLst>
               <a:ext uri="{FF2B5EF4-FFF2-40B4-BE49-F238E27FC236}">
-                <a16:creationId xmlns:a16="http://schemas.microsoft.com/office/drawing/2014/main" id="{31662E89-35E9-21CD-9BB6-F25300F26C18}"/>
+                <a16:creationId xmlns:a16="http://schemas.microsoft.com/office/drawing/2014/main" id="{06899CBB-F7E6-1CD7-4BE4-A012F5814C67}"/>
               </a:ext>
             </a:extLst>
           </p:cNvPr>
@@ -15143,83 +18193,832 @@
             <p:ph type="title"/>
           </p:nvPr>
         </p:nvSpPr>
-        <p:spPr>
-          <a:xfrm>
-            <a:off x="700635" y="922096"/>
-            <a:ext cx="10691265" cy="723898"/>
-          </a:xfrm>
-        </p:spPr>
+        <p:spPr/>
         <p:txBody>
-          <a:bodyPr>
-            <a:normAutofit/>
-          </a:bodyPr>
+          <a:bodyPr/>
           <a:lstStyle/>
           <a:p>
             <a:r>
               <a:rPr lang="en-US" dirty="0"/>
-              <a:t>conclusion</a:t>
+              <a:t>Results - Accuracy</a:t>
             </a:r>
           </a:p>
         </p:txBody>
       </p:sp>
-      <p:cxnSp>
-        <p:nvCxnSpPr>
-          <p:cNvPr id="25" name="Straight Connector 20">
+      <p:graphicFrame>
+        <p:nvGraphicFramePr>
+          <p:cNvPr id="4" name="Table 4">
             <a:extLst>
               <a:ext uri="{FF2B5EF4-FFF2-40B4-BE49-F238E27FC236}">
-                <a16:creationId xmlns:a16="http://schemas.microsoft.com/office/drawing/2014/main" id="{4514FD1B-A0BF-4C73-A68E-4B1F7299F6AE}"/>
-              </a:ext>
-              <a:ext uri="{C183D7F6-B498-43B3-948B-1728B52AA6E4}">
-                <adec:decorative xmlns:adec="http://schemas.microsoft.com/office/drawing/2017/decorative" val="1"/>
+                <a16:creationId xmlns:a16="http://schemas.microsoft.com/office/drawing/2014/main" id="{ABC1C318-114C-7B15-3B66-FABBF7C4B861}"/>
               </a:ext>
             </a:extLst>
           </p:cNvPr>
-          <p:cNvCxnSpPr>
-            <a:cxnSpLocks noGrp="1" noRot="1" noChangeAspect="1" noMove="1" noResize="1" noEditPoints="1" noAdjustHandles="1" noChangeArrowheads="1" noChangeShapeType="1"/>
-          </p:cNvCxnSpPr>
+          <p:cNvGraphicFramePr>
+            <a:graphicFrameLocks noGrp="1"/>
+          </p:cNvGraphicFramePr>
           <p:nvPr>
             <p:extLst>
-              <p:ext uri="{386F3935-93C4-4BCD-93E2-E3B085C9AB24}">
-                <p16:designElem xmlns:p16="http://schemas.microsoft.com/office/powerpoint/2015/main" val="1"/>
+              <p:ext uri="{D42A27DB-BD31-4B8C-83A1-F6EECF244321}">
+                <p14:modId xmlns:p14="http://schemas.microsoft.com/office/powerpoint/2010/main" val="2446629775"/>
               </p:ext>
             </p:extLst>
           </p:nvPr>
-        </p:nvCxnSpPr>
-        <p:spPr>
-          <a:xfrm>
-            <a:off x="800100" y="723900"/>
-            <a:ext cx="10591800" cy="0"/>
-          </a:xfrm>
-          <a:prstGeom prst="line">
-            <a:avLst/>
-          </a:prstGeom>
-          <a:ln w="44450">
-            <a:solidFill>
-              <a:schemeClr val="tx1"/>
-            </a:solidFill>
-          </a:ln>
-        </p:spPr>
-        <p:style>
-          <a:lnRef idx="1">
-            <a:schemeClr val="accent1"/>
-          </a:lnRef>
-          <a:fillRef idx="0">
-            <a:schemeClr val="accent1"/>
-          </a:fillRef>
-          <a:effectRef idx="0">
-            <a:schemeClr val="accent1"/>
-          </a:effectRef>
-          <a:fontRef idx="minor">
-            <a:schemeClr val="tx1"/>
-          </a:fontRef>
-        </p:style>
-      </p:cxnSp>
+        </p:nvGraphicFramePr>
+        <p:xfrm>
+          <a:off x="800100" y="1945639"/>
+          <a:ext cx="10303066" cy="4275971"/>
+        </p:xfrm>
+        <a:graphic>
+          <a:graphicData uri="http://schemas.openxmlformats.org/drawingml/2006/table">
+            <a:tbl>
+              <a:tblPr firstRow="1" bandRow="1">
+                <a:tableStyleId>{E8034E78-7F5D-4C2E-B375-FC64B27BC917}</a:tableStyleId>
+              </a:tblPr>
+              <a:tblGrid>
+                <a:gridCol w="3171764">
+                  <a:extLst>
+                    <a:ext uri="{9D8B030D-6E8A-4147-A177-3AD203B41FA5}">
+                      <a16:colId xmlns:a16="http://schemas.microsoft.com/office/drawing/2014/main" val="2537195031"/>
+                    </a:ext>
+                  </a:extLst>
+                </a:gridCol>
+                <a:gridCol w="1786103">
+                  <a:extLst>
+                    <a:ext uri="{9D8B030D-6E8A-4147-A177-3AD203B41FA5}">
+                      <a16:colId xmlns:a16="http://schemas.microsoft.com/office/drawing/2014/main" val="4111397826"/>
+                    </a:ext>
+                  </a:extLst>
+                </a:gridCol>
+                <a:gridCol w="1783080">
+                  <a:extLst>
+                    <a:ext uri="{9D8B030D-6E8A-4147-A177-3AD203B41FA5}">
+                      <a16:colId xmlns:a16="http://schemas.microsoft.com/office/drawing/2014/main" val="423644735"/>
+                    </a:ext>
+                  </a:extLst>
+                </a:gridCol>
+                <a:gridCol w="1783080">
+                  <a:extLst>
+                    <a:ext uri="{9D8B030D-6E8A-4147-A177-3AD203B41FA5}">
+                      <a16:colId xmlns:a16="http://schemas.microsoft.com/office/drawing/2014/main" val="1046688206"/>
+                    </a:ext>
+                  </a:extLst>
+                </a:gridCol>
+                <a:gridCol w="1779039">
+                  <a:extLst>
+                    <a:ext uri="{9D8B030D-6E8A-4147-A177-3AD203B41FA5}">
+                      <a16:colId xmlns:a16="http://schemas.microsoft.com/office/drawing/2014/main" val="3997728172"/>
+                    </a:ext>
+                  </a:extLst>
+                </a:gridCol>
+              </a:tblGrid>
+              <a:tr h="578048">
+                <a:tc>
+                  <a:txBody>
+                    <a:bodyPr/>
+                    <a:lstStyle/>
+                    <a:p>
+                      <a:pPr algn="ctr"/>
+                      <a:r>
+                        <a:rPr lang="en-US" dirty="0">
+                          <a:highlight>
+                            <a:srgbClr val="1EC7A8"/>
+                          </a:highlight>
+                        </a:rPr>
+                        <a:t>Model Type</a:t>
+                      </a:r>
+                    </a:p>
+                  </a:txBody>
+                  <a:tcPr>
+                    <a:solidFill>
+                      <a:srgbClr val="1EC7A8"/>
+                    </a:solidFill>
+                  </a:tcPr>
+                </a:tc>
+                <a:tc gridSpan="2">
+                  <a:txBody>
+                    <a:bodyPr/>
+                    <a:lstStyle/>
+                    <a:p>
+                      <a:pPr algn="ctr"/>
+                      <a:r>
+                        <a:rPr lang="en-US" dirty="0">
+                          <a:highlight>
+                            <a:srgbClr val="1EC7A8"/>
+                          </a:highlight>
+                        </a:rPr>
+                        <a:t>Body Part</a:t>
+                      </a:r>
+                    </a:p>
+                  </a:txBody>
+                  <a:tcPr>
+                    <a:solidFill>
+                      <a:srgbClr val="1EC7A8"/>
+                    </a:solidFill>
+                  </a:tcPr>
+                </a:tc>
+                <a:tc hMerge="1">
+                  <a:txBody>
+                    <a:bodyPr/>
+                    <a:lstStyle/>
+                    <a:p>
+                      <a:endParaRPr lang="en-US" dirty="0">
+                        <a:highlight>
+                          <a:srgbClr val="1EC7A8"/>
+                        </a:highlight>
+                      </a:endParaRPr>
+                    </a:p>
+                  </a:txBody>
+                  <a:tcPr>
+                    <a:solidFill>
+                      <a:srgbClr val="1EC7A8"/>
+                    </a:solidFill>
+                  </a:tcPr>
+                </a:tc>
+                <a:tc gridSpan="2">
+                  <a:txBody>
+                    <a:bodyPr/>
+                    <a:lstStyle/>
+                    <a:p>
+                      <a:pPr algn="ctr"/>
+                      <a:r>
+                        <a:rPr lang="en-US" dirty="0">
+                          <a:highlight>
+                            <a:srgbClr val="1EC7A8"/>
+                          </a:highlight>
+                        </a:rPr>
+                        <a:t>Diagnosis</a:t>
+                      </a:r>
+                    </a:p>
+                  </a:txBody>
+                  <a:tcPr>
+                    <a:solidFill>
+                      <a:srgbClr val="1EC7A8"/>
+                    </a:solidFill>
+                  </a:tcPr>
+                </a:tc>
+                <a:tc hMerge="1">
+                  <a:txBody>
+                    <a:bodyPr/>
+                    <a:lstStyle/>
+                    <a:p>
+                      <a:endParaRPr lang="en-US" dirty="0">
+                        <a:highlight>
+                          <a:srgbClr val="1EC7A8"/>
+                        </a:highlight>
+                      </a:endParaRPr>
+                    </a:p>
+                  </a:txBody>
+                  <a:tcPr>
+                    <a:solidFill>
+                      <a:srgbClr val="1EC7A8"/>
+                    </a:solidFill>
+                  </a:tcPr>
+                </a:tc>
+                <a:extLst>
+                  <a:ext uri="{0D108BD9-81ED-4DB2-BD59-A6C34878D82A}">
+                    <a16:rowId xmlns:a16="http://schemas.microsoft.com/office/drawing/2014/main" val="1975266406"/>
+                  </a:ext>
+                </a:extLst>
+              </a:tr>
+              <a:tr h="807683">
+                <a:tc>
+                  <a:txBody>
+                    <a:bodyPr/>
+                    <a:lstStyle/>
+                    <a:p>
+                      <a:endParaRPr lang="en-US" dirty="0">
+                        <a:solidFill>
+                          <a:schemeClr val="tx1"/>
+                        </a:solidFill>
+                      </a:endParaRPr>
+                    </a:p>
+                  </a:txBody>
+                  <a:tcPr/>
+                </a:tc>
+                <a:tc>
+                  <a:txBody>
+                    <a:bodyPr/>
+                    <a:lstStyle/>
+                    <a:p>
+                      <a:pPr algn="ctr"/>
+                      <a:r>
+                        <a:rPr lang="en-US" sz="1400" dirty="0">
+                          <a:solidFill>
+                            <a:schemeClr val="tx1"/>
+                          </a:solidFill>
+                        </a:rPr>
+                        <a:t>Initial Model</a:t>
+                      </a:r>
+                      <a:endParaRPr lang="en-US" dirty="0">
+                        <a:solidFill>
+                          <a:schemeClr val="tx1"/>
+                        </a:solidFill>
+                      </a:endParaRPr>
+                    </a:p>
+                  </a:txBody>
+                  <a:tcPr anchor="ctr"/>
+                </a:tc>
+                <a:tc>
+                  <a:txBody>
+                    <a:bodyPr/>
+                    <a:lstStyle/>
+                    <a:p>
+                      <a:pPr algn="ctr"/>
+                      <a:r>
+                        <a:rPr lang="en-US" sz="1400" dirty="0">
+                          <a:solidFill>
+                            <a:schemeClr val="tx1"/>
+                          </a:solidFill>
+                        </a:rPr>
+                        <a:t>Feature + Parameter Adjustment</a:t>
+                      </a:r>
+                    </a:p>
+                  </a:txBody>
+                  <a:tcPr anchor="ctr"/>
+                </a:tc>
+                <a:tc>
+                  <a:txBody>
+                    <a:bodyPr/>
+                    <a:lstStyle/>
+                    <a:p>
+                      <a:pPr algn="ctr"/>
+                      <a:r>
+                        <a:rPr lang="en-US" sz="1400" dirty="0">
+                          <a:solidFill>
+                            <a:schemeClr val="tx1"/>
+                          </a:solidFill>
+                        </a:rPr>
+                        <a:t>Initial Model</a:t>
+                      </a:r>
+                      <a:endParaRPr lang="en-US" dirty="0">
+                        <a:solidFill>
+                          <a:schemeClr val="tx1"/>
+                        </a:solidFill>
+                      </a:endParaRPr>
+                    </a:p>
+                  </a:txBody>
+                  <a:tcPr anchor="ctr"/>
+                </a:tc>
+                <a:tc>
+                  <a:txBody>
+                    <a:bodyPr/>
+                    <a:lstStyle/>
+                    <a:p>
+                      <a:pPr algn="ctr"/>
+                      <a:r>
+                        <a:rPr lang="en-US" sz="1400" dirty="0">
+                          <a:solidFill>
+                            <a:schemeClr val="tx1"/>
+                          </a:solidFill>
+                        </a:rPr>
+                        <a:t>Feature + Parameter Adjustment</a:t>
+                      </a:r>
+                    </a:p>
+                  </a:txBody>
+                  <a:tcPr anchor="ctr"/>
+                </a:tc>
+                <a:extLst>
+                  <a:ext uri="{0D108BD9-81ED-4DB2-BD59-A6C34878D82A}">
+                    <a16:rowId xmlns:a16="http://schemas.microsoft.com/office/drawing/2014/main" val="2638404948"/>
+                  </a:ext>
+                </a:extLst>
+              </a:tr>
+              <a:tr h="578048">
+                <a:tc>
+                  <a:txBody>
+                    <a:bodyPr/>
+                    <a:lstStyle/>
+                    <a:p>
+                      <a:r>
+                        <a:rPr lang="en-US" dirty="0">
+                          <a:solidFill>
+                            <a:schemeClr val="tx1"/>
+                          </a:solidFill>
+                        </a:rPr>
+                        <a:t>Random Forest</a:t>
+                      </a:r>
+                    </a:p>
+                  </a:txBody>
+                  <a:tcPr anchor="ctr"/>
+                </a:tc>
+                <a:tc>
+                  <a:txBody>
+                    <a:bodyPr/>
+                    <a:lstStyle/>
+                    <a:p>
+                      <a:pPr algn="ctr"/>
+                      <a:r>
+                        <a:rPr lang="en-US" dirty="0">
+                          <a:solidFill>
+                            <a:schemeClr val="tx1"/>
+                          </a:solidFill>
+                        </a:rPr>
+                        <a:t>42%</a:t>
+                      </a:r>
+                    </a:p>
+                  </a:txBody>
+                  <a:tcPr anchor="ctr"/>
+                </a:tc>
+                <a:tc>
+                  <a:txBody>
+                    <a:bodyPr/>
+                    <a:lstStyle/>
+                    <a:p>
+                      <a:pPr algn="ctr"/>
+                      <a:r>
+                        <a:rPr lang="en-US" dirty="0">
+                          <a:solidFill>
+                            <a:schemeClr val="tx1"/>
+                          </a:solidFill>
+                        </a:rPr>
+                        <a:t>46%</a:t>
+                      </a:r>
+                    </a:p>
+                  </a:txBody>
+                  <a:tcPr anchor="ctr"/>
+                </a:tc>
+                <a:tc>
+                  <a:txBody>
+                    <a:bodyPr/>
+                    <a:lstStyle/>
+                    <a:p>
+                      <a:pPr algn="ctr"/>
+                      <a:r>
+                        <a:rPr lang="en-US" dirty="0">
+                          <a:solidFill>
+                            <a:schemeClr val="tx1"/>
+                          </a:solidFill>
+                        </a:rPr>
+                        <a:t>54%</a:t>
+                      </a:r>
+                    </a:p>
+                  </a:txBody>
+                  <a:tcPr anchor="ctr"/>
+                </a:tc>
+                <a:tc>
+                  <a:txBody>
+                    <a:bodyPr/>
+                    <a:lstStyle/>
+                    <a:p>
+                      <a:pPr algn="ctr"/>
+                      <a:r>
+                        <a:rPr lang="en-US" dirty="0">
+                          <a:solidFill>
+                            <a:schemeClr val="tx1"/>
+                          </a:solidFill>
+                        </a:rPr>
+                        <a:t>58%</a:t>
+                      </a:r>
+                    </a:p>
+                  </a:txBody>
+                  <a:tcPr anchor="ctr"/>
+                </a:tc>
+                <a:extLst>
+                  <a:ext uri="{0D108BD9-81ED-4DB2-BD59-A6C34878D82A}">
+                    <a16:rowId xmlns:a16="http://schemas.microsoft.com/office/drawing/2014/main" val="3018788949"/>
+                  </a:ext>
+                </a:extLst>
+              </a:tr>
+              <a:tr h="578048">
+                <a:tc>
+                  <a:txBody>
+                    <a:bodyPr/>
+                    <a:lstStyle/>
+                    <a:p>
+                      <a:r>
+                        <a:rPr lang="en-US" dirty="0" err="1">
+                          <a:solidFill>
+                            <a:schemeClr val="tx1"/>
+                          </a:solidFill>
+                        </a:rPr>
+                        <a:t>XGBoost</a:t>
+                      </a:r>
+                      <a:endParaRPr lang="en-US" dirty="0">
+                        <a:solidFill>
+                          <a:schemeClr val="tx1"/>
+                        </a:solidFill>
+                      </a:endParaRPr>
+                    </a:p>
+                  </a:txBody>
+                  <a:tcPr anchor="ctr"/>
+                </a:tc>
+                <a:tc>
+                  <a:txBody>
+                    <a:bodyPr/>
+                    <a:lstStyle/>
+                    <a:p>
+                      <a:pPr algn="ctr"/>
+                      <a:r>
+                        <a:rPr lang="en-US" b="1" dirty="0">
+                          <a:solidFill>
+                            <a:schemeClr val="tx1"/>
+                          </a:solidFill>
+                        </a:rPr>
+                        <a:t>48%</a:t>
+                      </a:r>
+                    </a:p>
+                  </a:txBody>
+                  <a:tcPr anchor="ctr"/>
+                </a:tc>
+                <a:tc>
+                  <a:txBody>
+                    <a:bodyPr/>
+                    <a:lstStyle/>
+                    <a:p>
+                      <a:pPr algn="ctr"/>
+                      <a:r>
+                        <a:rPr lang="en-US" b="1" dirty="0">
+                          <a:solidFill>
+                            <a:schemeClr val="tx1"/>
+                          </a:solidFill>
+                        </a:rPr>
+                        <a:t>48%</a:t>
+                      </a:r>
+                    </a:p>
+                  </a:txBody>
+                  <a:tcPr anchor="ctr"/>
+                </a:tc>
+                <a:tc>
+                  <a:txBody>
+                    <a:bodyPr/>
+                    <a:lstStyle/>
+                    <a:p>
+                      <a:pPr algn="ctr"/>
+                      <a:r>
+                        <a:rPr lang="en-US" b="1" dirty="0">
+                          <a:solidFill>
+                            <a:schemeClr val="tx1"/>
+                          </a:solidFill>
+                        </a:rPr>
+                        <a:t>60%</a:t>
+                      </a:r>
+                    </a:p>
+                  </a:txBody>
+                  <a:tcPr anchor="ctr"/>
+                </a:tc>
+                <a:tc>
+                  <a:txBody>
+                    <a:bodyPr/>
+                    <a:lstStyle/>
+                    <a:p>
+                      <a:pPr algn="ctr"/>
+                      <a:r>
+                        <a:rPr lang="en-US" b="1" dirty="0">
+                          <a:solidFill>
+                            <a:schemeClr val="tx1"/>
+                          </a:solidFill>
+                        </a:rPr>
+                        <a:t>60%</a:t>
+                      </a:r>
+                    </a:p>
+                  </a:txBody>
+                  <a:tcPr anchor="ctr"/>
+                </a:tc>
+                <a:extLst>
+                  <a:ext uri="{0D108BD9-81ED-4DB2-BD59-A6C34878D82A}">
+                    <a16:rowId xmlns:a16="http://schemas.microsoft.com/office/drawing/2014/main" val="3122318907"/>
+                  </a:ext>
+                </a:extLst>
+              </a:tr>
+              <a:tr h="578048">
+                <a:tc>
+                  <a:txBody>
+                    <a:bodyPr/>
+                    <a:lstStyle/>
+                    <a:p>
+                      <a:r>
+                        <a:rPr lang="en-US" dirty="0" err="1">
+                          <a:solidFill>
+                            <a:schemeClr val="tx1"/>
+                          </a:solidFill>
+                        </a:rPr>
+                        <a:t>LightGBM</a:t>
+                      </a:r>
+                      <a:endParaRPr lang="en-US" dirty="0">
+                        <a:solidFill>
+                          <a:schemeClr val="tx1"/>
+                        </a:solidFill>
+                      </a:endParaRPr>
+                    </a:p>
+                  </a:txBody>
+                  <a:tcPr anchor="ctr"/>
+                </a:tc>
+                <a:tc>
+                  <a:txBody>
+                    <a:bodyPr/>
+                    <a:lstStyle/>
+                    <a:p>
+                      <a:pPr algn="ctr"/>
+                      <a:r>
+                        <a:rPr lang="en-US" dirty="0">
+                          <a:solidFill>
+                            <a:schemeClr val="tx1"/>
+                          </a:solidFill>
+                        </a:rPr>
+                        <a:t>47%</a:t>
+                      </a:r>
+                    </a:p>
+                  </a:txBody>
+                  <a:tcPr anchor="ctr"/>
+                </a:tc>
+                <a:tc>
+                  <a:txBody>
+                    <a:bodyPr/>
+                    <a:lstStyle/>
+                    <a:p>
+                      <a:pPr algn="ctr"/>
+                      <a:r>
+                        <a:rPr lang="en-US" dirty="0">
+                          <a:solidFill>
+                            <a:schemeClr val="tx1"/>
+                          </a:solidFill>
+                        </a:rPr>
+                        <a:t>45%</a:t>
+                      </a:r>
+                    </a:p>
+                  </a:txBody>
+                  <a:tcPr anchor="ctr"/>
+                </a:tc>
+                <a:tc>
+                  <a:txBody>
+                    <a:bodyPr/>
+                    <a:lstStyle/>
+                    <a:p>
+                      <a:pPr algn="ctr"/>
+                      <a:r>
+                        <a:rPr lang="en-US" dirty="0">
+                          <a:solidFill>
+                            <a:schemeClr val="tx1"/>
+                          </a:solidFill>
+                        </a:rPr>
+                        <a:t>58%</a:t>
+                      </a:r>
+                    </a:p>
+                  </a:txBody>
+                  <a:tcPr anchor="ctr"/>
+                </a:tc>
+                <a:tc>
+                  <a:txBody>
+                    <a:bodyPr/>
+                    <a:lstStyle/>
+                    <a:p>
+                      <a:pPr algn="ctr"/>
+                      <a:r>
+                        <a:rPr lang="en-US" dirty="0">
+                          <a:solidFill>
+                            <a:schemeClr val="tx1"/>
+                          </a:solidFill>
+                        </a:rPr>
+                        <a:t>52%</a:t>
+                      </a:r>
+                    </a:p>
+                  </a:txBody>
+                  <a:tcPr anchor="ctr"/>
+                </a:tc>
+                <a:extLst>
+                  <a:ext uri="{0D108BD9-81ED-4DB2-BD59-A6C34878D82A}">
+                    <a16:rowId xmlns:a16="http://schemas.microsoft.com/office/drawing/2014/main" val="940105462"/>
+                  </a:ext>
+                </a:extLst>
+              </a:tr>
+              <a:tr h="578048">
+                <a:tc>
+                  <a:txBody>
+                    <a:bodyPr/>
+                    <a:lstStyle/>
+                    <a:p>
+                      <a:r>
+                        <a:rPr lang="en-US" dirty="0" err="1">
+                          <a:solidFill>
+                            <a:schemeClr val="tx1"/>
+                          </a:solidFill>
+                        </a:rPr>
+                        <a:t>CatBoost</a:t>
+                      </a:r>
+                      <a:endParaRPr lang="en-US" dirty="0">
+                        <a:solidFill>
+                          <a:schemeClr val="tx1"/>
+                        </a:solidFill>
+                      </a:endParaRPr>
+                    </a:p>
+                  </a:txBody>
+                  <a:tcPr anchor="ctr"/>
+                </a:tc>
+                <a:tc>
+                  <a:txBody>
+                    <a:bodyPr/>
+                    <a:lstStyle/>
+                    <a:p>
+                      <a:pPr algn="ctr"/>
+                      <a:r>
+                        <a:rPr lang="en-US" dirty="0">
+                          <a:solidFill>
+                            <a:schemeClr val="tx1"/>
+                          </a:solidFill>
+                        </a:rPr>
+                        <a:t>44%</a:t>
+                      </a:r>
+                    </a:p>
+                  </a:txBody>
+                  <a:tcPr anchor="ctr"/>
+                </a:tc>
+                <a:tc>
+                  <a:txBody>
+                    <a:bodyPr/>
+                    <a:lstStyle/>
+                    <a:p>
+                      <a:pPr algn="ctr"/>
+                      <a:r>
+                        <a:rPr lang="en-US" dirty="0">
+                          <a:solidFill>
+                            <a:schemeClr val="tx1"/>
+                          </a:solidFill>
+                        </a:rPr>
+                        <a:t>45%</a:t>
+                      </a:r>
+                    </a:p>
+                  </a:txBody>
+                  <a:tcPr anchor="ctr"/>
+                </a:tc>
+                <a:tc>
+                  <a:txBody>
+                    <a:bodyPr/>
+                    <a:lstStyle/>
+                    <a:p>
+                      <a:pPr algn="ctr"/>
+                      <a:r>
+                        <a:rPr lang="en-US" dirty="0">
+                          <a:solidFill>
+                            <a:schemeClr val="tx1"/>
+                          </a:solidFill>
+                        </a:rPr>
+                        <a:t>55%</a:t>
+                      </a:r>
+                    </a:p>
+                  </a:txBody>
+                  <a:tcPr anchor="ctr"/>
+                </a:tc>
+                <a:tc>
+                  <a:txBody>
+                    <a:bodyPr/>
+                    <a:lstStyle/>
+                    <a:p>
+                      <a:pPr algn="ctr"/>
+                      <a:r>
+                        <a:rPr lang="en-US" dirty="0">
+                          <a:solidFill>
+                            <a:schemeClr val="tx1"/>
+                          </a:solidFill>
+                        </a:rPr>
+                        <a:t>59%</a:t>
+                      </a:r>
+                    </a:p>
+                  </a:txBody>
+                  <a:tcPr anchor="ctr"/>
+                </a:tc>
+                <a:extLst>
+                  <a:ext uri="{0D108BD9-81ED-4DB2-BD59-A6C34878D82A}">
+                    <a16:rowId xmlns:a16="http://schemas.microsoft.com/office/drawing/2014/main" val="2374848501"/>
+                  </a:ext>
+                </a:extLst>
+              </a:tr>
+              <a:tr h="578048">
+                <a:tc>
+                  <a:txBody>
+                    <a:bodyPr/>
+                    <a:lstStyle/>
+                    <a:p>
+                      <a:r>
+                        <a:rPr lang="en-US" dirty="0">
+                          <a:solidFill>
+                            <a:schemeClr val="tx1"/>
+                          </a:solidFill>
+                        </a:rPr>
+                        <a:t>K-Nearest Neighbor</a:t>
+                      </a:r>
+                    </a:p>
+                  </a:txBody>
+                  <a:tcPr anchor="ctr"/>
+                </a:tc>
+                <a:tc>
+                  <a:txBody>
+                    <a:bodyPr/>
+                    <a:lstStyle/>
+                    <a:p>
+                      <a:pPr algn="ctr"/>
+                      <a:r>
+                        <a:rPr lang="en-US" dirty="0">
+                          <a:solidFill>
+                            <a:schemeClr val="tx1"/>
+                          </a:solidFill>
+                        </a:rPr>
+                        <a:t>33%</a:t>
+                      </a:r>
+                    </a:p>
+                  </a:txBody>
+                  <a:tcPr anchor="ctr"/>
+                </a:tc>
+                <a:tc>
+                  <a:txBody>
+                    <a:bodyPr/>
+                    <a:lstStyle/>
+                    <a:p>
+                      <a:pPr algn="ctr"/>
+                      <a:r>
+                        <a:rPr lang="en-US" dirty="0">
+                          <a:solidFill>
+                            <a:schemeClr val="tx1"/>
+                          </a:solidFill>
+                        </a:rPr>
+                        <a:t>37%</a:t>
+                      </a:r>
+                    </a:p>
+                  </a:txBody>
+                  <a:tcPr anchor="ctr"/>
+                </a:tc>
+                <a:tc>
+                  <a:txBody>
+                    <a:bodyPr/>
+                    <a:lstStyle/>
+                    <a:p>
+                      <a:pPr algn="ctr"/>
+                      <a:r>
+                        <a:rPr lang="en-US" dirty="0">
+                          <a:solidFill>
+                            <a:schemeClr val="tx1"/>
+                          </a:solidFill>
+                        </a:rPr>
+                        <a:t>43%</a:t>
+                      </a:r>
+                    </a:p>
+                  </a:txBody>
+                  <a:tcPr anchor="ctr"/>
+                </a:tc>
+                <a:tc>
+                  <a:txBody>
+                    <a:bodyPr/>
+                    <a:lstStyle/>
+                    <a:p>
+                      <a:pPr algn="ctr"/>
+                      <a:r>
+                        <a:rPr lang="en-US" dirty="0">
+                          <a:solidFill>
+                            <a:schemeClr val="tx1"/>
+                          </a:solidFill>
+                        </a:rPr>
+                        <a:t>44%</a:t>
+                      </a:r>
+                    </a:p>
+                  </a:txBody>
+                  <a:tcPr anchor="ctr"/>
+                </a:tc>
+                <a:extLst>
+                  <a:ext uri="{0D108BD9-81ED-4DB2-BD59-A6C34878D82A}">
+                    <a16:rowId xmlns:a16="http://schemas.microsoft.com/office/drawing/2014/main" val="2334256327"/>
+                  </a:ext>
+                </a:extLst>
+              </a:tr>
+            </a:tbl>
+          </a:graphicData>
+        </a:graphic>
+      </p:graphicFrame>
+    </p:spTree>
+    <p:extLst>
+      <p:ext uri="{BB962C8B-B14F-4D97-AF65-F5344CB8AC3E}">
+        <p14:creationId xmlns:p14="http://schemas.microsoft.com/office/powerpoint/2010/main" val="422958988"/>
+      </p:ext>
+    </p:extLst>
+  </p:cSld>
+  <p:clrMapOvr>
+    <a:masterClrMapping/>
+  </p:clrMapOvr>
+</p:sld>
+</file>
+
+<file path=ppt/slides/slide9.xml><?xml version="1.0" encoding="utf-8"?>
+<p:sld xmlns:a="http://schemas.openxmlformats.org/drawingml/2006/main" xmlns:r="http://schemas.openxmlformats.org/officeDocument/2006/relationships" xmlns:p="http://schemas.openxmlformats.org/presentationml/2006/main">
+  <p:cSld>
+    <p:spTree>
+      <p:nvGrpSpPr>
+        <p:cNvPr id="1" name=""/>
+        <p:cNvGrpSpPr/>
+        <p:nvPr/>
+      </p:nvGrpSpPr>
+      <p:grpSpPr>
+        <a:xfrm>
+          <a:off x="0" y="0"/>
+          <a:ext cx="0" cy="0"/>
+          <a:chOff x="0" y="0"/>
+          <a:chExt cx="0" cy="0"/>
+        </a:xfrm>
+      </p:grpSpPr>
       <p:sp>
         <p:nvSpPr>
-          <p:cNvPr id="3" name="Content Placeholder 2">
+          <p:cNvPr id="2" name="Title 1">
             <a:extLst>
               <a:ext uri="{FF2B5EF4-FFF2-40B4-BE49-F238E27FC236}">
-                <a16:creationId xmlns:a16="http://schemas.microsoft.com/office/drawing/2014/main" id="{29ECC323-5C3A-D807-556C-5F472735EB6B}"/>
+                <a16:creationId xmlns:a16="http://schemas.microsoft.com/office/drawing/2014/main" id="{1FF8C228-A8F8-D113-44A1-B87A1289EDF2}"/>
               </a:ext>
             </a:extLst>
           </p:cNvPr>
@@ -15227,81 +19026,181 @@
             <a:spLocks noGrp="1"/>
           </p:cNvSpPr>
           <p:nvPr>
-            <p:ph idx="1"/>
+            <p:ph type="title"/>
           </p:nvPr>
+        </p:nvSpPr>
+        <p:spPr/>
+        <p:txBody>
+          <a:bodyPr/>
+          <a:lstStyle/>
+          <a:p>
+            <a:r>
+              <a:rPr lang="en-US" dirty="0"/>
+              <a:t>Deeper dive – </a:t>
+            </a:r>
+            <a:r>
+              <a:rPr lang="en-US" dirty="0" err="1"/>
+              <a:t>xgboost</a:t>
+            </a:r>
+            <a:r>
+              <a:rPr lang="en-US" dirty="0"/>
+              <a:t> model</a:t>
+            </a:r>
+          </a:p>
+        </p:txBody>
+      </p:sp>
+      <p:sp>
+        <p:nvSpPr>
+          <p:cNvPr id="8" name="TextBox 7">
+            <a:extLst>
+              <a:ext uri="{FF2B5EF4-FFF2-40B4-BE49-F238E27FC236}">
+                <a16:creationId xmlns:a16="http://schemas.microsoft.com/office/drawing/2014/main" id="{4B45A6C9-B24D-4A34-3A0A-C970BC709832}"/>
+              </a:ext>
+            </a:extLst>
+          </p:cNvPr>
+          <p:cNvSpPr txBox="1"/>
+          <p:nvPr/>
         </p:nvSpPr>
         <p:spPr>
           <a:xfrm>
-            <a:off x="700635" y="1645997"/>
-            <a:ext cx="10691265" cy="4283217"/>
+            <a:off x="785833" y="1607611"/>
+            <a:ext cx="4329112" cy="338554"/>
           </a:xfrm>
+          <a:prstGeom prst="rect">
+            <a:avLst/>
+          </a:prstGeom>
+          <a:solidFill>
+            <a:srgbClr val="1EC7A8"/>
+          </a:solidFill>
         </p:spPr>
         <p:txBody>
-          <a:bodyPr>
-            <a:normAutofit/>
+          <a:bodyPr wrap="square" rtlCol="0">
+            <a:spAutoFit/>
           </a:bodyPr>
           <a:lstStyle/>
           <a:p>
-            <a:endParaRPr lang="en-US" dirty="0"/>
+            <a:pPr algn="ctr"/>
+            <a:r>
+              <a:rPr lang="en-US" sz="1600" b="1" i="1" dirty="0">
+                <a:solidFill>
+                  <a:schemeClr val="bg2">
+                    <a:lumMod val="25000"/>
+                  </a:schemeClr>
+                </a:solidFill>
+              </a:rPr>
+              <a:t>Diagnosis – Classification Report</a:t>
+            </a:r>
           </a:p>
         </p:txBody>
       </p:sp>
-      <p:cxnSp>
-        <p:nvCxnSpPr>
-          <p:cNvPr id="23" name="Straight Connector 22">
+      <p:sp>
+        <p:nvSpPr>
+          <p:cNvPr id="11" name="TextBox 10">
             <a:extLst>
               <a:ext uri="{FF2B5EF4-FFF2-40B4-BE49-F238E27FC236}">
-                <a16:creationId xmlns:a16="http://schemas.microsoft.com/office/drawing/2014/main" id="{18B100A6-1EBC-40AB-BB7E-26807F3CFC31}"/>
-              </a:ext>
-              <a:ext uri="{C183D7F6-B498-43B3-948B-1728B52AA6E4}">
-                <adec:decorative xmlns:adec="http://schemas.microsoft.com/office/drawing/2017/decorative" val="1"/>
+                <a16:creationId xmlns:a16="http://schemas.microsoft.com/office/drawing/2014/main" id="{08767137-B697-A013-B6FC-4510008F933C}"/>
               </a:ext>
             </a:extLst>
           </p:cNvPr>
-          <p:cNvCxnSpPr>
-            <a:cxnSpLocks noGrp="1" noRot="1" noChangeAspect="1" noMove="1" noResize="1" noEditPoints="1" noAdjustHandles="1" noChangeArrowheads="1" noChangeShapeType="1"/>
-          </p:cNvCxnSpPr>
-          <p:nvPr>
-            <p:extLst>
-              <p:ext uri="{386F3935-93C4-4BCD-93E2-E3B085C9AB24}">
-                <p16:designElem xmlns:p16="http://schemas.microsoft.com/office/powerpoint/2015/main" val="1"/>
-              </p:ext>
-            </p:extLst>
-          </p:nvPr>
-        </p:nvCxnSpPr>
+          <p:cNvSpPr txBox="1"/>
+          <p:nvPr/>
+        </p:nvSpPr>
         <p:spPr>
           <a:xfrm>
-            <a:off x="800100" y="6142781"/>
-            <a:ext cx="10591800" cy="0"/>
+            <a:off x="6868274" y="1601791"/>
+            <a:ext cx="4329112" cy="338554"/>
           </a:xfrm>
-          <a:prstGeom prst="line">
+          <a:prstGeom prst="rect">
             <a:avLst/>
           </a:prstGeom>
-          <a:ln w="12700">
-            <a:solidFill>
-              <a:schemeClr val="tx1"/>
-            </a:solidFill>
-          </a:ln>
+          <a:solidFill>
+            <a:srgbClr val="1EC7A8"/>
+          </a:solidFill>
         </p:spPr>
-        <p:style>
-          <a:lnRef idx="1">
-            <a:schemeClr val="accent1"/>
-          </a:lnRef>
-          <a:fillRef idx="0">
-            <a:schemeClr val="accent1"/>
-          </a:fillRef>
-          <a:effectRef idx="0">
-            <a:schemeClr val="accent1"/>
-          </a:effectRef>
-          <a:fontRef idx="minor">
-            <a:schemeClr val="tx1"/>
-          </a:fontRef>
-        </p:style>
-      </p:cxnSp>
+        <p:txBody>
+          <a:bodyPr wrap="square" rtlCol="0">
+            <a:spAutoFit/>
+          </a:bodyPr>
+          <a:lstStyle/>
+          <a:p>
+            <a:pPr algn="ctr"/>
+            <a:r>
+              <a:rPr lang="en-US" sz="1600" b="1" i="1" dirty="0">
+                <a:solidFill>
+                  <a:schemeClr val="bg2">
+                    <a:lumMod val="25000"/>
+                  </a:schemeClr>
+                </a:solidFill>
+              </a:rPr>
+              <a:t>Body Part – Classification Report</a:t>
+            </a:r>
+          </a:p>
+        </p:txBody>
+      </p:sp>
+      <p:pic>
+        <p:nvPicPr>
+          <p:cNvPr id="13" name="Picture 12">
+            <a:extLst>
+              <a:ext uri="{FF2B5EF4-FFF2-40B4-BE49-F238E27FC236}">
+                <a16:creationId xmlns:a16="http://schemas.microsoft.com/office/drawing/2014/main" id="{FC77EC27-C046-D68F-8F18-3A6142E2E9CB}"/>
+              </a:ext>
+            </a:extLst>
+          </p:cNvPr>
+          <p:cNvPicPr>
+            <a:picLocks noChangeAspect="1"/>
+          </p:cNvPicPr>
+          <p:nvPr/>
+        </p:nvPicPr>
+        <p:blipFill>
+          <a:blip r:embed="rId3"/>
+          <a:stretch>
+            <a:fillRect/>
+          </a:stretch>
+        </p:blipFill>
+        <p:spPr>
+          <a:xfrm>
+            <a:off x="790574" y="1971675"/>
+            <a:ext cx="4319593" cy="4809744"/>
+          </a:xfrm>
+          <a:prstGeom prst="rect">
+            <a:avLst/>
+          </a:prstGeom>
+        </p:spPr>
+      </p:pic>
+      <p:pic>
+        <p:nvPicPr>
+          <p:cNvPr id="15" name="Picture 14">
+            <a:extLst>
+              <a:ext uri="{FF2B5EF4-FFF2-40B4-BE49-F238E27FC236}">
+                <a16:creationId xmlns:a16="http://schemas.microsoft.com/office/drawing/2014/main" id="{2F8B1B1E-322C-6DA9-388A-FB1B850F7E24}"/>
+              </a:ext>
+            </a:extLst>
+          </p:cNvPr>
+          <p:cNvPicPr>
+            <a:picLocks noChangeAspect="1"/>
+          </p:cNvPicPr>
+          <p:nvPr/>
+        </p:nvPicPr>
+        <p:blipFill>
+          <a:blip r:embed="rId4"/>
+          <a:stretch>
+            <a:fillRect/>
+          </a:stretch>
+        </p:blipFill>
+        <p:spPr>
+          <a:xfrm>
+            <a:off x="6882781" y="1971675"/>
+            <a:ext cx="4314605" cy="4809744"/>
+          </a:xfrm>
+          <a:prstGeom prst="rect">
+            <a:avLst/>
+          </a:prstGeom>
+        </p:spPr>
+      </p:pic>
     </p:spTree>
     <p:extLst>
       <p:ext uri="{BB962C8B-B14F-4D97-AF65-F5344CB8AC3E}">
-        <p14:creationId xmlns:p14="http://schemas.microsoft.com/office/powerpoint/2010/main" val="1392788701"/>
+        <p14:creationId xmlns:p14="http://schemas.microsoft.com/office/powerpoint/2010/main" val="723747569"/>
       </p:ext>
     </p:extLst>
   </p:cSld>

--- a/docs/Final_Presentation - Predictive Analysis for Injury Diagnosis and Localization.pptx
+++ b/docs/Final_Presentation - Predictive Analysis for Injury Diagnosis and Localization.pptx
@@ -130,7 +130,7 @@
 <file path=ppt/revisionInfo.xml><?xml version="1.0" encoding="utf-8"?>
 <p1510:revInfo xmlns:a="http://schemas.openxmlformats.org/drawingml/2006/main" xmlns:r="http://schemas.openxmlformats.org/officeDocument/2006/relationships" xmlns:p1510="http://schemas.microsoft.com/office/powerpoint/2015/10/main">
   <p1510:revLst>
-    <p1510:client id="{159694CD-AE90-465E-8772-80DAF94E410A}" v="760" dt="2023-11-14T22:28:47.410"/>
+    <p1510:client id="{159694CD-AE90-465E-8772-80DAF94E410A}" v="763" dt="2023-12-08T21:15:25.267"/>
   </p1510:revLst>
 </p1510:revInfo>
 </file>
@@ -140,7 +140,7 @@
   <pc:docChgLst>
     <pc:chgData name="Whittington, Michael" userId="3d673bd4-8b87-474b-9206-0e4e7b47c529" providerId="ADAL" clId="{159694CD-AE90-465E-8772-80DAF94E410A}"/>
     <pc:docChg chg="undo custSel addSld delSld modSld sldOrd">
-      <pc:chgData name="Whittington, Michael" userId="3d673bd4-8b87-474b-9206-0e4e7b47c529" providerId="ADAL" clId="{159694CD-AE90-465E-8772-80DAF94E410A}" dt="2023-11-15T01:44:39.218" v="5197" actId="20577"/>
+      <pc:chgData name="Whittington, Michael" userId="3d673bd4-8b87-474b-9206-0e4e7b47c529" providerId="ADAL" clId="{159694CD-AE90-465E-8772-80DAF94E410A}" dt="2023-12-08T21:15:25.266" v="5252" actId="5736"/>
       <pc:docMkLst>
         <pc:docMk/>
       </pc:docMkLst>
@@ -228,7 +228,7 @@
         </pc:graphicFrameChg>
       </pc:sldChg>
       <pc:sldChg chg="addSp delSp modSp mod">
-        <pc:chgData name="Whittington, Michael" userId="3d673bd4-8b87-474b-9206-0e4e7b47c529" providerId="ADAL" clId="{159694CD-AE90-465E-8772-80DAF94E410A}" dt="2023-11-15T01:40:29.744" v="5196" actId="20577"/>
+        <pc:chgData name="Whittington, Michael" userId="3d673bd4-8b87-474b-9206-0e4e7b47c529" providerId="ADAL" clId="{159694CD-AE90-465E-8772-80DAF94E410A}" dt="2023-12-03T16:59:18.581" v="5229" actId="14100"/>
         <pc:sldMkLst>
           <pc:docMk/>
           <pc:sldMk cId="2901597915" sldId="263"/>
@@ -290,7 +290,7 @@
           </ac:spMkLst>
         </pc:spChg>
         <pc:spChg chg="add mod">
-          <ac:chgData name="Whittington, Michael" userId="3d673bd4-8b87-474b-9206-0e4e7b47c529" providerId="ADAL" clId="{159694CD-AE90-465E-8772-80DAF94E410A}" dt="2023-11-15T01:40:29.744" v="5196" actId="20577"/>
+          <ac:chgData name="Whittington, Michael" userId="3d673bd4-8b87-474b-9206-0e4e7b47c529" providerId="ADAL" clId="{159694CD-AE90-465E-8772-80DAF94E410A}" dt="2023-12-03T16:59:18.581" v="5229" actId="14100"/>
           <ac:spMkLst>
             <pc:docMk/>
             <pc:sldMk cId="2901597915" sldId="263"/>
@@ -552,7 +552,7 @@
         </pc:picChg>
       </pc:sldChg>
       <pc:sldChg chg="addSp delSp modSp new mod ord">
-        <pc:chgData name="Whittington, Michael" userId="3d673bd4-8b87-474b-9206-0e4e7b47c529" providerId="ADAL" clId="{159694CD-AE90-465E-8772-80DAF94E410A}" dt="2023-11-14T18:10:41.532" v="3325" actId="20577"/>
+        <pc:chgData name="Whittington, Michael" userId="3d673bd4-8b87-474b-9206-0e4e7b47c529" providerId="ADAL" clId="{159694CD-AE90-465E-8772-80DAF94E410A}" dt="2023-12-08T21:15:25.266" v="5252" actId="5736"/>
         <pc:sldMkLst>
           <pc:docMk/>
           <pc:sldMk cId="422958988" sldId="267"/>
@@ -574,7 +574,7 @@
           </ac:spMkLst>
         </pc:spChg>
         <pc:graphicFrameChg chg="add mod modGraphic">
-          <ac:chgData name="Whittington, Michael" userId="3d673bd4-8b87-474b-9206-0e4e7b47c529" providerId="ADAL" clId="{159694CD-AE90-465E-8772-80DAF94E410A}" dt="2023-11-14T18:10:41.532" v="3325" actId="20577"/>
+          <ac:chgData name="Whittington, Michael" userId="3d673bd4-8b87-474b-9206-0e4e7b47c529" providerId="ADAL" clId="{159694CD-AE90-465E-8772-80DAF94E410A}" dt="2023-12-08T21:15:25.266" v="5252" actId="5736"/>
           <ac:graphicFrameMkLst>
             <pc:docMk/>
             <pc:sldMk cId="422958988" sldId="267"/>
@@ -684,7 +684,7 @@
         </pc:spChg>
       </pc:sldChg>
       <pc:sldChg chg="addSp delSp modSp add mod modNotesTx">
-        <pc:chgData name="Whittington, Michael" userId="3d673bd4-8b87-474b-9206-0e4e7b47c529" providerId="ADAL" clId="{159694CD-AE90-465E-8772-80DAF94E410A}" dt="2023-11-14T22:28:22.226" v="4256" actId="20577"/>
+        <pc:chgData name="Whittington, Michael" userId="3d673bd4-8b87-474b-9206-0e4e7b47c529" providerId="ADAL" clId="{159694CD-AE90-465E-8772-80DAF94E410A}" dt="2023-12-08T20:57:34.193" v="5235" actId="1076"/>
         <pc:sldMkLst>
           <pc:docMk/>
           <pc:sldMk cId="321617598" sldId="269"/>
@@ -706,7 +706,15 @@
           </ac:spMkLst>
         </pc:spChg>
         <pc:picChg chg="add mod">
-          <ac:chgData name="Whittington, Michael" userId="3d673bd4-8b87-474b-9206-0e4e7b47c529" providerId="ADAL" clId="{159694CD-AE90-465E-8772-80DAF94E410A}" dt="2023-11-14T18:40:41.655" v="3526" actId="1076"/>
+          <ac:chgData name="Whittington, Michael" userId="3d673bd4-8b87-474b-9206-0e4e7b47c529" providerId="ADAL" clId="{159694CD-AE90-465E-8772-80DAF94E410A}" dt="2023-12-08T20:57:34.193" v="5235" actId="1076"/>
+          <ac:picMkLst>
+            <pc:docMk/>
+            <pc:sldMk cId="321617598" sldId="269"/>
+            <ac:picMk id="4" creationId="{0EC6AA71-FC5F-481A-FF4B-6EE093BACE28}"/>
+          </ac:picMkLst>
+        </pc:picChg>
+        <pc:picChg chg="add del mod">
+          <ac:chgData name="Whittington, Michael" userId="3d673bd4-8b87-474b-9206-0e4e7b47c529" providerId="ADAL" clId="{159694CD-AE90-465E-8772-80DAF94E410A}" dt="2023-12-08T20:57:25.464" v="5234" actId="478"/>
           <ac:picMkLst>
             <pc:docMk/>
             <pc:sldMk cId="321617598" sldId="269"/>
@@ -715,7 +723,7 @@
         </pc:picChg>
       </pc:sldChg>
       <pc:sldChg chg="addSp delSp modSp add mod modNotesTx">
-        <pc:chgData name="Whittington, Michael" userId="3d673bd4-8b87-474b-9206-0e4e7b47c529" providerId="ADAL" clId="{159694CD-AE90-465E-8772-80DAF94E410A}" dt="2023-11-14T22:32:21.364" v="4659" actId="20577"/>
+        <pc:chgData name="Whittington, Michael" userId="3d673bd4-8b87-474b-9206-0e4e7b47c529" providerId="ADAL" clId="{159694CD-AE90-465E-8772-80DAF94E410A}" dt="2023-12-08T20:58:30.491" v="5251" actId="1035"/>
         <pc:sldMkLst>
           <pc:docMk/>
           <pc:sldMk cId="4041299858" sldId="270"/>
@@ -728,12 +736,20 @@
             <ac:spMk id="2" creationId="{1FF8C228-A8F8-D113-44A1-B87A1289EDF2}"/>
           </ac:spMkLst>
         </pc:spChg>
-        <pc:picChg chg="add mod">
-          <ac:chgData name="Whittington, Michael" userId="3d673bd4-8b87-474b-9206-0e4e7b47c529" providerId="ADAL" clId="{159694CD-AE90-465E-8772-80DAF94E410A}" dt="2023-11-14T22:29:50.925" v="4288" actId="1076"/>
+        <pc:picChg chg="add del mod">
+          <ac:chgData name="Whittington, Michael" userId="3d673bd4-8b87-474b-9206-0e4e7b47c529" providerId="ADAL" clId="{159694CD-AE90-465E-8772-80DAF94E410A}" dt="2023-12-08T20:58:05.918" v="5240" actId="478"/>
           <ac:picMkLst>
             <pc:docMk/>
             <pc:sldMk cId="4041299858" sldId="270"/>
             <ac:picMk id="4" creationId="{970D84C2-E837-9397-0C43-8BD6EC8262B0}"/>
+          </ac:picMkLst>
+        </pc:picChg>
+        <pc:picChg chg="add mod">
+          <ac:chgData name="Whittington, Michael" userId="3d673bd4-8b87-474b-9206-0e4e7b47c529" providerId="ADAL" clId="{159694CD-AE90-465E-8772-80DAF94E410A}" dt="2023-12-08T20:58:30.491" v="5251" actId="1035"/>
+          <ac:picMkLst>
+            <pc:docMk/>
+            <pc:sldMk cId="4041299858" sldId="270"/>
+            <ac:picMk id="5" creationId="{185E2637-18E1-2574-1A46-B5241BCB4A04}"/>
           </ac:picMkLst>
         </pc:picChg>
         <pc:picChg chg="del">
@@ -4702,7 +4718,7 @@
           <a:p>
             <a:fld id="{14043352-ACAB-444E-9784-5229AE0B935B}" type="datetimeFigureOut">
               <a:rPr lang="en-US" smtClean="0"/>
-              <a:t>11/4/2023</a:t>
+              <a:t>11/29/2023</a:t>
             </a:fld>
             <a:endParaRPr lang="en-US"/>
           </a:p>
@@ -6552,7 +6568,7 @@
           <a:p>
             <a:fld id="{2F3E8B1C-86EF-43CF-8304-249481088644}" type="datetimeFigureOut">
               <a:rPr lang="en-US" smtClean="0"/>
-              <a:t>11/4/2023</a:t>
+              <a:t>11/29/2023</a:t>
             </a:fld>
             <a:endParaRPr lang="en-US"/>
           </a:p>
@@ -6750,7 +6766,7 @@
           <a:p>
             <a:fld id="{2F3E8B1C-86EF-43CF-8304-249481088644}" type="datetimeFigureOut">
               <a:rPr lang="en-US" smtClean="0"/>
-              <a:t>11/4/2023</a:t>
+              <a:t>11/29/2023</a:t>
             </a:fld>
             <a:endParaRPr lang="en-US"/>
           </a:p>
@@ -6958,7 +6974,7 @@
           <a:p>
             <a:fld id="{2F3E8B1C-86EF-43CF-8304-249481088644}" type="datetimeFigureOut">
               <a:rPr lang="en-US" smtClean="0"/>
-              <a:t>11/4/2023</a:t>
+              <a:t>11/29/2023</a:t>
             </a:fld>
             <a:endParaRPr lang="en-US"/>
           </a:p>
@@ -7156,7 +7172,7 @@
           <a:p>
             <a:fld id="{2F3E8B1C-86EF-43CF-8304-249481088644}" type="datetimeFigureOut">
               <a:rPr lang="en-US" smtClean="0"/>
-              <a:t>11/4/2023</a:t>
+              <a:t>11/29/2023</a:t>
             </a:fld>
             <a:endParaRPr lang="en-US"/>
           </a:p>
@@ -7431,7 +7447,7 @@
           <a:p>
             <a:fld id="{2F3E8B1C-86EF-43CF-8304-249481088644}" type="datetimeFigureOut">
               <a:rPr lang="en-US" smtClean="0"/>
-              <a:t>11/4/2023</a:t>
+              <a:t>11/29/2023</a:t>
             </a:fld>
             <a:endParaRPr lang="en-US"/>
           </a:p>
@@ -7701,7 +7717,7 @@
           <a:p>
             <a:fld id="{2F3E8B1C-86EF-43CF-8304-249481088644}" type="datetimeFigureOut">
               <a:rPr lang="en-US" smtClean="0"/>
-              <a:t>11/4/2023</a:t>
+              <a:t>11/29/2023</a:t>
             </a:fld>
             <a:endParaRPr lang="en-US"/>
           </a:p>
@@ -8121,7 +8137,7 @@
           <a:p>
             <a:fld id="{2F3E8B1C-86EF-43CF-8304-249481088644}" type="datetimeFigureOut">
               <a:rPr lang="en-US" smtClean="0"/>
-              <a:t>11/4/2023</a:t>
+              <a:t>11/29/2023</a:t>
             </a:fld>
             <a:endParaRPr lang="en-US"/>
           </a:p>
@@ -8262,7 +8278,7 @@
           <a:p>
             <a:fld id="{2F3E8B1C-86EF-43CF-8304-249481088644}" type="datetimeFigureOut">
               <a:rPr lang="en-US" smtClean="0"/>
-              <a:t>11/4/2023</a:t>
+              <a:t>11/29/2023</a:t>
             </a:fld>
             <a:endParaRPr lang="en-US"/>
           </a:p>
@@ -8375,7 +8391,7 @@
           <a:p>
             <a:fld id="{2F3E8B1C-86EF-43CF-8304-249481088644}" type="datetimeFigureOut">
               <a:rPr lang="en-US" smtClean="0"/>
-              <a:t>11/4/2023</a:t>
+              <a:t>11/29/2023</a:t>
             </a:fld>
             <a:endParaRPr lang="en-US"/>
           </a:p>
@@ -8686,7 +8702,7 @@
           <a:p>
             <a:fld id="{2F3E8B1C-86EF-43CF-8304-249481088644}" type="datetimeFigureOut">
               <a:rPr lang="en-US" smtClean="0"/>
-              <a:t>11/4/2023</a:t>
+              <a:t>11/29/2023</a:t>
             </a:fld>
             <a:endParaRPr lang="en-US"/>
           </a:p>
@@ -8974,7 +8990,7 @@
           <a:p>
             <a:fld id="{2F3E8B1C-86EF-43CF-8304-249481088644}" type="datetimeFigureOut">
               <a:rPr lang="en-US" smtClean="0"/>
-              <a:t>11/4/2023</a:t>
+              <a:t>11/29/2023</a:t>
             </a:fld>
             <a:endParaRPr lang="en-US"/>
           </a:p>
@@ -9215,7 +9231,7 @@
             <a:fld id="{2F3E8B1C-86EF-43CF-8304-249481088644}" type="datetimeFigureOut">
               <a:rPr lang="en-US" smtClean="0"/>
               <a:pPr/>
-              <a:t>11/4/2023</a:t>
+              <a:t>11/29/2023</a:t>
             </a:fld>
             <a:endParaRPr lang="en-US" dirty="0"/>
           </a:p>
@@ -10083,10 +10099,10 @@
       </p:sp>
       <p:pic>
         <p:nvPicPr>
-          <p:cNvPr id="5" name="Picture 4" descr="Chart&#10;&#10;Description automatically generated">
+          <p:cNvPr id="4" name="Picture 3" descr="A picture containing chart&#10;&#10;Description automatically generated">
             <a:extLst>
               <a:ext uri="{FF2B5EF4-FFF2-40B4-BE49-F238E27FC236}">
-                <a16:creationId xmlns:a16="http://schemas.microsoft.com/office/drawing/2014/main" id="{BC2A44AE-CC3C-53E6-4F1F-E795C77A9072}"/>
+                <a16:creationId xmlns:a16="http://schemas.microsoft.com/office/drawing/2014/main" id="{0EC6AA71-FC5F-481A-FF4B-6EE093BACE28}"/>
               </a:ext>
             </a:extLst>
           </p:cNvPr>
@@ -10109,8 +10125,8 @@
         </p:blipFill>
         <p:spPr>
           <a:xfrm>
-            <a:off x="128588" y="1795263"/>
-            <a:ext cx="12006262" cy="4062611"/>
+            <a:off x="0" y="1880073"/>
+            <a:ext cx="12192000" cy="3816816"/>
           </a:xfrm>
           <a:prstGeom prst="rect">
             <a:avLst/>
@@ -10185,10 +10201,10 @@
       </p:sp>
       <p:pic>
         <p:nvPicPr>
-          <p:cNvPr id="4" name="Picture 3" descr="Chart&#10;&#10;Description automatically generated">
+          <p:cNvPr id="5" name="Picture 4" descr="Chart&#10;&#10;Description automatically generated with low confidence">
             <a:extLst>
               <a:ext uri="{FF2B5EF4-FFF2-40B4-BE49-F238E27FC236}">
-                <a16:creationId xmlns:a16="http://schemas.microsoft.com/office/drawing/2014/main" id="{970D84C2-E837-9397-0C43-8BD6EC8262B0}"/>
+                <a16:creationId xmlns:a16="http://schemas.microsoft.com/office/drawing/2014/main" id="{185E2637-18E1-2574-1A46-B5241BCB4A04}"/>
               </a:ext>
             </a:extLst>
           </p:cNvPr>
@@ -10211,8 +10227,8 @@
         </p:blipFill>
         <p:spPr>
           <a:xfrm>
-            <a:off x="185738" y="1875968"/>
-            <a:ext cx="12006262" cy="4059936"/>
+            <a:off x="0" y="1891398"/>
+            <a:ext cx="12192000" cy="3816816"/>
           </a:xfrm>
           <a:prstGeom prst="rect">
             <a:avLst/>
@@ -18127,7 +18143,7 @@
         <p:spPr>
           <a:xfrm>
             <a:off x="800100" y="6329907"/>
-            <a:ext cx="7771661" cy="369332"/>
+            <a:ext cx="10267950" cy="369332"/>
           </a:xfrm>
           <a:prstGeom prst="rect">
             <a:avLst/>
@@ -18142,7 +18158,7 @@
           <a:p>
             <a:r>
               <a:rPr lang="en-US" dirty="0"/>
-              <a:t>Other Models Tested: Support Vector Machine (SVM), Decision Trees, etc. </a:t>
+              <a:t>Other Models Tested: Support Vector Machine (SVM), Decision Trees, Logistic Regression, etc. </a:t>
             </a:r>
           </a:p>
         </p:txBody>
@@ -18220,7 +18236,7 @@
           <p:nvPr>
             <p:extLst>
               <p:ext uri="{D42A27DB-BD31-4B8C-83A1-F6EECF244321}">
-                <p14:modId xmlns:p14="http://schemas.microsoft.com/office/powerpoint/2010/main" val="2446629775"/>
+                <p14:modId xmlns:p14="http://schemas.microsoft.com/office/powerpoint/2010/main" val="3664160509"/>
               </p:ext>
             </p:extLst>
           </p:nvPr>

--- a/docs/Final_Presentation - Predictive Analysis for Injury Diagnosis and Localization.pptx
+++ b/docs/Final_Presentation - Predictive Analysis for Injury Diagnosis and Localization.pptx
@@ -130,7 +130,7 @@
 <file path=ppt/revisionInfo.xml><?xml version="1.0" encoding="utf-8"?>
 <p1510:revInfo xmlns:a="http://schemas.openxmlformats.org/drawingml/2006/main" xmlns:r="http://schemas.openxmlformats.org/officeDocument/2006/relationships" xmlns:p1510="http://schemas.microsoft.com/office/powerpoint/2015/10/main">
   <p1510:revLst>
-    <p1510:client id="{159694CD-AE90-465E-8772-80DAF94E410A}" v="763" dt="2023-12-08T21:15:25.267"/>
+    <p1510:client id="{159694CD-AE90-465E-8772-80DAF94E410A}" v="764" dt="2023-12-15T18:22:09.355"/>
   </p1510:revLst>
 </p1510:revInfo>
 </file>
@@ -140,7 +140,7 @@
   <pc:docChgLst>
     <pc:chgData name="Whittington, Michael" userId="3d673bd4-8b87-474b-9206-0e4e7b47c529" providerId="ADAL" clId="{159694CD-AE90-465E-8772-80DAF94E410A}"/>
     <pc:docChg chg="undo custSel addSld delSld modSld sldOrd">
-      <pc:chgData name="Whittington, Michael" userId="3d673bd4-8b87-474b-9206-0e4e7b47c529" providerId="ADAL" clId="{159694CD-AE90-465E-8772-80DAF94E410A}" dt="2023-12-08T21:15:25.266" v="5252" actId="5736"/>
+      <pc:chgData name="Whittington, Michael" userId="3d673bd4-8b87-474b-9206-0e4e7b47c529" providerId="ADAL" clId="{159694CD-AE90-465E-8772-80DAF94E410A}" dt="2023-12-15T18:22:21.190" v="5317" actId="1076"/>
       <pc:docMkLst>
         <pc:docMk/>
       </pc:docMkLst>
@@ -199,7 +199,7 @@
         </pc:graphicFrameChg>
       </pc:sldChg>
       <pc:sldChg chg="modNotesTx">
-        <pc:chgData name="Whittington, Michael" userId="3d673bd4-8b87-474b-9206-0e4e7b47c529" providerId="ADAL" clId="{159694CD-AE90-465E-8772-80DAF94E410A}" dt="2023-11-11T17:23:55.637" v="1501" actId="20577"/>
+        <pc:chgData name="Whittington, Michael" userId="3d673bd4-8b87-474b-9206-0e4e7b47c529" providerId="ADAL" clId="{159694CD-AE90-465E-8772-80DAF94E410A}" dt="2023-12-14T03:29:13.200" v="5254" actId="20577"/>
         <pc:sldMkLst>
           <pc:docMk/>
           <pc:sldMk cId="3134596134" sldId="258"/>
@@ -417,7 +417,7 @@
         </pc:sldMkLst>
       </pc:sldChg>
       <pc:sldChg chg="addSp delSp modSp add mod ord modNotesTx">
-        <pc:chgData name="Whittington, Michael" userId="3d673bd4-8b87-474b-9206-0e4e7b47c529" providerId="ADAL" clId="{159694CD-AE90-465E-8772-80DAF94E410A}" dt="2023-11-14T22:07:04.138" v="3938" actId="20577"/>
+        <pc:chgData name="Whittington, Michael" userId="3d673bd4-8b87-474b-9206-0e4e7b47c529" providerId="ADAL" clId="{159694CD-AE90-465E-8772-80DAF94E410A}" dt="2023-12-15T18:22:21.190" v="5317" actId="1076"/>
         <pc:sldMkLst>
           <pc:docMk/>
           <pc:sldMk cId="1235301227" sldId="266"/>
@@ -470,6 +470,14 @@
             <ac:spMk id="33" creationId="{B2254809-FC64-628B-E3B3-946A8638256A}"/>
           </ac:spMkLst>
         </pc:spChg>
+        <pc:picChg chg="add mod">
+          <ac:chgData name="Whittington, Michael" userId="3d673bd4-8b87-474b-9206-0e4e7b47c529" providerId="ADAL" clId="{159694CD-AE90-465E-8772-80DAF94E410A}" dt="2023-12-15T18:22:21.190" v="5317" actId="1076"/>
+          <ac:picMkLst>
+            <pc:docMk/>
+            <pc:sldMk cId="1235301227" sldId="266"/>
+            <ac:picMk id="4" creationId="{D5DF3327-EBB8-A6E5-369C-01AF2F0F1103}"/>
+          </ac:picMkLst>
+        </pc:picChg>
         <pc:picChg chg="add del mod">
           <ac:chgData name="Whittington, Michael" userId="3d673bd4-8b87-474b-9206-0e4e7b47c529" providerId="ADAL" clId="{159694CD-AE90-465E-8772-80DAF94E410A}" dt="2023-11-04T19:23:57.317" v="20" actId="478"/>
           <ac:picMkLst>
@@ -478,8 +486,8 @@
             <ac:picMk id="4" creationId="{E79519CD-4482-67FC-9073-1B06F9330BDE}"/>
           </ac:picMkLst>
         </pc:picChg>
-        <pc:picChg chg="add mod">
-          <ac:chgData name="Whittington, Michael" userId="3d673bd4-8b87-474b-9206-0e4e7b47c529" providerId="ADAL" clId="{159694CD-AE90-465E-8772-80DAF94E410A}" dt="2023-11-04T19:26:04.453" v="27" actId="1076"/>
+        <pc:picChg chg="add del mod">
+          <ac:chgData name="Whittington, Michael" userId="3d673bd4-8b87-474b-9206-0e4e7b47c529" providerId="ADAL" clId="{159694CD-AE90-465E-8772-80DAF94E410A}" dt="2023-12-15T18:21:45.740" v="5312" actId="478"/>
           <ac:picMkLst>
             <pc:docMk/>
             <pc:sldMk cId="1235301227" sldId="266"/>
@@ -552,7 +560,7 @@
         </pc:picChg>
       </pc:sldChg>
       <pc:sldChg chg="addSp delSp modSp new mod ord">
-        <pc:chgData name="Whittington, Michael" userId="3d673bd4-8b87-474b-9206-0e4e7b47c529" providerId="ADAL" clId="{159694CD-AE90-465E-8772-80DAF94E410A}" dt="2023-12-08T21:15:25.266" v="5252" actId="5736"/>
+        <pc:chgData name="Whittington, Michael" userId="3d673bd4-8b87-474b-9206-0e4e7b47c529" providerId="ADAL" clId="{159694CD-AE90-465E-8772-80DAF94E410A}" dt="2023-12-15T16:28:31.821" v="5310" actId="20577"/>
         <pc:sldMkLst>
           <pc:docMk/>
           <pc:sldMk cId="422958988" sldId="267"/>
@@ -574,7 +582,7 @@
           </ac:spMkLst>
         </pc:spChg>
         <pc:graphicFrameChg chg="add mod modGraphic">
-          <ac:chgData name="Whittington, Michael" userId="3d673bd4-8b87-474b-9206-0e4e7b47c529" providerId="ADAL" clId="{159694CD-AE90-465E-8772-80DAF94E410A}" dt="2023-12-08T21:15:25.266" v="5252" actId="5736"/>
+          <ac:chgData name="Whittington, Michael" userId="3d673bd4-8b87-474b-9206-0e4e7b47c529" providerId="ADAL" clId="{159694CD-AE90-465E-8772-80DAF94E410A}" dt="2023-12-15T16:28:31.821" v="5310" actId="20577"/>
           <ac:graphicFrameMkLst>
             <pc:docMk/>
             <pc:sldMk cId="422958988" sldId="267"/>
@@ -684,7 +692,7 @@
         </pc:spChg>
       </pc:sldChg>
       <pc:sldChg chg="addSp delSp modSp add mod modNotesTx">
-        <pc:chgData name="Whittington, Michael" userId="3d673bd4-8b87-474b-9206-0e4e7b47c529" providerId="ADAL" clId="{159694CD-AE90-465E-8772-80DAF94E410A}" dt="2023-12-08T20:57:34.193" v="5235" actId="1076"/>
+        <pc:chgData name="Whittington, Michael" userId="3d673bd4-8b87-474b-9206-0e4e7b47c529" providerId="ADAL" clId="{159694CD-AE90-465E-8772-80DAF94E410A}" dt="2023-12-15T18:11:28.695" v="5311" actId="20577"/>
         <pc:sldMkLst>
           <pc:docMk/>
           <pc:sldMk cId="321617598" sldId="269"/>
@@ -4718,7 +4726,7 @@
           <a:p>
             <a:fld id="{14043352-ACAB-444E-9784-5229AE0B935B}" type="datetimeFigureOut">
               <a:rPr lang="en-US" smtClean="0"/>
-              <a:t>11/29/2023</a:t>
+              <a:t>12/14/2023</a:t>
             </a:fld>
             <a:endParaRPr lang="en-US"/>
           </a:p>
@@ -5031,15 +5039,7 @@
           <a:p>
             <a:r>
               <a:rPr lang="en-US" dirty="0"/>
-              <a:t>Hello, my name is Michael Whittington and my project is titled “Predictive Analysis for Injury Diagnosis </a:t>
-            </a:r>
-            <a:r>
-              <a:rPr lang="en-US"/>
-              <a:t>and Localization</a:t>
-            </a:r>
-            <a:r>
-              <a:rPr lang="en-US" dirty="0"/>
-              <a:t>”</a:t>
+              <a:t>Hello, my name is Michael Whittington and my project is titled “Predictive Analysis for Injury Diagnosis and Localization”</a:t>
             </a:r>
           </a:p>
         </p:txBody>
@@ -5216,7 +5216,22 @@
                 <a:effectLst/>
                 <a:latin typeface="Calibri" panose="020F0502020204030204" pitchFamily="34" charset="0"/>
               </a:rPr>
-              <a:t>For those that may have missed my prior presentations, I want to quickly recap my project overview and background. The goal of my project is to use this dataset to find patterns in the data and accurately predict both the diagnosis of a patient's injury and the body part where it occurred. Ultimately, by understanding these injuries, companies can make safer products, and doctors can treat patients faster and better. This helps in making products safer and improving medical care for everyone. In order to accomplish this, I plan to use machine learning models and refine those models using other data science techniques.</a:t>
+              <a:t>For those that may have missed my prior presentations, I want to quickly recap my project overview and background. </a:t>
+            </a:r>
+          </a:p>
+          <a:p>
+            <a:endParaRPr lang="en-US" sz="1800" dirty="0">
+              <a:effectLst/>
+              <a:latin typeface="Calibri" panose="020F0502020204030204" pitchFamily="34" charset="0"/>
+            </a:endParaRPr>
+          </a:p>
+          <a:p>
+            <a:r>
+              <a:rPr lang="en-US" sz="1800" dirty="0">
+                <a:effectLst/>
+                <a:latin typeface="Calibri" panose="020F0502020204030204" pitchFamily="34" charset="0"/>
+              </a:rPr>
+              <a:t>The goal of my project is to use this dataset to find patterns in the data and accurately predict both the diagnosis of a patient's injury and the body part where it occurred. Ultimately, by understanding these injuries, companies can make safer products, and doctors can treat patients faster and better. This helps in making products safer and improving medical care for everyone. In order to accomplish this, I plan to use machine learning models and refine those models using other data science techniques.</a:t>
             </a:r>
             <a:endParaRPr lang="en-US" dirty="0"/>
           </a:p>
@@ -6169,15 +6184,7 @@
             </a:r>
             <a:r>
               <a:rPr lang="en-US" dirty="0"/>
-              <a:t> of the </a:t>
-            </a:r>
-            <a:r>
-              <a:rPr lang="en-US" dirty="0" err="1"/>
-              <a:t>XGBoost</a:t>
-            </a:r>
-            <a:r>
-              <a:rPr lang="en-US" dirty="0"/>
-              <a:t> Model and while this does share some surprising insight (</a:t>
+              <a:t> of the XGBoost Model and while this does share some surprising insight (</a:t>
             </a:r>
             <a:r>
               <a:rPr lang="en-US" dirty="0" err="1"/>
@@ -6185,7 +6192,7 @@
             </a:r>
             <a:r>
               <a:rPr lang="en-US" dirty="0"/>
-              <a:t> that Age and Sex don’t play a more important role in predicting the Diagnosis, when it was tested these ultimately did not alter the prediction accuracy very much at all.</a:t>
+              <a:t> that Age and Sex don’t play a more important role in predicting the Diagnosis), when it was tested these ultimately did not alter the prediction accuracy very much at all.</a:t>
             </a:r>
           </a:p>
         </p:txBody>
@@ -6568,7 +6575,7 @@
           <a:p>
             <a:fld id="{2F3E8B1C-86EF-43CF-8304-249481088644}" type="datetimeFigureOut">
               <a:rPr lang="en-US" smtClean="0"/>
-              <a:t>11/29/2023</a:t>
+              <a:t>12/14/2023</a:t>
             </a:fld>
             <a:endParaRPr lang="en-US"/>
           </a:p>
@@ -6766,7 +6773,7 @@
           <a:p>
             <a:fld id="{2F3E8B1C-86EF-43CF-8304-249481088644}" type="datetimeFigureOut">
               <a:rPr lang="en-US" smtClean="0"/>
-              <a:t>11/29/2023</a:t>
+              <a:t>12/14/2023</a:t>
             </a:fld>
             <a:endParaRPr lang="en-US"/>
           </a:p>
@@ -6974,7 +6981,7 @@
           <a:p>
             <a:fld id="{2F3E8B1C-86EF-43CF-8304-249481088644}" type="datetimeFigureOut">
               <a:rPr lang="en-US" smtClean="0"/>
-              <a:t>11/29/2023</a:t>
+              <a:t>12/14/2023</a:t>
             </a:fld>
             <a:endParaRPr lang="en-US"/>
           </a:p>
@@ -7172,7 +7179,7 @@
           <a:p>
             <a:fld id="{2F3E8B1C-86EF-43CF-8304-249481088644}" type="datetimeFigureOut">
               <a:rPr lang="en-US" smtClean="0"/>
-              <a:t>11/29/2023</a:t>
+              <a:t>12/14/2023</a:t>
             </a:fld>
             <a:endParaRPr lang="en-US"/>
           </a:p>
@@ -7447,7 +7454,7 @@
           <a:p>
             <a:fld id="{2F3E8B1C-86EF-43CF-8304-249481088644}" type="datetimeFigureOut">
               <a:rPr lang="en-US" smtClean="0"/>
-              <a:t>11/29/2023</a:t>
+              <a:t>12/14/2023</a:t>
             </a:fld>
             <a:endParaRPr lang="en-US"/>
           </a:p>
@@ -7717,7 +7724,7 @@
           <a:p>
             <a:fld id="{2F3E8B1C-86EF-43CF-8304-249481088644}" type="datetimeFigureOut">
               <a:rPr lang="en-US" smtClean="0"/>
-              <a:t>11/29/2023</a:t>
+              <a:t>12/14/2023</a:t>
             </a:fld>
             <a:endParaRPr lang="en-US"/>
           </a:p>
@@ -8137,7 +8144,7 @@
           <a:p>
             <a:fld id="{2F3E8B1C-86EF-43CF-8304-249481088644}" type="datetimeFigureOut">
               <a:rPr lang="en-US" smtClean="0"/>
-              <a:t>11/29/2023</a:t>
+              <a:t>12/14/2023</a:t>
             </a:fld>
             <a:endParaRPr lang="en-US"/>
           </a:p>
@@ -8278,7 +8285,7 @@
           <a:p>
             <a:fld id="{2F3E8B1C-86EF-43CF-8304-249481088644}" type="datetimeFigureOut">
               <a:rPr lang="en-US" smtClean="0"/>
-              <a:t>11/29/2023</a:t>
+              <a:t>12/14/2023</a:t>
             </a:fld>
             <a:endParaRPr lang="en-US"/>
           </a:p>
@@ -8391,7 +8398,7 @@
           <a:p>
             <a:fld id="{2F3E8B1C-86EF-43CF-8304-249481088644}" type="datetimeFigureOut">
               <a:rPr lang="en-US" smtClean="0"/>
-              <a:t>11/29/2023</a:t>
+              <a:t>12/14/2023</a:t>
             </a:fld>
             <a:endParaRPr lang="en-US"/>
           </a:p>
@@ -8702,7 +8709,7 @@
           <a:p>
             <a:fld id="{2F3E8B1C-86EF-43CF-8304-249481088644}" type="datetimeFigureOut">
               <a:rPr lang="en-US" smtClean="0"/>
-              <a:t>11/29/2023</a:t>
+              <a:t>12/14/2023</a:t>
             </a:fld>
             <a:endParaRPr lang="en-US"/>
           </a:p>
@@ -8990,7 +8997,7 @@
           <a:p>
             <a:fld id="{2F3E8B1C-86EF-43CF-8304-249481088644}" type="datetimeFigureOut">
               <a:rPr lang="en-US" smtClean="0"/>
-              <a:t>11/29/2023</a:t>
+              <a:t>12/14/2023</a:t>
             </a:fld>
             <a:endParaRPr lang="en-US"/>
           </a:p>
@@ -9231,7 +9238,7 @@
             <a:fld id="{2F3E8B1C-86EF-43CF-8304-249481088644}" type="datetimeFigureOut">
               <a:rPr lang="en-US" smtClean="0"/>
               <a:pPr/>
-              <a:t>11/29/2023</a:t>
+              <a:t>12/14/2023</a:t>
             </a:fld>
             <a:endParaRPr lang="en-US" dirty="0"/>
           </a:p>
@@ -10987,10 +10994,10 @@
       </p:pic>
       <p:pic>
         <p:nvPicPr>
-          <p:cNvPr id="7" name="Picture 6" descr="A picture containing logo&#10;&#10;Description automatically generated">
+          <p:cNvPr id="31" name="Picture 30">
             <a:extLst>
               <a:ext uri="{FF2B5EF4-FFF2-40B4-BE49-F238E27FC236}">
-                <a16:creationId xmlns:a16="http://schemas.microsoft.com/office/drawing/2014/main" id="{604C1A56-4AAB-593D-76B0-536BF81FCD21}"/>
+                <a16:creationId xmlns:a16="http://schemas.microsoft.com/office/drawing/2014/main" id="{51290AC2-79A0-6860-2EB7-9D97A8AA0B15}"/>
               </a:ext>
             </a:extLst>
           </p:cNvPr>
@@ -11000,43 +11007,7 @@
           <p:nvPr/>
         </p:nvPicPr>
         <p:blipFill>
-          <a:blip r:embed="rId8">
-            <a:extLst>
-              <a:ext uri="{28A0092B-C50C-407E-A947-70E740481C1C}">
-                <a14:useLocalDpi xmlns:a14="http://schemas.microsoft.com/office/drawing/2010/main" val="0"/>
-              </a:ext>
-            </a:extLst>
-          </a:blip>
-          <a:stretch>
-            <a:fillRect/>
-          </a:stretch>
-        </p:blipFill>
-        <p:spPr>
-          <a:xfrm>
-            <a:off x="3744721" y="3938940"/>
-            <a:ext cx="1567519" cy="844991"/>
-          </a:xfrm>
-          <a:prstGeom prst="rect">
-            <a:avLst/>
-          </a:prstGeom>
-        </p:spPr>
-      </p:pic>
-      <p:pic>
-        <p:nvPicPr>
-          <p:cNvPr id="31" name="Picture 30">
-            <a:extLst>
-              <a:ext uri="{FF2B5EF4-FFF2-40B4-BE49-F238E27FC236}">
-                <a16:creationId xmlns:a16="http://schemas.microsoft.com/office/drawing/2014/main" id="{51290AC2-79A0-6860-2EB7-9D97A8AA0B15}"/>
-              </a:ext>
-            </a:extLst>
-          </p:cNvPr>
-          <p:cNvPicPr>
-            <a:picLocks noChangeAspect="1"/>
-          </p:cNvPicPr>
-          <p:nvPr/>
-        </p:nvPicPr>
-        <p:blipFill>
-          <a:blip r:embed="rId9"/>
+          <a:blip r:embed="rId8"/>
           <a:stretch>
             <a:fillRect/>
           </a:stretch>
@@ -11184,7 +11155,7 @@
           <p:nvPr/>
         </p:nvPicPr>
         <p:blipFill>
-          <a:blip r:embed="rId10"/>
+          <a:blip r:embed="rId9"/>
           <a:stretch>
             <a:fillRect/>
           </a:stretch>
@@ -11227,6 +11198,42 @@
               <a:srgbClr val="FFFFFF"/>
             </a:contourClr>
           </a:sp3d>
+        </p:spPr>
+      </p:pic>
+      <p:pic>
+        <p:nvPicPr>
+          <p:cNvPr id="4" name="Picture 3" descr="Logo&#10;&#10;Description automatically generated">
+            <a:extLst>
+              <a:ext uri="{FF2B5EF4-FFF2-40B4-BE49-F238E27FC236}">
+                <a16:creationId xmlns:a16="http://schemas.microsoft.com/office/drawing/2014/main" id="{D5DF3327-EBB8-A6E5-369C-01AF2F0F1103}"/>
+              </a:ext>
+            </a:extLst>
+          </p:cNvPr>
+          <p:cNvPicPr>
+            <a:picLocks noChangeAspect="1"/>
+          </p:cNvPicPr>
+          <p:nvPr/>
+        </p:nvPicPr>
+        <p:blipFill>
+          <a:blip r:embed="rId10">
+            <a:extLst>
+              <a:ext uri="{28A0092B-C50C-407E-A947-70E740481C1C}">
+                <a14:useLocalDpi xmlns:a14="http://schemas.microsoft.com/office/drawing/2010/main" val="0"/>
+              </a:ext>
+            </a:extLst>
+          </a:blip>
+          <a:stretch>
+            <a:fillRect/>
+          </a:stretch>
+        </p:blipFill>
+        <p:spPr>
+          <a:xfrm>
+            <a:off x="2752223" y="3379939"/>
+            <a:ext cx="3536316" cy="1964620"/>
+          </a:xfrm>
+          <a:prstGeom prst="rect">
+            <a:avLst/>
+          </a:prstGeom>
         </p:spPr>
       </p:pic>
     </p:spTree>
@@ -18236,7 +18243,7 @@
           <p:nvPr>
             <p:extLst>
               <p:ext uri="{D42A27DB-BD31-4B8C-83A1-F6EECF244321}">
-                <p14:modId xmlns:p14="http://schemas.microsoft.com/office/powerpoint/2010/main" val="3664160509"/>
+                <p14:modId xmlns:p14="http://schemas.microsoft.com/office/powerpoint/2010/main" val="3619360058"/>
               </p:ext>
             </p:extLst>
           </p:nvPr>
@@ -18447,7 +18454,7 @@
                             <a:schemeClr val="tx1"/>
                           </a:solidFill>
                         </a:rPr>
-                        <a:t>Feature + Parameter Adjustment</a:t>
+                        <a:t>Model + Enhancements</a:t>
                       </a:r>
                     </a:p>
                   </a:txBody>
@@ -18488,7 +18495,7 @@
                             <a:schemeClr val="tx1"/>
                           </a:solidFill>
                         </a:rPr>
-                        <a:t>Feature + Parameter Adjustment</a:t>
+                        <a:t>Model + Enhancements</a:t>
                       </a:r>
                     </a:p>
                   </a:txBody>
